--- a/docs/slides/Lec16-Dictionaries.pptx
+++ b/docs/slides/Lec16-Dictionaries.pptx
@@ -431,7 +431,7 @@
       </p:grpSpPr>
       <p:sp>
         <p:nvSpPr>
-          <p:cNvPr id="229" name="Shape 229"/>
+          <p:cNvPr id="240" name="Shape 240"/>
           <p:cNvSpPr/>
           <p:nvPr>
             <p:ph type="sldImg"/>
@@ -456,7 +456,7 @@
       </p:sp>
       <p:sp>
         <p:nvSpPr>
-          <p:cNvPr id="230" name="Shape 230"/>
+          <p:cNvPr id="241" name="Shape 241"/>
           <p:cNvSpPr/>
           <p:nvPr>
             <p:ph type="body" sz="quarter" idx="1"/>
@@ -578,7 +578,7 @@
       </p:grpSpPr>
       <p:sp>
         <p:nvSpPr>
-          <p:cNvPr id="242" name="Shape 242"/>
+          <p:cNvPr id="252" name="Shape 252"/>
           <p:cNvSpPr/>
           <p:nvPr>
             <p:ph type="sldImg"/>
@@ -599,7 +599,7 @@
       </p:sp>
       <p:sp>
         <p:nvSpPr>
-          <p:cNvPr id="243" name="Shape 243"/>
+          <p:cNvPr id="253" name="Shape 253"/>
           <p:cNvSpPr/>
           <p:nvPr>
             <p:ph type="body" sz="quarter" idx="1"/>
@@ -657,7 +657,7 @@
       </p:grpSpPr>
       <p:sp>
         <p:nvSpPr>
-          <p:cNvPr id="255" name="Shape 255"/>
+          <p:cNvPr id="265" name="Shape 265"/>
           <p:cNvSpPr/>
           <p:nvPr>
             <p:ph type="sldImg"/>
@@ -678,7 +678,7 @@
       </p:sp>
       <p:sp>
         <p:nvSpPr>
-          <p:cNvPr id="256" name="Shape 256"/>
+          <p:cNvPr id="266" name="Shape 266"/>
           <p:cNvSpPr/>
           <p:nvPr>
             <p:ph type="body" sz="quarter" idx="1"/>
@@ -727,7 +727,7 @@
       </p:grpSpPr>
       <p:sp>
         <p:nvSpPr>
-          <p:cNvPr id="260" name="Shape 260"/>
+          <p:cNvPr id="270" name="Shape 270"/>
           <p:cNvSpPr/>
           <p:nvPr>
             <p:ph type="sldImg"/>
@@ -748,7 +748,7 @@
       </p:sp>
       <p:sp>
         <p:nvSpPr>
-          <p:cNvPr id="261" name="Shape 261"/>
+          <p:cNvPr id="271" name="Shape 271"/>
           <p:cNvSpPr/>
           <p:nvPr>
             <p:ph type="body" sz="quarter" idx="1"/>
@@ -797,7 +797,7 @@
       </p:grpSpPr>
       <p:sp>
         <p:nvSpPr>
-          <p:cNvPr id="267" name="Shape 267"/>
+          <p:cNvPr id="277" name="Shape 277"/>
           <p:cNvSpPr/>
           <p:nvPr>
             <p:ph type="sldImg"/>
@@ -818,7 +818,7 @@
       </p:sp>
       <p:sp>
         <p:nvSpPr>
-          <p:cNvPr id="268" name="Shape 268"/>
+          <p:cNvPr id="278" name="Shape 278"/>
           <p:cNvSpPr/>
           <p:nvPr>
             <p:ph type="body" sz="quarter" idx="1"/>
@@ -867,7 +867,7 @@
       </p:grpSpPr>
       <p:sp>
         <p:nvSpPr>
-          <p:cNvPr id="552" name="Shape 552"/>
+          <p:cNvPr id="562" name="Shape 562"/>
           <p:cNvSpPr/>
           <p:nvPr>
             <p:ph type="sldImg"/>
@@ -888,7 +888,7 @@
       </p:sp>
       <p:sp>
         <p:nvSpPr>
-          <p:cNvPr id="553" name="Shape 553"/>
+          <p:cNvPr id="563" name="Shape 563"/>
           <p:cNvSpPr/>
           <p:nvPr>
             <p:ph type="body" sz="quarter" idx="1"/>
@@ -946,7 +946,7 @@
       </p:grpSpPr>
       <p:sp>
         <p:nvSpPr>
-          <p:cNvPr id="755" name="Shape 755"/>
+          <p:cNvPr id="765" name="Shape 765"/>
           <p:cNvSpPr/>
           <p:nvPr>
             <p:ph type="sldImg"/>
@@ -967,7 +967,7 @@
       </p:sp>
       <p:sp>
         <p:nvSpPr>
-          <p:cNvPr id="756" name="Shape 756"/>
+          <p:cNvPr id="766" name="Shape 766"/>
           <p:cNvSpPr/>
           <p:nvPr>
             <p:ph type="body" sz="quarter" idx="1"/>
@@ -1025,7 +1025,7 @@
       </p:grpSpPr>
       <p:sp>
         <p:nvSpPr>
-          <p:cNvPr id="762" name="Shape 762"/>
+          <p:cNvPr id="772" name="Shape 772"/>
           <p:cNvSpPr/>
           <p:nvPr>
             <p:ph type="sldImg"/>
@@ -1046,7 +1046,7 @@
       </p:sp>
       <p:sp>
         <p:nvSpPr>
-          <p:cNvPr id="763" name="Shape 763"/>
+          <p:cNvPr id="773" name="Shape 773"/>
           <p:cNvSpPr/>
           <p:nvPr>
             <p:ph type="body" sz="quarter" idx="1"/>
@@ -4328,6 +4328,420 @@
 </p:sldLayout>
 </file>
 
+<file path=ppt/slideLayouts/slideLayout25.xml><?xml version="1.0" encoding="utf-8"?>
+<p:sldLayout xmlns:a="http://schemas.openxmlformats.org/drawingml/2006/main" xmlns:r="http://schemas.openxmlformats.org/officeDocument/2006/relationships" xmlns:p="http://schemas.openxmlformats.org/presentationml/2006/main" xmlns:m="http://schemas.openxmlformats.org/officeDocument/2006/math" xmlns:a14="http://schemas.microsoft.com/office/drawing/2010/main" type="tx" showMasterSp="1" showMasterPhAnim="1">
+  <p:cSld name="Photo - Horizontal">
+    <p:bg>
+      <p:bgPr>
+        <a:blipFill rotWithShape="1">
+          <a:blip r:embed="rId2"/>
+          <a:srcRect l="0" t="0" r="0" b="0"/>
+          <a:stretch>
+            <a:fillRect/>
+          </a:stretch>
+        </a:blipFill>
+      </p:bgPr>
+    </p:bg>
+    <p:spTree>
+      <p:nvGrpSpPr>
+        <p:cNvPr id="1" name=""/>
+        <p:cNvGrpSpPr/>
+        <p:nvPr/>
+      </p:nvGrpSpPr>
+      <p:grpSpPr>
+        <a:xfrm>
+          <a:off x="0" y="0"/>
+          <a:ext cx="0" cy="0"/>
+          <a:chOff x="0" y="0"/>
+          <a:chExt cx="0" cy="0"/>
+        </a:xfrm>
+      </p:grpSpPr>
+      <p:sp>
+        <p:nvSpPr>
+          <p:cNvPr id="230" name="Image"/>
+          <p:cNvSpPr/>
+          <p:nvPr>
+            <p:ph type="pic" sz="quarter" idx="21"/>
+          </p:nvPr>
+        </p:nvSpPr>
+        <p:spPr>
+          <a:xfrm>
+            <a:off x="2939541" y="1019658"/>
+            <a:ext cx="3264919" cy="2179962"/>
+          </a:xfrm>
+          <a:prstGeom prst="rect">
+            <a:avLst/>
+          </a:prstGeom>
+        </p:spPr>
+        <p:txBody>
+          <a:bodyPr lIns="91439" tIns="45719" rIns="91439" bIns="45719">
+            <a:noAutofit/>
+          </a:bodyPr>
+          <a:lstStyle/>
+          <a:p>
+            <a:pPr/>
+          </a:p>
+        </p:txBody>
+      </p:sp>
+      <p:sp>
+        <p:nvSpPr>
+          <p:cNvPr id="231" name="Title Text"/>
+          <p:cNvSpPr txBox="1"/>
+          <p:nvPr>
+            <p:ph type="title"/>
+          </p:nvPr>
+        </p:nvSpPr>
+        <p:spPr>
+          <a:xfrm>
+            <a:off x="2728577" y="3405559"/>
+            <a:ext cx="3686846" cy="487228"/>
+          </a:xfrm>
+          <a:prstGeom prst="rect">
+            <a:avLst/>
+          </a:prstGeom>
+        </p:spPr>
+        <p:txBody>
+          <a:bodyPr lIns="25716" tIns="25716" rIns="25716" bIns="25716" anchor="ctr"/>
+          <a:lstStyle>
+            <a:lvl1pPr algn="ctr" defTabSz="342900">
+              <a:defRPr sz="3000">
+                <a:solidFill>
+                  <a:srgbClr val="000000"/>
+                </a:solidFill>
+                <a:latin typeface="Calibri"/>
+                <a:ea typeface="Calibri"/>
+                <a:cs typeface="Calibri"/>
+                <a:sym typeface="Calibri"/>
+              </a:defRPr>
+            </a:lvl1pPr>
+          </a:lstStyle>
+          <a:p>
+            <a:pPr/>
+            <a:r>
+              <a:t>Title Text</a:t>
+            </a:r>
+          </a:p>
+        </p:txBody>
+      </p:sp>
+      <p:sp>
+        <p:nvSpPr>
+          <p:cNvPr id="232" name="Body Level One…"/>
+          <p:cNvSpPr txBox="1"/>
+          <p:nvPr>
+            <p:ph type="body" sz="quarter" idx="1"/>
+          </p:nvPr>
+        </p:nvSpPr>
+        <p:spPr>
+          <a:xfrm>
+            <a:off x="2728577" y="3887762"/>
+            <a:ext cx="3686846" cy="256172"/>
+          </a:xfrm>
+          <a:prstGeom prst="rect">
+            <a:avLst/>
+          </a:prstGeom>
+        </p:spPr>
+        <p:txBody>
+          <a:bodyPr lIns="25716" tIns="25716" rIns="25716" bIns="25716"/>
+          <a:lstStyle>
+            <a:lvl1pPr marL="0" indent="0" algn="ctr" defTabSz="342900">
+              <a:lnSpc>
+                <a:spcPct val="100000"/>
+              </a:lnSpc>
+              <a:buClrTx/>
+              <a:buSzTx/>
+              <a:buFontTx/>
+              <a:buNone/>
+              <a:defRPr sz="1400">
+                <a:solidFill>
+                  <a:srgbClr val="C8AF7B"/>
+                </a:solidFill>
+                <a:effectLst>
+                  <a:outerShdw sx="100000" sy="100000" kx="0" ky="0" algn="b" rotWithShape="0" blurRad="25400" dist="12700" dir="16200000">
+                    <a:srgbClr val="000000">
+                      <a:alpha val="48000"/>
+                    </a:srgbClr>
+                  </a:outerShdw>
+                </a:effectLst>
+                <a:latin typeface="Calibri"/>
+                <a:ea typeface="Calibri"/>
+                <a:cs typeface="Calibri"/>
+                <a:sym typeface="Calibri"/>
+              </a:defRPr>
+            </a:lvl1pPr>
+            <a:lvl2pPr marL="0" indent="0" algn="ctr" defTabSz="342900">
+              <a:lnSpc>
+                <a:spcPct val="100000"/>
+              </a:lnSpc>
+              <a:buClrTx/>
+              <a:buSzTx/>
+              <a:buFontTx/>
+              <a:buNone/>
+              <a:defRPr sz="1400">
+                <a:solidFill>
+                  <a:srgbClr val="C8AF7B"/>
+                </a:solidFill>
+                <a:effectLst>
+                  <a:outerShdw sx="100000" sy="100000" kx="0" ky="0" algn="b" rotWithShape="0" blurRad="25400" dist="12700" dir="16200000">
+                    <a:srgbClr val="000000">
+                      <a:alpha val="48000"/>
+                    </a:srgbClr>
+                  </a:outerShdw>
+                </a:effectLst>
+                <a:latin typeface="Calibri"/>
+                <a:ea typeface="Calibri"/>
+                <a:cs typeface="Calibri"/>
+                <a:sym typeface="Calibri"/>
+              </a:defRPr>
+            </a:lvl2pPr>
+            <a:lvl3pPr marL="0" indent="0" algn="ctr" defTabSz="342900">
+              <a:lnSpc>
+                <a:spcPct val="100000"/>
+              </a:lnSpc>
+              <a:buClrTx/>
+              <a:buSzTx/>
+              <a:buFontTx/>
+              <a:buNone/>
+              <a:defRPr sz="1400">
+                <a:solidFill>
+                  <a:srgbClr val="C8AF7B"/>
+                </a:solidFill>
+                <a:effectLst>
+                  <a:outerShdw sx="100000" sy="100000" kx="0" ky="0" algn="b" rotWithShape="0" blurRad="25400" dist="12700" dir="16200000">
+                    <a:srgbClr val="000000">
+                      <a:alpha val="48000"/>
+                    </a:srgbClr>
+                  </a:outerShdw>
+                </a:effectLst>
+                <a:latin typeface="Calibri"/>
+                <a:ea typeface="Calibri"/>
+                <a:cs typeface="Calibri"/>
+                <a:sym typeface="Calibri"/>
+              </a:defRPr>
+            </a:lvl3pPr>
+            <a:lvl4pPr marL="0" indent="0" algn="ctr" defTabSz="342900">
+              <a:lnSpc>
+                <a:spcPct val="100000"/>
+              </a:lnSpc>
+              <a:buClrTx/>
+              <a:buSzTx/>
+              <a:buFontTx/>
+              <a:buNone/>
+              <a:defRPr sz="1400">
+                <a:solidFill>
+                  <a:srgbClr val="C8AF7B"/>
+                </a:solidFill>
+                <a:effectLst>
+                  <a:outerShdw sx="100000" sy="100000" kx="0" ky="0" algn="b" rotWithShape="0" blurRad="25400" dist="12700" dir="16200000">
+                    <a:srgbClr val="000000">
+                      <a:alpha val="48000"/>
+                    </a:srgbClr>
+                  </a:outerShdw>
+                </a:effectLst>
+                <a:latin typeface="Calibri"/>
+                <a:ea typeface="Calibri"/>
+                <a:cs typeface="Calibri"/>
+                <a:sym typeface="Calibri"/>
+              </a:defRPr>
+            </a:lvl4pPr>
+            <a:lvl5pPr marL="0" indent="0" algn="ctr" defTabSz="342900">
+              <a:lnSpc>
+                <a:spcPct val="100000"/>
+              </a:lnSpc>
+              <a:buClrTx/>
+              <a:buSzTx/>
+              <a:buFontTx/>
+              <a:buNone/>
+              <a:defRPr sz="1400">
+                <a:solidFill>
+                  <a:srgbClr val="C8AF7B"/>
+                </a:solidFill>
+                <a:effectLst>
+                  <a:outerShdw sx="100000" sy="100000" kx="0" ky="0" algn="b" rotWithShape="0" blurRad="25400" dist="12700" dir="16200000">
+                    <a:srgbClr val="000000">
+                      <a:alpha val="48000"/>
+                    </a:srgbClr>
+                  </a:outerShdw>
+                </a:effectLst>
+                <a:latin typeface="Calibri"/>
+                <a:ea typeface="Calibri"/>
+                <a:cs typeface="Calibri"/>
+                <a:sym typeface="Calibri"/>
+              </a:defRPr>
+            </a:lvl5pPr>
+          </a:lstStyle>
+          <a:p>
+            <a:pPr/>
+            <a:r>
+              <a:t>Body Level One</a:t>
+            </a:r>
+          </a:p>
+          <a:p>
+            <a:pPr lvl="1"/>
+            <a:r>
+              <a:t>Body Level Two</a:t>
+            </a:r>
+          </a:p>
+          <a:p>
+            <a:pPr lvl="2"/>
+            <a:r>
+              <a:t>Body Level Three</a:t>
+            </a:r>
+          </a:p>
+          <a:p>
+            <a:pPr lvl="3"/>
+            <a:r>
+              <a:t>Body Level Four</a:t>
+            </a:r>
+          </a:p>
+          <a:p>
+            <a:pPr lvl="4"/>
+            <a:r>
+              <a:t>Body Level Five</a:t>
+            </a:r>
+          </a:p>
+        </p:txBody>
+      </p:sp>
+      <p:sp>
+        <p:nvSpPr>
+          <p:cNvPr id="233" name="Adopted from Stanford Uni’s CS106ap course slides by Kylie Jue and Sonja Johnson-Yu and Code in Place by Piech and Sahami; Koca Uni’s Comp125 course by Ayca Tuzmen"/>
+          <p:cNvSpPr txBox="1"/>
+          <p:nvPr/>
+        </p:nvSpPr>
+        <p:spPr>
+          <a:xfrm>
+            <a:off x="988444" y="4218315"/>
+            <a:ext cx="6076152" cy="159661"/>
+          </a:xfrm>
+          <a:prstGeom prst="rect">
+            <a:avLst/>
+          </a:prstGeom>
+          <a:ln w="12700">
+            <a:miter lim="400000"/>
+          </a:ln>
+          <a:extLst>
+            <a:ext uri="{C572A759-6A51-4108-AA02-DFA0A04FC94B}">
+              <ma14:wrappingTextBoxFlag xmlns:ma14="http://schemas.microsoft.com/office/mac/drawingml/2011/main" val="1"/>
+            </a:ext>
+          </a:extLst>
+        </p:spPr>
+        <p:txBody>
+          <a:bodyPr lIns="19287" tIns="19287" rIns="19287" bIns="19287">
+            <a:normAutofit fontScale="100000" lnSpcReduction="0"/>
+          </a:bodyPr>
+          <a:lstStyle/>
+          <a:p>
+            <a:pPr lvl="2" indent="886968" defTabSz="249459">
+              <a:defRPr sz="582">
+                <a:solidFill>
+                  <a:srgbClr val="C0504D"/>
+                </a:solidFill>
+                <a:latin typeface="Calibri"/>
+                <a:ea typeface="Calibri"/>
+                <a:cs typeface="Calibri"/>
+                <a:sym typeface="Calibri"/>
+              </a:defRPr>
+            </a:pPr>
+            <a:r>
+              <a:t>Adopted from Stanford Uni’s </a:t>
+            </a:r>
+            <a:r>
+              <a:rPr u="sng">
+                <a:solidFill>
+                  <a:srgbClr val="0000FF"/>
+                </a:solidFill>
+                <a:uFill>
+                  <a:solidFill>
+                    <a:srgbClr val="0000FF"/>
+                  </a:solidFill>
+                </a:uFill>
+                <a:hlinkClick r:id="rId3" invalidUrl="" action="" tgtFrame="" tooltip="" history="1" highlightClick="0" endSnd="0"/>
+              </a:rPr>
+              <a:t>CS106ap course slides by Kylie Jue and Sonja Johnson-Yu</a:t>
+            </a:r>
+            <a:r>
+              <a:t> and </a:t>
+            </a:r>
+            <a:r>
+              <a:rPr u="sng">
+                <a:solidFill>
+                  <a:srgbClr val="0000FF"/>
+                </a:solidFill>
+                <a:uFill>
+                  <a:solidFill>
+                    <a:srgbClr val="0000FF"/>
+                  </a:solidFill>
+                </a:uFill>
+                <a:hlinkClick r:id="rId4" invalidUrl="" action="" tgtFrame="" tooltip="" history="1" highlightClick="0" endSnd="0"/>
+              </a:rPr>
+              <a:t>Code in Place by Piech and Sahami</a:t>
+            </a:r>
+            <a:r>
+              <a:t>; Koca Uni’s </a:t>
+            </a:r>
+            <a:r>
+              <a:rPr u="sng">
+                <a:solidFill>
+                  <a:srgbClr val="0000FF"/>
+                </a:solidFill>
+                <a:uFill>
+                  <a:solidFill>
+                    <a:srgbClr val="0000FF"/>
+                  </a:solidFill>
+                </a:uFill>
+                <a:hlinkClick r:id="rId5" invalidUrl="" action="" tgtFrame="" tooltip="" history="1" highlightClick="0" endSnd="0"/>
+              </a:rPr>
+              <a:t>Comp125 course by Ayca Tuzmen</a:t>
+            </a:r>
+          </a:p>
+        </p:txBody>
+      </p:sp>
+      <p:sp>
+        <p:nvSpPr>
+          <p:cNvPr id="234" name="Slide Number"/>
+          <p:cNvSpPr txBox="1"/>
+          <p:nvPr>
+            <p:ph type="sldNum" sz="quarter" idx="2"/>
+          </p:nvPr>
+        </p:nvSpPr>
+        <p:spPr>
+          <a:xfrm>
+            <a:off x="6706579" y="4238122"/>
+            <a:ext cx="179997" cy="165908"/>
+          </a:xfrm>
+          <a:prstGeom prst="rect">
+            <a:avLst/>
+          </a:prstGeom>
+        </p:spPr>
+        <p:txBody>
+          <a:bodyPr lIns="25716" tIns="25716" rIns="25716" bIns="25716"/>
+          <a:lstStyle>
+            <a:lvl1pPr defTabSz="342900">
+              <a:defRPr i="1" sz="900">
+                <a:solidFill>
+                  <a:srgbClr val="F4E1B9"/>
+                </a:solidFill>
+                <a:latin typeface="Calibri"/>
+                <a:ea typeface="Calibri"/>
+                <a:cs typeface="Calibri"/>
+                <a:sym typeface="Calibri"/>
+              </a:defRPr>
+            </a:lvl1pPr>
+          </a:lstStyle>
+          <a:p>
+            <a:pPr/>
+            <a:fld id="{86CB4B4D-7CA3-9044-876B-883B54F8677D}" type="slidenum"/>
+          </a:p>
+        </p:txBody>
+      </p:sp>
+    </p:spTree>
+  </p:cSld>
+  <p:clrMapOvr>
+    <a:masterClrMapping/>
+  </p:clrMapOvr>
+  <p:transition xmlns:p14="http://schemas.microsoft.com/office/powerpoint/2010/main" spd="med" advClick="1"/>
+</p:sldLayout>
+</file>
+
 <file path=ppt/slideLayouts/slideLayout3.xml><?xml version="1.0" encoding="utf-8"?>
 <p:sldLayout xmlns:a="http://schemas.openxmlformats.org/drawingml/2006/main" xmlns:r="http://schemas.openxmlformats.org/officeDocument/2006/relationships" xmlns:p="http://schemas.openxmlformats.org/presentationml/2006/main" xmlns:m="http://schemas.openxmlformats.org/officeDocument/2006/math" xmlns:a14="http://schemas.microsoft.com/office/drawing/2010/main" type="tx" showMasterSp="1" showMasterPhAnim="1">
   <p:cSld name="TITLE_AND_BODY">
@@ -5553,6 +5967,7 @@
     <p:sldLayoutId id="2147483670" r:id="rId23"/>
     <p:sldLayoutId id="2147483671" r:id="rId24"/>
     <p:sldLayoutId id="2147483672" r:id="rId25"/>
+    <p:sldLayoutId id="2147483673" r:id="rId26"/>
   </p:sldLayoutIdLst>
   <p:transition xmlns:p14="http://schemas.microsoft.com/office/powerpoint/2010/main" spd="med" advClick="1"/>
   <p:txStyles>
@@ -6303,15 +6718,49 @@
           <a:chExt cx="0" cy="0"/>
         </a:xfrm>
       </p:grpSpPr>
+      <p:sp>
+        <p:nvSpPr>
+          <p:cNvPr id="243" name="Comp130"/>
+          <p:cNvSpPr txBox="1"/>
+          <p:nvPr>
+            <p:ph type="title"/>
+          </p:nvPr>
+        </p:nvSpPr>
+        <p:spPr>
+          <a:xfrm>
+            <a:off x="2728577" y="3500514"/>
+            <a:ext cx="3686846" cy="487228"/>
+          </a:xfrm>
+          <a:prstGeom prst="rect">
+            <a:avLst/>
+          </a:prstGeom>
+        </p:spPr>
+        <p:txBody>
+          <a:bodyPr/>
+          <a:lstStyle>
+            <a:lvl1pPr defTabSz="277749">
+              <a:defRPr sz="2430">
+                <a:solidFill>
+                  <a:srgbClr val="FFFFFF"/>
+                </a:solidFill>
+              </a:defRPr>
+            </a:lvl1pPr>
+          </a:lstStyle>
+          <a:p>
+            <a:pPr/>
+            <a:r>
+              <a:t>Data Structures- Dictionaries</a:t>
+            </a:r>
+          </a:p>
+        </p:txBody>
+      </p:sp>
       <p:pic>
         <p:nvPicPr>
-          <p:cNvPr id="232" name="kocuni.jpg" descr="kocuni.jpg"/>
+          <p:cNvPr id="244" name="Image" descr="Image"/>
           <p:cNvPicPr>
             <a:picLocks noChangeAspect="1"/>
           </p:cNvPicPr>
-          <p:nvPr>
-            <p:ph type="pic" idx="21"/>
-          </p:nvPr>
+          <p:nvPr/>
         </p:nvPicPr>
         <p:blipFill>
           <a:blip r:embed="rId2">
@@ -6323,71 +6772,8 @@
         </p:blipFill>
         <p:spPr>
           <a:xfrm>
-            <a:off x="2315022" y="415229"/>
-            <a:ext cx="4513958" cy="3087442"/>
-          </a:xfrm>
-          <a:prstGeom prst="rect">
-            <a:avLst/>
-          </a:prstGeom>
-        </p:spPr>
-      </p:pic>
-      <p:sp>
-        <p:nvSpPr>
-          <p:cNvPr id="233" name="Comp130"/>
-          <p:cNvSpPr txBox="1"/>
-          <p:nvPr>
-            <p:ph type="title"/>
-          </p:nvPr>
-        </p:nvSpPr>
-        <p:spPr>
-          <a:xfrm>
-            <a:off x="2114102" y="3810103"/>
-            <a:ext cx="4915796" cy="649637"/>
-          </a:xfrm>
-          <a:prstGeom prst="rect">
-            <a:avLst/>
-          </a:prstGeom>
-        </p:spPr>
-        <p:txBody>
-          <a:bodyPr/>
-          <a:lstStyle/>
-          <a:p>
-            <a:pPr>
-              <a:defRPr>
-                <a:solidFill>
-                  <a:srgbClr val="FFFFFF"/>
-                </a:solidFill>
-              </a:defRPr>
-            </a:pPr>
-            <a:r>
-              <a:t>Data Structure - </a:t>
-            </a:r>
-            <a:r>
-              <a:t>Dictionaries</a:t>
-            </a:r>
-          </a:p>
-        </p:txBody>
-      </p:sp>
-      <p:pic>
-        <p:nvPicPr>
-          <p:cNvPr id="234" name="top-logo-en.jpg" descr="top-logo-en.jpg"/>
-          <p:cNvPicPr>
-            <a:picLocks noChangeAspect="1"/>
-          </p:cNvPicPr>
-          <p:nvPr/>
-        </p:nvPicPr>
-        <p:blipFill>
-          <a:blip r:embed="rId3">
-            <a:extLst/>
-          </a:blip>
-          <a:stretch>
-            <a:fillRect/>
-          </a:stretch>
-        </p:blipFill>
-        <p:spPr>
-          <a:xfrm>
-            <a:off x="3801814" y="73670"/>
-            <a:ext cx="1540373" cy="361653"/>
+            <a:off x="1472642" y="1829156"/>
+            <a:ext cx="6198716" cy="1440785"/>
           </a:xfrm>
           <a:prstGeom prst="rect">
             <a:avLst/>
@@ -6425,7 +6811,7 @@
       </p:grpSpPr>
       <p:grpSp>
         <p:nvGrpSpPr>
-          <p:cNvPr id="280" name="Google Shape;345;p46"/>
+          <p:cNvPr id="290" name="Google Shape;345;p46"/>
           <p:cNvGrpSpPr/>
           <p:nvPr/>
         </p:nvGrpSpPr>
@@ -6439,7 +6825,7 @@
         </p:grpSpPr>
         <p:sp>
           <p:nvSpPr>
-            <p:cNvPr id="278" name="Rounded Rectangle"/>
+            <p:cNvPr id="288" name="Rounded Rectangle"/>
             <p:cNvSpPr/>
             <p:nvPr/>
           </p:nvSpPr>
@@ -6485,7 +6871,7 @@
         </p:sp>
         <p:sp>
           <p:nvSpPr>
-            <p:cNvPr id="279" name="List…"/>
+            <p:cNvPr id="289" name="List…"/>
             <p:cNvSpPr txBox="1"/>
             <p:nvPr/>
           </p:nvSpPr>
@@ -6551,7 +6937,7 @@
       </p:grpSp>
       <p:sp>
         <p:nvSpPr>
-          <p:cNvPr id="281" name="Google Shape;346;p46"/>
+          <p:cNvPr id="291" name="Google Shape;346;p46"/>
           <p:cNvSpPr txBox="1"/>
           <p:nvPr/>
         </p:nvSpPr>
@@ -6625,7 +7011,7 @@
       </p:grpSpPr>
       <p:sp>
         <p:nvSpPr>
-          <p:cNvPr id="283" name="Google Shape;351;p47"/>
+          <p:cNvPr id="293" name="Google Shape;351;p47"/>
           <p:cNvSpPr txBox="1"/>
           <p:nvPr>
             <p:ph type="title"/>
@@ -6657,7 +7043,7 @@
       </p:sp>
       <p:sp>
         <p:nvSpPr>
-          <p:cNvPr id="284" name="Google Shape;352;p47"/>
+          <p:cNvPr id="294" name="Google Shape;352;p47"/>
           <p:cNvSpPr txBox="1"/>
           <p:nvPr>
             <p:ph type="body" idx="1"/>
@@ -6767,7 +7153,7 @@
                                       <p:cBhvr>
                                         <p:cTn id="6" fill="hold"/>
                                         <p:tgtEl>
-                                          <p:spTgt spid="284">
+                                          <p:spTgt spid="294">
                                             <p:bg/>
                                           </p:spTgt>
                                         </p:tgtEl>
@@ -6795,7 +7181,7 @@
                                       <p:cBhvr>
                                         <p:cTn id="8" fill="hold"/>
                                         <p:tgtEl>
-                                          <p:spTgt spid="284">
+                                          <p:spTgt spid="294">
                                             <p:txEl>
                                               <p:pRg st="0" end="0"/>
                                             </p:txEl>
@@ -6843,7 +7229,7 @@
                                       <p:cBhvr>
                                         <p:cTn id="12" fill="hold"/>
                                         <p:tgtEl>
-                                          <p:spTgt spid="284">
+                                          <p:spTgt spid="294">
                                             <p:txEl>
                                               <p:pRg st="1" end="1"/>
                                             </p:txEl>
@@ -6891,7 +7277,7 @@
                                       <p:cBhvr>
                                         <p:cTn id="16" fill="hold"/>
                                         <p:tgtEl>
-                                          <p:spTgt spid="284">
+                                          <p:spTgt spid="294">
                                             <p:txEl>
                                               <p:pRg st="2" end="2"/>
                                             </p:txEl>
@@ -6939,7 +7325,7 @@
                                       <p:cBhvr>
                                         <p:cTn id="20" fill="hold"/>
                                         <p:tgtEl>
-                                          <p:spTgt spid="284">
+                                          <p:spTgt spid="294">
                                             <p:txEl>
                                               <p:pRg st="3" end="3"/>
                                             </p:txEl>
@@ -6984,7 +7370,7 @@
       </p:par>
     </p:tnLst>
     <p:bldLst>
-      <p:bldP build="p" bldLvl="5" animBg="1" rev="0" advAuto="0" spid="284" grpId="1"/>
+      <p:bldP build="p" bldLvl="5" animBg="1" rev="0" advAuto="0" spid="294" grpId="1"/>
     </p:bldLst>
   </p:timing>
 </p:sld>
@@ -7009,7 +7395,7 @@
       </p:grpSpPr>
       <p:sp>
         <p:nvSpPr>
-          <p:cNvPr id="286" name="Google Shape;351;p47"/>
+          <p:cNvPr id="296" name="Google Shape;351;p47"/>
           <p:cNvSpPr txBox="1"/>
           <p:nvPr>
             <p:ph type="title"/>
@@ -7041,7 +7427,7 @@
       </p:sp>
       <p:sp>
         <p:nvSpPr>
-          <p:cNvPr id="287" name="Google Shape;352;p47"/>
+          <p:cNvPr id="297" name="Google Shape;352;p47"/>
           <p:cNvSpPr txBox="1"/>
           <p:nvPr>
             <p:ph type="body" idx="1"/>
@@ -7083,7 +7469,7 @@
       </p:sp>
       <p:pic>
         <p:nvPicPr>
-          <p:cNvPr id="288" name="Google Shape;363;p48" descr="Google Shape;363;p48"/>
+          <p:cNvPr id="298" name="Google Shape;363;p48" descr="Google Shape;363;p48"/>
           <p:cNvPicPr>
             <a:picLocks noChangeAspect="1"/>
           </p:cNvPicPr>
@@ -7113,7 +7499,7 @@
       </p:pic>
       <p:sp>
         <p:nvSpPr>
-          <p:cNvPr id="289" name="Google Shape;365;p48"/>
+          <p:cNvPr id="299" name="Google Shape;365;p48"/>
           <p:cNvSpPr txBox="1"/>
           <p:nvPr/>
         </p:nvSpPr>
@@ -7187,7 +7573,7 @@
       </p:grpSpPr>
       <p:sp>
         <p:nvSpPr>
-          <p:cNvPr id="291" name="Rectangle 7"/>
+          <p:cNvPr id="301" name="Rectangle 7"/>
           <p:cNvSpPr/>
           <p:nvPr/>
         </p:nvSpPr>
@@ -7218,7 +7604,7 @@
       </p:sp>
       <p:sp>
         <p:nvSpPr>
-          <p:cNvPr id="292" name="Google Shape;351;p47"/>
+          <p:cNvPr id="302" name="Google Shape;351;p47"/>
           <p:cNvSpPr txBox="1"/>
           <p:nvPr>
             <p:ph type="title"/>
@@ -7250,7 +7636,7 @@
       </p:sp>
       <p:sp>
         <p:nvSpPr>
-          <p:cNvPr id="293" name="Google Shape;352;p47"/>
+          <p:cNvPr id="303" name="Google Shape;352;p47"/>
           <p:cNvSpPr txBox="1"/>
           <p:nvPr>
             <p:ph type="body" idx="1"/>
@@ -7292,7 +7678,7 @@
       </p:sp>
       <p:pic>
         <p:nvPicPr>
-          <p:cNvPr id="294" name="Google Shape;363;p48" descr="Google Shape;363;p48"/>
+          <p:cNvPr id="304" name="Google Shape;363;p48" descr="Google Shape;363;p48"/>
           <p:cNvPicPr>
             <a:picLocks noChangeAspect="1"/>
           </p:cNvPicPr>
@@ -7322,7 +7708,7 @@
       </p:pic>
       <p:sp>
         <p:nvSpPr>
-          <p:cNvPr id="295" name="Google Shape;365;p48"/>
+          <p:cNvPr id="305" name="Google Shape;365;p48"/>
           <p:cNvSpPr txBox="1"/>
           <p:nvPr/>
         </p:nvSpPr>
@@ -7381,7 +7767,7 @@
       </p:sp>
       <p:graphicFrame>
         <p:nvGraphicFramePr>
-          <p:cNvPr id="296" name="Table 1"/>
+          <p:cNvPr id="306" name="Table 1"/>
           <p:cNvGraphicFramePr/>
           <p:nvPr/>
         </p:nvGraphicFramePr>
@@ -7508,7 +7894,7 @@
       </p:graphicFrame>
       <p:graphicFrame>
         <p:nvGraphicFramePr>
-          <p:cNvPr id="297" name="Table 6"/>
+          <p:cNvPr id="307" name="Table 6"/>
           <p:cNvGraphicFramePr/>
           <p:nvPr/>
         </p:nvGraphicFramePr>
@@ -7635,7 +8021,7 @@
       </p:graphicFrame>
       <p:sp>
         <p:nvSpPr>
-          <p:cNvPr id="298" name="Straight Arrow Connector 5"/>
+          <p:cNvPr id="308" name="Straight Arrow Connector 5"/>
           <p:cNvSpPr/>
           <p:nvPr/>
         </p:nvSpPr>
@@ -7664,7 +8050,7 @@
       </p:sp>
       <p:sp>
         <p:nvSpPr>
-          <p:cNvPr id="299" name="Straight Arrow Connector 9"/>
+          <p:cNvPr id="309" name="Straight Arrow Connector 9"/>
           <p:cNvSpPr/>
           <p:nvPr/>
         </p:nvSpPr>
@@ -7693,7 +8079,7 @@
       </p:sp>
       <p:sp>
         <p:nvSpPr>
-          <p:cNvPr id="300" name="Straight Arrow Connector 10"/>
+          <p:cNvPr id="310" name="Straight Arrow Connector 10"/>
           <p:cNvSpPr/>
           <p:nvPr/>
         </p:nvSpPr>
@@ -7722,7 +8108,7 @@
       </p:sp>
       <p:sp>
         <p:nvSpPr>
-          <p:cNvPr id="301" name="Straight Arrow Connector 11"/>
+          <p:cNvPr id="311" name="Straight Arrow Connector 11"/>
           <p:cNvSpPr/>
           <p:nvPr/>
         </p:nvSpPr>
@@ -7751,7 +8137,7 @@
       </p:sp>
       <p:sp>
         <p:nvSpPr>
-          <p:cNvPr id="302" name="Google Shape;365;p48"/>
+          <p:cNvPr id="312" name="Google Shape;365;p48"/>
           <p:cNvSpPr txBox="1"/>
           <p:nvPr/>
         </p:nvSpPr>
@@ -7795,7 +8181,7 @@
       </p:sp>
       <p:sp>
         <p:nvSpPr>
-          <p:cNvPr id="303" name="Google Shape;365;p48"/>
+          <p:cNvPr id="313" name="Google Shape;365;p48"/>
           <p:cNvSpPr txBox="1"/>
           <p:nvPr/>
         </p:nvSpPr>
@@ -7839,7 +8225,7 @@
       </p:sp>
       <p:sp>
         <p:nvSpPr>
-          <p:cNvPr id="304" name="Google Shape;365;p48"/>
+          <p:cNvPr id="314" name="Google Shape;365;p48"/>
           <p:cNvSpPr txBox="1"/>
           <p:nvPr/>
         </p:nvSpPr>
@@ -7909,7 +8295,7 @@
       </p:grpSpPr>
       <p:sp>
         <p:nvSpPr>
-          <p:cNvPr id="306" name="Google Shape;351;p47"/>
+          <p:cNvPr id="316" name="Google Shape;351;p47"/>
           <p:cNvSpPr txBox="1"/>
           <p:nvPr>
             <p:ph type="title"/>
@@ -7941,7 +8327,7 @@
       </p:sp>
       <p:pic>
         <p:nvPicPr>
-          <p:cNvPr id="307" name="Google Shape;363;p48" descr="Google Shape;363;p48"/>
+          <p:cNvPr id="317" name="Google Shape;363;p48" descr="Google Shape;363;p48"/>
           <p:cNvPicPr>
             <a:picLocks noChangeAspect="1"/>
           </p:cNvPicPr>
@@ -7971,7 +8357,7 @@
       </p:pic>
       <p:sp>
         <p:nvSpPr>
-          <p:cNvPr id="308" name="Google Shape;365;p48"/>
+          <p:cNvPr id="318" name="Google Shape;365;p48"/>
           <p:cNvSpPr txBox="1"/>
           <p:nvPr/>
         </p:nvSpPr>
@@ -8020,7 +8406,7 @@
       </p:sp>
       <p:sp>
         <p:nvSpPr>
-          <p:cNvPr id="309" name="Rectangle 7"/>
+          <p:cNvPr id="319" name="Rectangle 7"/>
           <p:cNvSpPr/>
           <p:nvPr/>
         </p:nvSpPr>
@@ -8051,7 +8437,7 @@
       </p:sp>
       <p:graphicFrame>
         <p:nvGraphicFramePr>
-          <p:cNvPr id="310" name="Table 1"/>
+          <p:cNvPr id="320" name="Table 1"/>
           <p:cNvGraphicFramePr/>
           <p:nvPr/>
         </p:nvGraphicFramePr>
@@ -8178,7 +8564,7 @@
       </p:graphicFrame>
       <p:graphicFrame>
         <p:nvGraphicFramePr>
-          <p:cNvPr id="311" name="Table 6"/>
+          <p:cNvPr id="321" name="Table 6"/>
           <p:cNvGraphicFramePr/>
           <p:nvPr/>
         </p:nvGraphicFramePr>
@@ -8305,7 +8691,7 @@
       </p:graphicFrame>
       <p:sp>
         <p:nvSpPr>
-          <p:cNvPr id="312" name="Straight Arrow Connector 5"/>
+          <p:cNvPr id="322" name="Straight Arrow Connector 5"/>
           <p:cNvSpPr/>
           <p:nvPr/>
         </p:nvSpPr>
@@ -8334,7 +8720,7 @@
       </p:sp>
       <p:sp>
         <p:nvSpPr>
-          <p:cNvPr id="313" name="Straight Arrow Connector 9"/>
+          <p:cNvPr id="323" name="Straight Arrow Connector 9"/>
           <p:cNvSpPr/>
           <p:nvPr/>
         </p:nvSpPr>
@@ -8363,7 +8749,7 @@
       </p:sp>
       <p:sp>
         <p:nvSpPr>
-          <p:cNvPr id="314" name="Straight Arrow Connector 10"/>
+          <p:cNvPr id="324" name="Straight Arrow Connector 10"/>
           <p:cNvSpPr/>
           <p:nvPr/>
         </p:nvSpPr>
@@ -8392,7 +8778,7 @@
       </p:sp>
       <p:sp>
         <p:nvSpPr>
-          <p:cNvPr id="315" name="Straight Arrow Connector 11"/>
+          <p:cNvPr id="325" name="Straight Arrow Connector 11"/>
           <p:cNvSpPr/>
           <p:nvPr/>
         </p:nvSpPr>
@@ -8421,7 +8807,7 @@
       </p:sp>
       <p:sp>
         <p:nvSpPr>
-          <p:cNvPr id="316" name="Google Shape;365;p48"/>
+          <p:cNvPr id="326" name="Google Shape;365;p48"/>
           <p:cNvSpPr txBox="1"/>
           <p:nvPr/>
         </p:nvSpPr>
@@ -8465,7 +8851,7 @@
       </p:sp>
       <p:sp>
         <p:nvSpPr>
-          <p:cNvPr id="317" name="Google Shape;365;p48"/>
+          <p:cNvPr id="327" name="Google Shape;365;p48"/>
           <p:cNvSpPr txBox="1"/>
           <p:nvPr/>
         </p:nvSpPr>
@@ -8509,7 +8895,7 @@
       </p:sp>
       <p:sp>
         <p:nvSpPr>
-          <p:cNvPr id="318" name="Google Shape;365;p48"/>
+          <p:cNvPr id="328" name="Google Shape;365;p48"/>
           <p:cNvSpPr txBox="1"/>
           <p:nvPr/>
         </p:nvSpPr>
@@ -8579,7 +8965,7 @@
       </p:grpSpPr>
       <p:sp>
         <p:nvSpPr>
-          <p:cNvPr id="320" name="Google Shape;351;p47"/>
+          <p:cNvPr id="330" name="Google Shape;351;p47"/>
           <p:cNvSpPr txBox="1"/>
           <p:nvPr>
             <p:ph type="title"/>
@@ -8611,7 +8997,7 @@
       </p:sp>
       <p:pic>
         <p:nvPicPr>
-          <p:cNvPr id="321" name="Google Shape;363;p48" descr="Google Shape;363;p48"/>
+          <p:cNvPr id="331" name="Google Shape;363;p48" descr="Google Shape;363;p48"/>
           <p:cNvPicPr>
             <a:picLocks noChangeAspect="1"/>
           </p:cNvPicPr>
@@ -8641,7 +9027,7 @@
       </p:pic>
       <p:sp>
         <p:nvSpPr>
-          <p:cNvPr id="322" name="Google Shape;365;p48"/>
+          <p:cNvPr id="332" name="Google Shape;365;p48"/>
           <p:cNvSpPr txBox="1"/>
           <p:nvPr/>
         </p:nvSpPr>
@@ -8690,7 +9076,7 @@
       </p:sp>
       <p:sp>
         <p:nvSpPr>
-          <p:cNvPr id="323" name="Rectangle 7"/>
+          <p:cNvPr id="333" name="Rectangle 7"/>
           <p:cNvSpPr/>
           <p:nvPr/>
         </p:nvSpPr>
@@ -8721,7 +9107,7 @@
       </p:sp>
       <p:graphicFrame>
         <p:nvGraphicFramePr>
-          <p:cNvPr id="324" name="Table 1"/>
+          <p:cNvPr id="334" name="Table 1"/>
           <p:cNvGraphicFramePr/>
           <p:nvPr/>
         </p:nvGraphicFramePr>
@@ -8848,7 +9234,7 @@
       </p:graphicFrame>
       <p:graphicFrame>
         <p:nvGraphicFramePr>
-          <p:cNvPr id="325" name="Table 6"/>
+          <p:cNvPr id="335" name="Table 6"/>
           <p:cNvGraphicFramePr/>
           <p:nvPr/>
         </p:nvGraphicFramePr>
@@ -8975,7 +9361,7 @@
       </p:graphicFrame>
       <p:sp>
         <p:nvSpPr>
-          <p:cNvPr id="326" name="Straight Arrow Connector 5"/>
+          <p:cNvPr id="336" name="Straight Arrow Connector 5"/>
           <p:cNvSpPr/>
           <p:nvPr/>
         </p:nvSpPr>
@@ -9004,7 +9390,7 @@
       </p:sp>
       <p:sp>
         <p:nvSpPr>
-          <p:cNvPr id="327" name="Straight Arrow Connector 9"/>
+          <p:cNvPr id="337" name="Straight Arrow Connector 9"/>
           <p:cNvSpPr/>
           <p:nvPr/>
         </p:nvSpPr>
@@ -9033,7 +9419,7 @@
       </p:sp>
       <p:sp>
         <p:nvSpPr>
-          <p:cNvPr id="328" name="Straight Arrow Connector 10"/>
+          <p:cNvPr id="338" name="Straight Arrow Connector 10"/>
           <p:cNvSpPr/>
           <p:nvPr/>
         </p:nvSpPr>
@@ -9062,7 +9448,7 @@
       </p:sp>
       <p:sp>
         <p:nvSpPr>
-          <p:cNvPr id="329" name="Straight Arrow Connector 11"/>
+          <p:cNvPr id="339" name="Straight Arrow Connector 11"/>
           <p:cNvSpPr/>
           <p:nvPr/>
         </p:nvSpPr>
@@ -9091,7 +9477,7 @@
       </p:sp>
       <p:sp>
         <p:nvSpPr>
-          <p:cNvPr id="330" name="Google Shape;365;p48"/>
+          <p:cNvPr id="340" name="Google Shape;365;p48"/>
           <p:cNvSpPr txBox="1"/>
           <p:nvPr/>
         </p:nvSpPr>
@@ -9135,7 +9521,7 @@
       </p:sp>
       <p:sp>
         <p:nvSpPr>
-          <p:cNvPr id="331" name="Google Shape;365;p48"/>
+          <p:cNvPr id="341" name="Google Shape;365;p48"/>
           <p:cNvSpPr txBox="1"/>
           <p:nvPr/>
         </p:nvSpPr>
@@ -9179,7 +9565,7 @@
       </p:sp>
       <p:sp>
         <p:nvSpPr>
-          <p:cNvPr id="332" name="Google Shape;365;p48"/>
+          <p:cNvPr id="342" name="Google Shape;365;p48"/>
           <p:cNvSpPr txBox="1"/>
           <p:nvPr/>
         </p:nvSpPr>
@@ -9223,7 +9609,7 @@
       </p:sp>
       <p:sp>
         <p:nvSpPr>
-          <p:cNvPr id="333" name="Text Placeholder 2"/>
+          <p:cNvPr id="343" name="Text Placeholder 2"/>
           <p:cNvSpPr txBox="1"/>
           <p:nvPr>
             <p:ph type="body" idx="1"/>
@@ -9289,7 +9675,7 @@
       </p:grpSpPr>
       <p:sp>
         <p:nvSpPr>
-          <p:cNvPr id="335" name="Google Shape;351;p47"/>
+          <p:cNvPr id="345" name="Google Shape;351;p47"/>
           <p:cNvSpPr txBox="1"/>
           <p:nvPr>
             <p:ph type="title"/>
@@ -9321,7 +9707,7 @@
       </p:sp>
       <p:sp>
         <p:nvSpPr>
-          <p:cNvPr id="336" name="Rectangle 7"/>
+          <p:cNvPr id="346" name="Rectangle 7"/>
           <p:cNvSpPr/>
           <p:nvPr/>
         </p:nvSpPr>
@@ -9352,7 +9738,7 @@
       </p:sp>
       <p:graphicFrame>
         <p:nvGraphicFramePr>
-          <p:cNvPr id="337" name="Table 1"/>
+          <p:cNvPr id="347" name="Table 1"/>
           <p:cNvGraphicFramePr/>
           <p:nvPr/>
         </p:nvGraphicFramePr>
@@ -9479,7 +9865,7 @@
       </p:graphicFrame>
       <p:graphicFrame>
         <p:nvGraphicFramePr>
-          <p:cNvPr id="338" name="Table 6"/>
+          <p:cNvPr id="348" name="Table 6"/>
           <p:cNvGraphicFramePr/>
           <p:nvPr/>
         </p:nvGraphicFramePr>
@@ -9606,7 +9992,7 @@
       </p:graphicFrame>
       <p:sp>
         <p:nvSpPr>
-          <p:cNvPr id="339" name="Straight Arrow Connector 5"/>
+          <p:cNvPr id="349" name="Straight Arrow Connector 5"/>
           <p:cNvSpPr/>
           <p:nvPr/>
         </p:nvSpPr>
@@ -9635,7 +10021,7 @@
       </p:sp>
       <p:sp>
         <p:nvSpPr>
-          <p:cNvPr id="340" name="Straight Arrow Connector 9"/>
+          <p:cNvPr id="350" name="Straight Arrow Connector 9"/>
           <p:cNvSpPr/>
           <p:nvPr/>
         </p:nvSpPr>
@@ -9664,7 +10050,7 @@
       </p:sp>
       <p:sp>
         <p:nvSpPr>
-          <p:cNvPr id="341" name="Straight Arrow Connector 10"/>
+          <p:cNvPr id="351" name="Straight Arrow Connector 10"/>
           <p:cNvSpPr/>
           <p:nvPr/>
         </p:nvSpPr>
@@ -9693,7 +10079,7 @@
       </p:sp>
       <p:sp>
         <p:nvSpPr>
-          <p:cNvPr id="342" name="Straight Arrow Connector 11"/>
+          <p:cNvPr id="352" name="Straight Arrow Connector 11"/>
           <p:cNvSpPr/>
           <p:nvPr/>
         </p:nvSpPr>
@@ -9722,7 +10108,7 @@
       </p:sp>
       <p:sp>
         <p:nvSpPr>
-          <p:cNvPr id="343" name="Google Shape;365;p48"/>
+          <p:cNvPr id="353" name="Google Shape;365;p48"/>
           <p:cNvSpPr txBox="1"/>
           <p:nvPr/>
         </p:nvSpPr>
@@ -9766,7 +10152,7 @@
       </p:sp>
       <p:sp>
         <p:nvSpPr>
-          <p:cNvPr id="344" name="Google Shape;365;p48"/>
+          <p:cNvPr id="354" name="Google Shape;365;p48"/>
           <p:cNvSpPr txBox="1"/>
           <p:nvPr/>
         </p:nvSpPr>
@@ -9810,7 +10196,7 @@
       </p:sp>
       <p:sp>
         <p:nvSpPr>
-          <p:cNvPr id="345" name="Google Shape;365;p48"/>
+          <p:cNvPr id="355" name="Google Shape;365;p48"/>
           <p:cNvSpPr txBox="1"/>
           <p:nvPr/>
         </p:nvSpPr>
@@ -9854,7 +10240,7 @@
       </p:sp>
       <p:sp>
         <p:nvSpPr>
-          <p:cNvPr id="346" name="Text Placeholder 2"/>
+          <p:cNvPr id="356" name="Text Placeholder 2"/>
           <p:cNvSpPr txBox="1"/>
           <p:nvPr>
             <p:ph type="body" sz="half" idx="1"/>
@@ -9894,7 +10280,7 @@
       </p:sp>
       <p:pic>
         <p:nvPicPr>
-          <p:cNvPr id="347" name="Google Shape;363;p48" descr="Google Shape;363;p48"/>
+          <p:cNvPr id="357" name="Google Shape;363;p48" descr="Google Shape;363;p48"/>
           <p:cNvPicPr>
             <a:picLocks noChangeAspect="1"/>
           </p:cNvPicPr>
@@ -9924,7 +10310,7 @@
       </p:pic>
       <p:sp>
         <p:nvSpPr>
-          <p:cNvPr id="348" name="Google Shape;365;p48"/>
+          <p:cNvPr id="358" name="Google Shape;365;p48"/>
           <p:cNvSpPr txBox="1"/>
           <p:nvPr/>
         </p:nvSpPr>
@@ -9998,7 +10384,7 @@
       </p:grpSpPr>
       <p:sp>
         <p:nvSpPr>
-          <p:cNvPr id="350" name="Google Shape;351;p47"/>
+          <p:cNvPr id="360" name="Google Shape;351;p47"/>
           <p:cNvSpPr txBox="1"/>
           <p:nvPr>
             <p:ph type="title"/>
@@ -10030,7 +10416,7 @@
       </p:sp>
       <p:sp>
         <p:nvSpPr>
-          <p:cNvPr id="351" name="Rectangle 7"/>
+          <p:cNvPr id="361" name="Rectangle 7"/>
           <p:cNvSpPr/>
           <p:nvPr/>
         </p:nvSpPr>
@@ -10061,7 +10447,7 @@
       </p:sp>
       <p:graphicFrame>
         <p:nvGraphicFramePr>
-          <p:cNvPr id="352" name="Table 1"/>
+          <p:cNvPr id="362" name="Table 1"/>
           <p:cNvGraphicFramePr/>
           <p:nvPr/>
         </p:nvGraphicFramePr>
@@ -10188,7 +10574,7 @@
       </p:graphicFrame>
       <p:graphicFrame>
         <p:nvGraphicFramePr>
-          <p:cNvPr id="353" name="Table 6"/>
+          <p:cNvPr id="363" name="Table 6"/>
           <p:cNvGraphicFramePr/>
           <p:nvPr/>
         </p:nvGraphicFramePr>
@@ -10315,7 +10701,7 @@
       </p:graphicFrame>
       <p:sp>
         <p:nvSpPr>
-          <p:cNvPr id="354" name="Straight Arrow Connector 5"/>
+          <p:cNvPr id="364" name="Straight Arrow Connector 5"/>
           <p:cNvSpPr/>
           <p:nvPr/>
         </p:nvSpPr>
@@ -10344,7 +10730,7 @@
       </p:sp>
       <p:sp>
         <p:nvSpPr>
-          <p:cNvPr id="355" name="Straight Arrow Connector 9"/>
+          <p:cNvPr id="365" name="Straight Arrow Connector 9"/>
           <p:cNvSpPr/>
           <p:nvPr/>
         </p:nvSpPr>
@@ -10373,7 +10759,7 @@
       </p:sp>
       <p:sp>
         <p:nvSpPr>
-          <p:cNvPr id="356" name="Straight Arrow Connector 10"/>
+          <p:cNvPr id="366" name="Straight Arrow Connector 10"/>
           <p:cNvSpPr/>
           <p:nvPr/>
         </p:nvSpPr>
@@ -10402,7 +10788,7 @@
       </p:sp>
       <p:sp>
         <p:nvSpPr>
-          <p:cNvPr id="357" name="Straight Arrow Connector 11"/>
+          <p:cNvPr id="367" name="Straight Arrow Connector 11"/>
           <p:cNvSpPr/>
           <p:nvPr/>
         </p:nvSpPr>
@@ -10431,7 +10817,7 @@
       </p:sp>
       <p:sp>
         <p:nvSpPr>
-          <p:cNvPr id="358" name="Google Shape;365;p48"/>
+          <p:cNvPr id="368" name="Google Shape;365;p48"/>
           <p:cNvSpPr txBox="1"/>
           <p:nvPr/>
         </p:nvSpPr>
@@ -10475,7 +10861,7 @@
       </p:sp>
       <p:sp>
         <p:nvSpPr>
-          <p:cNvPr id="359" name="Google Shape;365;p48"/>
+          <p:cNvPr id="369" name="Google Shape;365;p48"/>
           <p:cNvSpPr txBox="1"/>
           <p:nvPr/>
         </p:nvSpPr>
@@ -10519,7 +10905,7 @@
       </p:sp>
       <p:sp>
         <p:nvSpPr>
-          <p:cNvPr id="360" name="Google Shape;365;p48"/>
+          <p:cNvPr id="370" name="Google Shape;365;p48"/>
           <p:cNvSpPr txBox="1"/>
           <p:nvPr/>
         </p:nvSpPr>
@@ -10563,7 +10949,7 @@
       </p:sp>
       <p:sp>
         <p:nvSpPr>
-          <p:cNvPr id="361" name="Text Placeholder 2"/>
+          <p:cNvPr id="371" name="Text Placeholder 2"/>
           <p:cNvSpPr txBox="1"/>
           <p:nvPr>
             <p:ph type="body" sz="half" idx="1"/>
@@ -10603,7 +10989,7 @@
       </p:sp>
       <p:pic>
         <p:nvPicPr>
-          <p:cNvPr id="362" name="Google Shape;363;p48" descr="Google Shape;363;p48"/>
+          <p:cNvPr id="372" name="Google Shape;363;p48" descr="Google Shape;363;p48"/>
           <p:cNvPicPr>
             <a:picLocks noChangeAspect="1"/>
           </p:cNvPicPr>
@@ -10633,7 +11019,7 @@
       </p:pic>
       <p:sp>
         <p:nvSpPr>
-          <p:cNvPr id="363" name="Google Shape;365;p48"/>
+          <p:cNvPr id="373" name="Google Shape;365;p48"/>
           <p:cNvSpPr txBox="1"/>
           <p:nvPr/>
         </p:nvSpPr>
@@ -10707,7 +11093,7 @@
       </p:grpSpPr>
       <p:sp>
         <p:nvSpPr>
-          <p:cNvPr id="365" name="Google Shape;351;p47"/>
+          <p:cNvPr id="375" name="Google Shape;351;p47"/>
           <p:cNvSpPr txBox="1"/>
           <p:nvPr>
             <p:ph type="title"/>
@@ -10739,7 +11125,7 @@
       </p:sp>
       <p:sp>
         <p:nvSpPr>
-          <p:cNvPr id="366" name="Rectangle 7"/>
+          <p:cNvPr id="376" name="Rectangle 7"/>
           <p:cNvSpPr/>
           <p:nvPr/>
         </p:nvSpPr>
@@ -10770,7 +11156,7 @@
       </p:sp>
       <p:graphicFrame>
         <p:nvGraphicFramePr>
-          <p:cNvPr id="367" name="Table 1"/>
+          <p:cNvPr id="377" name="Table 1"/>
           <p:cNvGraphicFramePr/>
           <p:nvPr/>
         </p:nvGraphicFramePr>
@@ -10897,7 +11283,7 @@
       </p:graphicFrame>
       <p:graphicFrame>
         <p:nvGraphicFramePr>
-          <p:cNvPr id="368" name="Table 6"/>
+          <p:cNvPr id="378" name="Table 6"/>
           <p:cNvGraphicFramePr/>
           <p:nvPr/>
         </p:nvGraphicFramePr>
@@ -11024,7 +11410,7 @@
       </p:graphicFrame>
       <p:sp>
         <p:nvSpPr>
-          <p:cNvPr id="369" name="Straight Arrow Connector 5"/>
+          <p:cNvPr id="379" name="Straight Arrow Connector 5"/>
           <p:cNvSpPr/>
           <p:nvPr/>
         </p:nvSpPr>
@@ -11053,7 +11439,7 @@
       </p:sp>
       <p:sp>
         <p:nvSpPr>
-          <p:cNvPr id="370" name="Straight Arrow Connector 9"/>
+          <p:cNvPr id="380" name="Straight Arrow Connector 9"/>
           <p:cNvSpPr/>
           <p:nvPr/>
         </p:nvSpPr>
@@ -11082,7 +11468,7 @@
       </p:sp>
       <p:sp>
         <p:nvSpPr>
-          <p:cNvPr id="371" name="Straight Arrow Connector 10"/>
+          <p:cNvPr id="381" name="Straight Arrow Connector 10"/>
           <p:cNvSpPr/>
           <p:nvPr/>
         </p:nvSpPr>
@@ -11111,7 +11497,7 @@
       </p:sp>
       <p:sp>
         <p:nvSpPr>
-          <p:cNvPr id="372" name="Straight Arrow Connector 11"/>
+          <p:cNvPr id="382" name="Straight Arrow Connector 11"/>
           <p:cNvSpPr/>
           <p:nvPr/>
         </p:nvSpPr>
@@ -11140,7 +11526,7 @@
       </p:sp>
       <p:sp>
         <p:nvSpPr>
-          <p:cNvPr id="373" name="Google Shape;365;p48"/>
+          <p:cNvPr id="383" name="Google Shape;365;p48"/>
           <p:cNvSpPr txBox="1"/>
           <p:nvPr/>
         </p:nvSpPr>
@@ -11184,7 +11570,7 @@
       </p:sp>
       <p:sp>
         <p:nvSpPr>
-          <p:cNvPr id="374" name="Google Shape;365;p48"/>
+          <p:cNvPr id="384" name="Google Shape;365;p48"/>
           <p:cNvSpPr txBox="1"/>
           <p:nvPr/>
         </p:nvSpPr>
@@ -11228,7 +11614,7 @@
       </p:sp>
       <p:sp>
         <p:nvSpPr>
-          <p:cNvPr id="375" name="Google Shape;365;p48"/>
+          <p:cNvPr id="385" name="Google Shape;365;p48"/>
           <p:cNvSpPr txBox="1"/>
           <p:nvPr/>
         </p:nvSpPr>
@@ -11272,7 +11658,7 @@
       </p:sp>
       <p:sp>
         <p:nvSpPr>
-          <p:cNvPr id="376" name="Text Placeholder 2"/>
+          <p:cNvPr id="386" name="Text Placeholder 2"/>
           <p:cNvSpPr txBox="1"/>
           <p:nvPr>
             <p:ph type="body" sz="half" idx="1"/>
@@ -11359,7 +11745,7 @@
       </p:grpSpPr>
       <p:sp>
         <p:nvSpPr>
-          <p:cNvPr id="378" name="Google Shape;351;p47"/>
+          <p:cNvPr id="388" name="Google Shape;351;p47"/>
           <p:cNvSpPr txBox="1"/>
           <p:nvPr>
             <p:ph type="title"/>
@@ -11391,7 +11777,7 @@
       </p:sp>
       <p:sp>
         <p:nvSpPr>
-          <p:cNvPr id="379" name="Rectangle 7"/>
+          <p:cNvPr id="389" name="Rectangle 7"/>
           <p:cNvSpPr/>
           <p:nvPr/>
         </p:nvSpPr>
@@ -11422,7 +11808,7 @@
       </p:sp>
       <p:graphicFrame>
         <p:nvGraphicFramePr>
-          <p:cNvPr id="380" name="Table 1"/>
+          <p:cNvPr id="390" name="Table 1"/>
           <p:cNvGraphicFramePr/>
           <p:nvPr/>
         </p:nvGraphicFramePr>
@@ -11549,7 +11935,7 @@
       </p:graphicFrame>
       <p:graphicFrame>
         <p:nvGraphicFramePr>
-          <p:cNvPr id="381" name="Table 6"/>
+          <p:cNvPr id="391" name="Table 6"/>
           <p:cNvGraphicFramePr/>
           <p:nvPr/>
         </p:nvGraphicFramePr>
@@ -11676,7 +12062,7 @@
       </p:graphicFrame>
       <p:sp>
         <p:nvSpPr>
-          <p:cNvPr id="382" name="Straight Arrow Connector 5"/>
+          <p:cNvPr id="392" name="Straight Arrow Connector 5"/>
           <p:cNvSpPr/>
           <p:nvPr/>
         </p:nvSpPr>
@@ -11705,7 +12091,7 @@
       </p:sp>
       <p:sp>
         <p:nvSpPr>
-          <p:cNvPr id="383" name="Straight Arrow Connector 9"/>
+          <p:cNvPr id="393" name="Straight Arrow Connector 9"/>
           <p:cNvSpPr/>
           <p:nvPr/>
         </p:nvSpPr>
@@ -11734,7 +12120,7 @@
       </p:sp>
       <p:sp>
         <p:nvSpPr>
-          <p:cNvPr id="384" name="Straight Arrow Connector 10"/>
+          <p:cNvPr id="394" name="Straight Arrow Connector 10"/>
           <p:cNvSpPr/>
           <p:nvPr/>
         </p:nvSpPr>
@@ -11763,7 +12149,7 @@
       </p:sp>
       <p:sp>
         <p:nvSpPr>
-          <p:cNvPr id="385" name="Straight Arrow Connector 11"/>
+          <p:cNvPr id="395" name="Straight Arrow Connector 11"/>
           <p:cNvSpPr/>
           <p:nvPr/>
         </p:nvSpPr>
@@ -11792,7 +12178,7 @@
       </p:sp>
       <p:sp>
         <p:nvSpPr>
-          <p:cNvPr id="386" name="Google Shape;365;p48"/>
+          <p:cNvPr id="396" name="Google Shape;365;p48"/>
           <p:cNvSpPr txBox="1"/>
           <p:nvPr/>
         </p:nvSpPr>
@@ -11836,7 +12222,7 @@
       </p:sp>
       <p:sp>
         <p:nvSpPr>
-          <p:cNvPr id="387" name="Google Shape;365;p48"/>
+          <p:cNvPr id="397" name="Google Shape;365;p48"/>
           <p:cNvSpPr txBox="1"/>
           <p:nvPr/>
         </p:nvSpPr>
@@ -11880,7 +12266,7 @@
       </p:sp>
       <p:sp>
         <p:nvSpPr>
-          <p:cNvPr id="388" name="Google Shape;365;p48"/>
+          <p:cNvPr id="398" name="Google Shape;365;p48"/>
           <p:cNvSpPr txBox="1"/>
           <p:nvPr/>
         </p:nvSpPr>
@@ -11924,7 +12310,7 @@
       </p:sp>
       <p:sp>
         <p:nvSpPr>
-          <p:cNvPr id="389" name="Text Placeholder 2"/>
+          <p:cNvPr id="399" name="Text Placeholder 2"/>
           <p:cNvSpPr txBox="1"/>
           <p:nvPr>
             <p:ph type="body" sz="half" idx="1"/>
@@ -12011,7 +12397,7 @@
       </p:grpSpPr>
       <p:sp>
         <p:nvSpPr>
-          <p:cNvPr id="236" name="Google Shape;220;p28"/>
+          <p:cNvPr id="246" name="Google Shape;220;p28"/>
           <p:cNvSpPr txBox="1"/>
           <p:nvPr>
             <p:ph type="title"/>
@@ -12039,7 +12425,7 @@
       </p:sp>
       <p:sp>
         <p:nvSpPr>
-          <p:cNvPr id="237" name="Google Shape;221;p28"/>
+          <p:cNvPr id="247" name="Google Shape;221;p28"/>
           <p:cNvSpPr txBox="1"/>
           <p:nvPr>
             <p:ph type="body" sz="half" idx="1"/>
@@ -12100,7 +12486,7 @@
       </p:grpSpPr>
       <p:sp>
         <p:nvSpPr>
-          <p:cNvPr id="391" name="Google Shape;351;p47"/>
+          <p:cNvPr id="401" name="Google Shape;351;p47"/>
           <p:cNvSpPr txBox="1"/>
           <p:nvPr>
             <p:ph type="title"/>
@@ -12132,7 +12518,7 @@
       </p:sp>
       <p:sp>
         <p:nvSpPr>
-          <p:cNvPr id="392" name="Rectangle 7"/>
+          <p:cNvPr id="402" name="Rectangle 7"/>
           <p:cNvSpPr/>
           <p:nvPr/>
         </p:nvSpPr>
@@ -12163,7 +12549,7 @@
       </p:sp>
       <p:graphicFrame>
         <p:nvGraphicFramePr>
-          <p:cNvPr id="393" name="Table 1"/>
+          <p:cNvPr id="403" name="Table 1"/>
           <p:cNvGraphicFramePr/>
           <p:nvPr/>
         </p:nvGraphicFramePr>
@@ -12290,7 +12676,7 @@
       </p:graphicFrame>
       <p:graphicFrame>
         <p:nvGraphicFramePr>
-          <p:cNvPr id="394" name="Table 6"/>
+          <p:cNvPr id="404" name="Table 6"/>
           <p:cNvGraphicFramePr/>
           <p:nvPr/>
         </p:nvGraphicFramePr>
@@ -12417,7 +12803,7 @@
       </p:graphicFrame>
       <p:sp>
         <p:nvSpPr>
-          <p:cNvPr id="395" name="Straight Arrow Connector 5"/>
+          <p:cNvPr id="405" name="Straight Arrow Connector 5"/>
           <p:cNvSpPr/>
           <p:nvPr/>
         </p:nvSpPr>
@@ -12446,7 +12832,7 @@
       </p:sp>
       <p:sp>
         <p:nvSpPr>
-          <p:cNvPr id="396" name="Straight Arrow Connector 9"/>
+          <p:cNvPr id="406" name="Straight Arrow Connector 9"/>
           <p:cNvSpPr/>
           <p:nvPr/>
         </p:nvSpPr>
@@ -12475,7 +12861,7 @@
       </p:sp>
       <p:sp>
         <p:nvSpPr>
-          <p:cNvPr id="397" name="Straight Arrow Connector 10"/>
+          <p:cNvPr id="407" name="Straight Arrow Connector 10"/>
           <p:cNvSpPr/>
           <p:nvPr/>
         </p:nvSpPr>
@@ -12504,7 +12890,7 @@
       </p:sp>
       <p:sp>
         <p:nvSpPr>
-          <p:cNvPr id="398" name="Straight Arrow Connector 11"/>
+          <p:cNvPr id="408" name="Straight Arrow Connector 11"/>
           <p:cNvSpPr/>
           <p:nvPr/>
         </p:nvSpPr>
@@ -12533,7 +12919,7 @@
       </p:sp>
       <p:sp>
         <p:nvSpPr>
-          <p:cNvPr id="399" name="Google Shape;365;p48"/>
+          <p:cNvPr id="409" name="Google Shape;365;p48"/>
           <p:cNvSpPr txBox="1"/>
           <p:nvPr/>
         </p:nvSpPr>
@@ -12577,7 +12963,7 @@
       </p:sp>
       <p:sp>
         <p:nvSpPr>
-          <p:cNvPr id="400" name="Google Shape;365;p48"/>
+          <p:cNvPr id="410" name="Google Shape;365;p48"/>
           <p:cNvSpPr txBox="1"/>
           <p:nvPr/>
         </p:nvSpPr>
@@ -12621,7 +13007,7 @@
       </p:sp>
       <p:sp>
         <p:nvSpPr>
-          <p:cNvPr id="401" name="Google Shape;365;p48"/>
+          <p:cNvPr id="411" name="Google Shape;365;p48"/>
           <p:cNvSpPr txBox="1"/>
           <p:nvPr/>
         </p:nvSpPr>
@@ -12665,7 +13051,7 @@
       </p:sp>
       <p:sp>
         <p:nvSpPr>
-          <p:cNvPr id="402" name="Text Placeholder 2"/>
+          <p:cNvPr id="412" name="Text Placeholder 2"/>
           <p:cNvSpPr txBox="1"/>
           <p:nvPr>
             <p:ph type="body" sz="half" idx="1"/>
@@ -12780,7 +13166,7 @@
       </p:sp>
       <p:pic>
         <p:nvPicPr>
-          <p:cNvPr id="403" name="Google Shape;363;p48" descr="Google Shape;363;p48"/>
+          <p:cNvPr id="413" name="Google Shape;363;p48" descr="Google Shape;363;p48"/>
           <p:cNvPicPr>
             <a:picLocks noChangeAspect="1"/>
           </p:cNvPicPr>
@@ -12810,7 +13196,7 @@
       </p:pic>
       <p:sp>
         <p:nvSpPr>
-          <p:cNvPr id="404" name="Google Shape;365;p48"/>
+          <p:cNvPr id="414" name="Google Shape;365;p48"/>
           <p:cNvSpPr txBox="1"/>
           <p:nvPr/>
         </p:nvSpPr>
@@ -12884,7 +13270,7 @@
       </p:grpSpPr>
       <p:sp>
         <p:nvSpPr>
-          <p:cNvPr id="406" name="Google Shape;351;p47"/>
+          <p:cNvPr id="416" name="Google Shape;351;p47"/>
           <p:cNvSpPr txBox="1"/>
           <p:nvPr>
             <p:ph type="title"/>
@@ -12916,7 +13302,7 @@
       </p:sp>
       <p:sp>
         <p:nvSpPr>
-          <p:cNvPr id="407" name="Rectangle 7"/>
+          <p:cNvPr id="417" name="Rectangle 7"/>
           <p:cNvSpPr/>
           <p:nvPr/>
         </p:nvSpPr>
@@ -12947,7 +13333,7 @@
       </p:sp>
       <p:graphicFrame>
         <p:nvGraphicFramePr>
-          <p:cNvPr id="408" name="Table 1"/>
+          <p:cNvPr id="418" name="Table 1"/>
           <p:cNvGraphicFramePr/>
           <p:nvPr/>
         </p:nvGraphicFramePr>
@@ -13074,7 +13460,7 @@
       </p:graphicFrame>
       <p:graphicFrame>
         <p:nvGraphicFramePr>
-          <p:cNvPr id="409" name="Table 6"/>
+          <p:cNvPr id="419" name="Table 6"/>
           <p:cNvGraphicFramePr/>
           <p:nvPr/>
         </p:nvGraphicFramePr>
@@ -13201,7 +13587,7 @@
       </p:graphicFrame>
       <p:sp>
         <p:nvSpPr>
-          <p:cNvPr id="410" name="Straight Arrow Connector 5"/>
+          <p:cNvPr id="420" name="Straight Arrow Connector 5"/>
           <p:cNvSpPr/>
           <p:nvPr/>
         </p:nvSpPr>
@@ -13230,7 +13616,7 @@
       </p:sp>
       <p:sp>
         <p:nvSpPr>
-          <p:cNvPr id="411" name="Straight Arrow Connector 9"/>
+          <p:cNvPr id="421" name="Straight Arrow Connector 9"/>
           <p:cNvSpPr/>
           <p:nvPr/>
         </p:nvSpPr>
@@ -13259,7 +13645,7 @@
       </p:sp>
       <p:sp>
         <p:nvSpPr>
-          <p:cNvPr id="412" name="Straight Arrow Connector 10"/>
+          <p:cNvPr id="422" name="Straight Arrow Connector 10"/>
           <p:cNvSpPr/>
           <p:nvPr/>
         </p:nvSpPr>
@@ -13288,7 +13674,7 @@
       </p:sp>
       <p:sp>
         <p:nvSpPr>
-          <p:cNvPr id="413" name="Straight Arrow Connector 11"/>
+          <p:cNvPr id="423" name="Straight Arrow Connector 11"/>
           <p:cNvSpPr/>
           <p:nvPr/>
         </p:nvSpPr>
@@ -13317,7 +13703,7 @@
       </p:sp>
       <p:sp>
         <p:nvSpPr>
-          <p:cNvPr id="414" name="Google Shape;365;p48"/>
+          <p:cNvPr id="424" name="Google Shape;365;p48"/>
           <p:cNvSpPr txBox="1"/>
           <p:nvPr/>
         </p:nvSpPr>
@@ -13361,7 +13747,7 @@
       </p:sp>
       <p:sp>
         <p:nvSpPr>
-          <p:cNvPr id="415" name="Google Shape;365;p48"/>
+          <p:cNvPr id="425" name="Google Shape;365;p48"/>
           <p:cNvSpPr txBox="1"/>
           <p:nvPr/>
         </p:nvSpPr>
@@ -13405,7 +13791,7 @@
       </p:sp>
       <p:sp>
         <p:nvSpPr>
-          <p:cNvPr id="416" name="Google Shape;365;p48"/>
+          <p:cNvPr id="426" name="Google Shape;365;p48"/>
           <p:cNvSpPr txBox="1"/>
           <p:nvPr/>
         </p:nvSpPr>
@@ -13449,7 +13835,7 @@
       </p:sp>
       <p:sp>
         <p:nvSpPr>
-          <p:cNvPr id="417" name="Text Placeholder 2"/>
+          <p:cNvPr id="427" name="Text Placeholder 2"/>
           <p:cNvSpPr txBox="1"/>
           <p:nvPr>
             <p:ph type="body" sz="half" idx="1"/>
@@ -13564,7 +13950,7 @@
       </p:sp>
       <p:pic>
         <p:nvPicPr>
-          <p:cNvPr id="418" name="Google Shape;363;p48" descr="Google Shape;363;p48"/>
+          <p:cNvPr id="428" name="Google Shape;363;p48" descr="Google Shape;363;p48"/>
           <p:cNvPicPr>
             <a:picLocks noChangeAspect="1"/>
           </p:cNvPicPr>
@@ -13594,7 +13980,7 @@
       </p:pic>
       <p:sp>
         <p:nvSpPr>
-          <p:cNvPr id="419" name="Google Shape;365;p48"/>
+          <p:cNvPr id="429" name="Google Shape;365;p48"/>
           <p:cNvSpPr txBox="1"/>
           <p:nvPr/>
         </p:nvSpPr>
@@ -13668,7 +14054,7 @@
       </p:grpSpPr>
       <p:sp>
         <p:nvSpPr>
-          <p:cNvPr id="421" name="Google Shape;351;p47"/>
+          <p:cNvPr id="431" name="Google Shape;351;p47"/>
           <p:cNvSpPr txBox="1"/>
           <p:nvPr>
             <p:ph type="title"/>
@@ -13700,7 +14086,7 @@
       </p:sp>
       <p:sp>
         <p:nvSpPr>
-          <p:cNvPr id="422" name="Rectangle 7"/>
+          <p:cNvPr id="432" name="Rectangle 7"/>
           <p:cNvSpPr/>
           <p:nvPr/>
         </p:nvSpPr>
@@ -13731,7 +14117,7 @@
       </p:sp>
       <p:graphicFrame>
         <p:nvGraphicFramePr>
-          <p:cNvPr id="423" name="Table 1"/>
+          <p:cNvPr id="433" name="Table 1"/>
           <p:cNvGraphicFramePr/>
           <p:nvPr/>
         </p:nvGraphicFramePr>
@@ -13858,7 +14244,7 @@
       </p:graphicFrame>
       <p:graphicFrame>
         <p:nvGraphicFramePr>
-          <p:cNvPr id="424" name="Table 6"/>
+          <p:cNvPr id="434" name="Table 6"/>
           <p:cNvGraphicFramePr/>
           <p:nvPr/>
         </p:nvGraphicFramePr>
@@ -13985,7 +14371,7 @@
       </p:graphicFrame>
       <p:sp>
         <p:nvSpPr>
-          <p:cNvPr id="425" name="Straight Arrow Connector 5"/>
+          <p:cNvPr id="435" name="Straight Arrow Connector 5"/>
           <p:cNvSpPr/>
           <p:nvPr/>
         </p:nvSpPr>
@@ -14014,7 +14400,7 @@
       </p:sp>
       <p:sp>
         <p:nvSpPr>
-          <p:cNvPr id="426" name="Straight Arrow Connector 9"/>
+          <p:cNvPr id="436" name="Straight Arrow Connector 9"/>
           <p:cNvSpPr/>
           <p:nvPr/>
         </p:nvSpPr>
@@ -14043,7 +14429,7 @@
       </p:sp>
       <p:sp>
         <p:nvSpPr>
-          <p:cNvPr id="427" name="Straight Arrow Connector 10"/>
+          <p:cNvPr id="437" name="Straight Arrow Connector 10"/>
           <p:cNvSpPr/>
           <p:nvPr/>
         </p:nvSpPr>
@@ -14072,7 +14458,7 @@
       </p:sp>
       <p:sp>
         <p:nvSpPr>
-          <p:cNvPr id="428" name="Straight Arrow Connector 11"/>
+          <p:cNvPr id="438" name="Straight Arrow Connector 11"/>
           <p:cNvSpPr/>
           <p:nvPr/>
         </p:nvSpPr>
@@ -14101,7 +14487,7 @@
       </p:sp>
       <p:sp>
         <p:nvSpPr>
-          <p:cNvPr id="429" name="Google Shape;365;p48"/>
+          <p:cNvPr id="439" name="Google Shape;365;p48"/>
           <p:cNvSpPr txBox="1"/>
           <p:nvPr/>
         </p:nvSpPr>
@@ -14145,7 +14531,7 @@
       </p:sp>
       <p:sp>
         <p:nvSpPr>
-          <p:cNvPr id="430" name="Google Shape;365;p48"/>
+          <p:cNvPr id="440" name="Google Shape;365;p48"/>
           <p:cNvSpPr txBox="1"/>
           <p:nvPr/>
         </p:nvSpPr>
@@ -14189,7 +14575,7 @@
       </p:sp>
       <p:sp>
         <p:nvSpPr>
-          <p:cNvPr id="431" name="Google Shape;365;p48"/>
+          <p:cNvPr id="441" name="Google Shape;365;p48"/>
           <p:cNvSpPr txBox="1"/>
           <p:nvPr/>
         </p:nvSpPr>
@@ -14233,7 +14619,7 @@
       </p:sp>
       <p:sp>
         <p:nvSpPr>
-          <p:cNvPr id="432" name="Text Placeholder 2"/>
+          <p:cNvPr id="442" name="Text Placeholder 2"/>
           <p:cNvSpPr txBox="1"/>
           <p:nvPr>
             <p:ph type="body" sz="half" idx="1"/>
@@ -14404,7 +14790,7 @@
       </p:grpSpPr>
       <p:sp>
         <p:nvSpPr>
-          <p:cNvPr id="434" name="Google Shape;351;p47"/>
+          <p:cNvPr id="444" name="Google Shape;351;p47"/>
           <p:cNvSpPr txBox="1"/>
           <p:nvPr>
             <p:ph type="title"/>
@@ -14436,7 +14822,7 @@
       </p:sp>
       <p:sp>
         <p:nvSpPr>
-          <p:cNvPr id="435" name="Rectangle 7"/>
+          <p:cNvPr id="445" name="Rectangle 7"/>
           <p:cNvSpPr/>
           <p:nvPr/>
         </p:nvSpPr>
@@ -14467,7 +14853,7 @@
       </p:sp>
       <p:graphicFrame>
         <p:nvGraphicFramePr>
-          <p:cNvPr id="436" name="Table 1"/>
+          <p:cNvPr id="446" name="Table 1"/>
           <p:cNvGraphicFramePr/>
           <p:nvPr/>
         </p:nvGraphicFramePr>
@@ -14594,7 +14980,7 @@
       </p:graphicFrame>
       <p:graphicFrame>
         <p:nvGraphicFramePr>
-          <p:cNvPr id="437" name="Table 6"/>
+          <p:cNvPr id="447" name="Table 6"/>
           <p:cNvGraphicFramePr/>
           <p:nvPr/>
         </p:nvGraphicFramePr>
@@ -14721,7 +15107,7 @@
       </p:graphicFrame>
       <p:sp>
         <p:nvSpPr>
-          <p:cNvPr id="438" name="Straight Arrow Connector 5"/>
+          <p:cNvPr id="448" name="Straight Arrow Connector 5"/>
           <p:cNvSpPr/>
           <p:nvPr/>
         </p:nvSpPr>
@@ -14750,7 +15136,7 @@
       </p:sp>
       <p:sp>
         <p:nvSpPr>
-          <p:cNvPr id="439" name="Straight Arrow Connector 9"/>
+          <p:cNvPr id="449" name="Straight Arrow Connector 9"/>
           <p:cNvSpPr/>
           <p:nvPr/>
         </p:nvSpPr>
@@ -14779,7 +15165,7 @@
       </p:sp>
       <p:sp>
         <p:nvSpPr>
-          <p:cNvPr id="440" name="Straight Arrow Connector 10"/>
+          <p:cNvPr id="450" name="Straight Arrow Connector 10"/>
           <p:cNvSpPr/>
           <p:nvPr/>
         </p:nvSpPr>
@@ -14808,7 +15194,7 @@
       </p:sp>
       <p:sp>
         <p:nvSpPr>
-          <p:cNvPr id="441" name="Straight Arrow Connector 11"/>
+          <p:cNvPr id="451" name="Straight Arrow Connector 11"/>
           <p:cNvSpPr/>
           <p:nvPr/>
         </p:nvSpPr>
@@ -14837,7 +15223,7 @@
       </p:sp>
       <p:sp>
         <p:nvSpPr>
-          <p:cNvPr id="442" name="Google Shape;365;p48"/>
+          <p:cNvPr id="452" name="Google Shape;365;p48"/>
           <p:cNvSpPr txBox="1"/>
           <p:nvPr/>
         </p:nvSpPr>
@@ -14881,7 +15267,7 @@
       </p:sp>
       <p:sp>
         <p:nvSpPr>
-          <p:cNvPr id="443" name="Google Shape;365;p48"/>
+          <p:cNvPr id="453" name="Google Shape;365;p48"/>
           <p:cNvSpPr txBox="1"/>
           <p:nvPr/>
         </p:nvSpPr>
@@ -14925,7 +15311,7 @@
       </p:sp>
       <p:sp>
         <p:nvSpPr>
-          <p:cNvPr id="444" name="Google Shape;365;p48"/>
+          <p:cNvPr id="454" name="Google Shape;365;p48"/>
           <p:cNvSpPr txBox="1"/>
           <p:nvPr/>
         </p:nvSpPr>
@@ -14969,7 +15355,7 @@
       </p:sp>
       <p:sp>
         <p:nvSpPr>
-          <p:cNvPr id="445" name="Text Placeholder 2"/>
+          <p:cNvPr id="455" name="Text Placeholder 2"/>
           <p:cNvSpPr txBox="1"/>
           <p:nvPr>
             <p:ph type="body" sz="half" idx="1"/>
@@ -15114,7 +15500,7 @@
       </p:sp>
       <p:grpSp>
         <p:nvGrpSpPr>
-          <p:cNvPr id="449" name="Group 2"/>
+          <p:cNvPr id="459" name="Group 2"/>
           <p:cNvGrpSpPr/>
           <p:nvPr/>
         </p:nvGrpSpPr>
@@ -15128,7 +15514,7 @@
         </p:grpSpPr>
         <p:sp>
           <p:nvSpPr>
-            <p:cNvPr id="446" name="Google Shape;592;p81"/>
+            <p:cNvPr id="456" name="Google Shape;592;p81"/>
             <p:cNvSpPr/>
             <p:nvPr/>
           </p:nvSpPr>
@@ -15264,7 +15650,7 @@
         </p:sp>
         <p:sp>
           <p:nvSpPr>
-            <p:cNvPr id="447" name="Google Shape;593;p81"/>
+            <p:cNvPr id="457" name="Google Shape;593;p81"/>
             <p:cNvSpPr/>
             <p:nvPr/>
           </p:nvSpPr>
@@ -15402,7 +15788,7 @@
         </p:sp>
         <p:sp>
           <p:nvSpPr>
-            <p:cNvPr id="448" name="Google Shape;594;p81"/>
+            <p:cNvPr id="458" name="Google Shape;594;p81"/>
             <p:cNvSpPr txBox="1"/>
             <p:nvPr/>
           </p:nvSpPr>
@@ -15480,7 +15866,7 @@
       </p:grpSpPr>
       <p:sp>
         <p:nvSpPr>
-          <p:cNvPr id="451" name="Google Shape;351;p47"/>
+          <p:cNvPr id="461" name="Google Shape;351;p47"/>
           <p:cNvSpPr txBox="1"/>
           <p:nvPr>
             <p:ph type="title"/>
@@ -15512,7 +15898,7 @@
       </p:sp>
       <p:sp>
         <p:nvSpPr>
-          <p:cNvPr id="452" name="Rectangle 7"/>
+          <p:cNvPr id="462" name="Rectangle 7"/>
           <p:cNvSpPr/>
           <p:nvPr/>
         </p:nvSpPr>
@@ -15543,7 +15929,7 @@
       </p:sp>
       <p:graphicFrame>
         <p:nvGraphicFramePr>
-          <p:cNvPr id="453" name="Table 1"/>
+          <p:cNvPr id="463" name="Table 1"/>
           <p:cNvGraphicFramePr/>
           <p:nvPr/>
         </p:nvGraphicFramePr>
@@ -15670,7 +16056,7 @@
       </p:graphicFrame>
       <p:graphicFrame>
         <p:nvGraphicFramePr>
-          <p:cNvPr id="454" name="Table 6"/>
+          <p:cNvPr id="464" name="Table 6"/>
           <p:cNvGraphicFramePr/>
           <p:nvPr/>
         </p:nvGraphicFramePr>
@@ -15797,7 +16183,7 @@
       </p:graphicFrame>
       <p:sp>
         <p:nvSpPr>
-          <p:cNvPr id="455" name="Straight Arrow Connector 5"/>
+          <p:cNvPr id="465" name="Straight Arrow Connector 5"/>
           <p:cNvSpPr/>
           <p:nvPr/>
         </p:nvSpPr>
@@ -15826,7 +16212,7 @@
       </p:sp>
       <p:sp>
         <p:nvSpPr>
-          <p:cNvPr id="456" name="Straight Arrow Connector 9"/>
+          <p:cNvPr id="466" name="Straight Arrow Connector 9"/>
           <p:cNvSpPr/>
           <p:nvPr/>
         </p:nvSpPr>
@@ -15855,7 +16241,7 @@
       </p:sp>
       <p:sp>
         <p:nvSpPr>
-          <p:cNvPr id="457" name="Straight Arrow Connector 10"/>
+          <p:cNvPr id="467" name="Straight Arrow Connector 10"/>
           <p:cNvSpPr/>
           <p:nvPr/>
         </p:nvSpPr>
@@ -15884,7 +16270,7 @@
       </p:sp>
       <p:sp>
         <p:nvSpPr>
-          <p:cNvPr id="458" name="Straight Arrow Connector 11"/>
+          <p:cNvPr id="468" name="Straight Arrow Connector 11"/>
           <p:cNvSpPr/>
           <p:nvPr/>
         </p:nvSpPr>
@@ -15913,7 +16299,7 @@
       </p:sp>
       <p:sp>
         <p:nvSpPr>
-          <p:cNvPr id="459" name="Google Shape;365;p48"/>
+          <p:cNvPr id="469" name="Google Shape;365;p48"/>
           <p:cNvSpPr txBox="1"/>
           <p:nvPr/>
         </p:nvSpPr>
@@ -15957,7 +16343,7 @@
       </p:sp>
       <p:sp>
         <p:nvSpPr>
-          <p:cNvPr id="460" name="Google Shape;365;p48"/>
+          <p:cNvPr id="470" name="Google Shape;365;p48"/>
           <p:cNvSpPr txBox="1"/>
           <p:nvPr/>
         </p:nvSpPr>
@@ -16001,7 +16387,7 @@
       </p:sp>
       <p:sp>
         <p:nvSpPr>
-          <p:cNvPr id="461" name="Google Shape;365;p48"/>
+          <p:cNvPr id="471" name="Google Shape;365;p48"/>
           <p:cNvSpPr txBox="1"/>
           <p:nvPr/>
         </p:nvSpPr>
@@ -16045,7 +16431,7 @@
       </p:sp>
       <p:sp>
         <p:nvSpPr>
-          <p:cNvPr id="462" name="Text Placeholder 2"/>
+          <p:cNvPr id="472" name="Text Placeholder 2"/>
           <p:cNvSpPr txBox="1"/>
           <p:nvPr>
             <p:ph type="body" sz="half" idx="1"/>
@@ -16190,7 +16576,7 @@
       </p:sp>
       <p:pic>
         <p:nvPicPr>
-          <p:cNvPr id="463" name="Google Shape;363;p48" descr="Google Shape;363;p48"/>
+          <p:cNvPr id="473" name="Google Shape;363;p48" descr="Google Shape;363;p48"/>
           <p:cNvPicPr>
             <a:picLocks noChangeAspect="1"/>
           </p:cNvPicPr>
@@ -16220,7 +16606,7 @@
       </p:pic>
       <p:sp>
         <p:nvSpPr>
-          <p:cNvPr id="464" name="Google Shape;365;p48"/>
+          <p:cNvPr id="474" name="Google Shape;365;p48"/>
           <p:cNvSpPr txBox="1"/>
           <p:nvPr/>
         </p:nvSpPr>
@@ -16294,7 +16680,7 @@
       </p:grpSpPr>
       <p:sp>
         <p:nvSpPr>
-          <p:cNvPr id="466" name="Google Shape;351;p47"/>
+          <p:cNvPr id="476" name="Google Shape;351;p47"/>
           <p:cNvSpPr txBox="1"/>
           <p:nvPr>
             <p:ph type="title"/>
@@ -16328,7 +16714,7 @@
       </p:sp>
       <p:sp>
         <p:nvSpPr>
-          <p:cNvPr id="467" name="Rectangle 7"/>
+          <p:cNvPr id="477" name="Rectangle 7"/>
           <p:cNvSpPr/>
           <p:nvPr/>
         </p:nvSpPr>
@@ -16359,7 +16745,7 @@
       </p:sp>
       <p:graphicFrame>
         <p:nvGraphicFramePr>
-          <p:cNvPr id="468" name="Table 1"/>
+          <p:cNvPr id="478" name="Table 1"/>
           <p:cNvGraphicFramePr/>
           <p:nvPr/>
         </p:nvGraphicFramePr>
@@ -16486,7 +16872,7 @@
       </p:graphicFrame>
       <p:graphicFrame>
         <p:nvGraphicFramePr>
-          <p:cNvPr id="469" name="Table 6"/>
+          <p:cNvPr id="479" name="Table 6"/>
           <p:cNvGraphicFramePr/>
           <p:nvPr/>
         </p:nvGraphicFramePr>
@@ -16613,7 +16999,7 @@
       </p:graphicFrame>
       <p:sp>
         <p:nvSpPr>
-          <p:cNvPr id="470" name="Straight Arrow Connector 5"/>
+          <p:cNvPr id="480" name="Straight Arrow Connector 5"/>
           <p:cNvSpPr/>
           <p:nvPr/>
         </p:nvSpPr>
@@ -16642,7 +17028,7 @@
       </p:sp>
       <p:sp>
         <p:nvSpPr>
-          <p:cNvPr id="471" name="Straight Arrow Connector 9"/>
+          <p:cNvPr id="481" name="Straight Arrow Connector 9"/>
           <p:cNvSpPr/>
           <p:nvPr/>
         </p:nvSpPr>
@@ -16671,7 +17057,7 @@
       </p:sp>
       <p:sp>
         <p:nvSpPr>
-          <p:cNvPr id="472" name="Straight Arrow Connector 10"/>
+          <p:cNvPr id="482" name="Straight Arrow Connector 10"/>
           <p:cNvSpPr/>
           <p:nvPr/>
         </p:nvSpPr>
@@ -16700,7 +17086,7 @@
       </p:sp>
       <p:sp>
         <p:nvSpPr>
-          <p:cNvPr id="473" name="Straight Arrow Connector 11"/>
+          <p:cNvPr id="483" name="Straight Arrow Connector 11"/>
           <p:cNvSpPr/>
           <p:nvPr/>
         </p:nvSpPr>
@@ -16729,7 +17115,7 @@
       </p:sp>
       <p:sp>
         <p:nvSpPr>
-          <p:cNvPr id="474" name="Google Shape;365;p48"/>
+          <p:cNvPr id="484" name="Google Shape;365;p48"/>
           <p:cNvSpPr txBox="1"/>
           <p:nvPr/>
         </p:nvSpPr>
@@ -16773,7 +17159,7 @@
       </p:sp>
       <p:sp>
         <p:nvSpPr>
-          <p:cNvPr id="475" name="Google Shape;365;p48"/>
+          <p:cNvPr id="485" name="Google Shape;365;p48"/>
           <p:cNvSpPr txBox="1"/>
           <p:nvPr/>
         </p:nvSpPr>
@@ -16817,7 +17203,7 @@
       </p:sp>
       <p:sp>
         <p:nvSpPr>
-          <p:cNvPr id="476" name="Google Shape;365;p48"/>
+          <p:cNvPr id="486" name="Google Shape;365;p48"/>
           <p:cNvSpPr txBox="1"/>
           <p:nvPr/>
         </p:nvSpPr>
@@ -16861,7 +17247,7 @@
       </p:sp>
       <p:sp>
         <p:nvSpPr>
-          <p:cNvPr id="477" name="Text Placeholder 2"/>
+          <p:cNvPr id="487" name="Text Placeholder 2"/>
           <p:cNvSpPr txBox="1"/>
           <p:nvPr>
             <p:ph type="body" sz="half" idx="1"/>
@@ -16987,7 +17373,7 @@
       </p:grpSpPr>
       <p:sp>
         <p:nvSpPr>
-          <p:cNvPr id="479" name="Google Shape;351;p47"/>
+          <p:cNvPr id="489" name="Google Shape;351;p47"/>
           <p:cNvSpPr txBox="1"/>
           <p:nvPr>
             <p:ph type="title"/>
@@ -17021,7 +17407,7 @@
       </p:sp>
       <p:sp>
         <p:nvSpPr>
-          <p:cNvPr id="480" name="Rectangle 7"/>
+          <p:cNvPr id="490" name="Rectangle 7"/>
           <p:cNvSpPr/>
           <p:nvPr/>
         </p:nvSpPr>
@@ -17052,7 +17438,7 @@
       </p:sp>
       <p:graphicFrame>
         <p:nvGraphicFramePr>
-          <p:cNvPr id="481" name="Table 1"/>
+          <p:cNvPr id="491" name="Table 1"/>
           <p:cNvGraphicFramePr/>
           <p:nvPr/>
         </p:nvGraphicFramePr>
@@ -17179,7 +17565,7 @@
       </p:graphicFrame>
       <p:graphicFrame>
         <p:nvGraphicFramePr>
-          <p:cNvPr id="482" name="Table 6"/>
+          <p:cNvPr id="492" name="Table 6"/>
           <p:cNvGraphicFramePr/>
           <p:nvPr/>
         </p:nvGraphicFramePr>
@@ -17306,7 +17692,7 @@
       </p:graphicFrame>
       <p:sp>
         <p:nvSpPr>
-          <p:cNvPr id="483" name="Straight Arrow Connector 5"/>
+          <p:cNvPr id="493" name="Straight Arrow Connector 5"/>
           <p:cNvSpPr/>
           <p:nvPr/>
         </p:nvSpPr>
@@ -17335,7 +17721,7 @@
       </p:sp>
       <p:sp>
         <p:nvSpPr>
-          <p:cNvPr id="484" name="Straight Arrow Connector 9"/>
+          <p:cNvPr id="494" name="Straight Arrow Connector 9"/>
           <p:cNvSpPr/>
           <p:nvPr/>
         </p:nvSpPr>
@@ -17364,7 +17750,7 @@
       </p:sp>
       <p:sp>
         <p:nvSpPr>
-          <p:cNvPr id="485" name="Straight Arrow Connector 10"/>
+          <p:cNvPr id="495" name="Straight Arrow Connector 10"/>
           <p:cNvSpPr/>
           <p:nvPr/>
         </p:nvSpPr>
@@ -17393,7 +17779,7 @@
       </p:sp>
       <p:sp>
         <p:nvSpPr>
-          <p:cNvPr id="486" name="Straight Arrow Connector 11"/>
+          <p:cNvPr id="496" name="Straight Arrow Connector 11"/>
           <p:cNvSpPr/>
           <p:nvPr/>
         </p:nvSpPr>
@@ -17422,7 +17808,7 @@
       </p:sp>
       <p:sp>
         <p:nvSpPr>
-          <p:cNvPr id="487" name="Google Shape;365;p48"/>
+          <p:cNvPr id="497" name="Google Shape;365;p48"/>
           <p:cNvSpPr txBox="1"/>
           <p:nvPr/>
         </p:nvSpPr>
@@ -17466,7 +17852,7 @@
       </p:sp>
       <p:sp>
         <p:nvSpPr>
-          <p:cNvPr id="488" name="Google Shape;365;p48"/>
+          <p:cNvPr id="498" name="Google Shape;365;p48"/>
           <p:cNvSpPr txBox="1"/>
           <p:nvPr/>
         </p:nvSpPr>
@@ -17510,7 +17896,7 @@
       </p:sp>
       <p:sp>
         <p:nvSpPr>
-          <p:cNvPr id="489" name="Google Shape;365;p48"/>
+          <p:cNvPr id="499" name="Google Shape;365;p48"/>
           <p:cNvSpPr txBox="1"/>
           <p:nvPr/>
         </p:nvSpPr>
@@ -17554,7 +17940,7 @@
       </p:sp>
       <p:sp>
         <p:nvSpPr>
-          <p:cNvPr id="490" name="Text Placeholder 2"/>
+          <p:cNvPr id="500" name="Text Placeholder 2"/>
           <p:cNvSpPr txBox="1"/>
           <p:nvPr>
             <p:ph type="body" sz="half" idx="1"/>
@@ -17662,7 +18048,7 @@
       </p:grpSpPr>
       <p:sp>
         <p:nvSpPr>
-          <p:cNvPr id="492" name="Google Shape;351;p47"/>
+          <p:cNvPr id="502" name="Google Shape;351;p47"/>
           <p:cNvSpPr txBox="1"/>
           <p:nvPr>
             <p:ph type="title"/>
@@ -17696,7 +18082,7 @@
       </p:sp>
       <p:sp>
         <p:nvSpPr>
-          <p:cNvPr id="493" name="Rectangle 7"/>
+          <p:cNvPr id="503" name="Rectangle 7"/>
           <p:cNvSpPr/>
           <p:nvPr/>
         </p:nvSpPr>
@@ -17727,7 +18113,7 @@
       </p:sp>
       <p:graphicFrame>
         <p:nvGraphicFramePr>
-          <p:cNvPr id="494" name="Table 1"/>
+          <p:cNvPr id="504" name="Table 1"/>
           <p:cNvGraphicFramePr/>
           <p:nvPr/>
         </p:nvGraphicFramePr>
@@ -17854,7 +18240,7 @@
       </p:graphicFrame>
       <p:graphicFrame>
         <p:nvGraphicFramePr>
-          <p:cNvPr id="495" name="Table 6"/>
+          <p:cNvPr id="505" name="Table 6"/>
           <p:cNvGraphicFramePr/>
           <p:nvPr/>
         </p:nvGraphicFramePr>
@@ -17981,7 +18367,7 @@
       </p:graphicFrame>
       <p:sp>
         <p:nvSpPr>
-          <p:cNvPr id="496" name="Straight Arrow Connector 5"/>
+          <p:cNvPr id="506" name="Straight Arrow Connector 5"/>
           <p:cNvSpPr/>
           <p:nvPr/>
         </p:nvSpPr>
@@ -18010,7 +18396,7 @@
       </p:sp>
       <p:sp>
         <p:nvSpPr>
-          <p:cNvPr id="497" name="Straight Arrow Connector 9"/>
+          <p:cNvPr id="507" name="Straight Arrow Connector 9"/>
           <p:cNvSpPr/>
           <p:nvPr/>
         </p:nvSpPr>
@@ -18039,7 +18425,7 @@
       </p:sp>
       <p:sp>
         <p:nvSpPr>
-          <p:cNvPr id="498" name="Straight Arrow Connector 10"/>
+          <p:cNvPr id="508" name="Straight Arrow Connector 10"/>
           <p:cNvSpPr/>
           <p:nvPr/>
         </p:nvSpPr>
@@ -18068,7 +18454,7 @@
       </p:sp>
       <p:sp>
         <p:nvSpPr>
-          <p:cNvPr id="499" name="Straight Arrow Connector 11"/>
+          <p:cNvPr id="509" name="Straight Arrow Connector 11"/>
           <p:cNvSpPr/>
           <p:nvPr/>
         </p:nvSpPr>
@@ -18097,7 +18483,7 @@
       </p:sp>
       <p:sp>
         <p:nvSpPr>
-          <p:cNvPr id="500" name="Google Shape;365;p48"/>
+          <p:cNvPr id="510" name="Google Shape;365;p48"/>
           <p:cNvSpPr txBox="1"/>
           <p:nvPr/>
         </p:nvSpPr>
@@ -18141,7 +18527,7 @@
       </p:sp>
       <p:sp>
         <p:nvSpPr>
-          <p:cNvPr id="501" name="Google Shape;365;p48"/>
+          <p:cNvPr id="511" name="Google Shape;365;p48"/>
           <p:cNvSpPr txBox="1"/>
           <p:nvPr/>
         </p:nvSpPr>
@@ -18185,7 +18571,7 @@
       </p:sp>
       <p:sp>
         <p:nvSpPr>
-          <p:cNvPr id="502" name="Google Shape;365;p48"/>
+          <p:cNvPr id="512" name="Google Shape;365;p48"/>
           <p:cNvSpPr txBox="1"/>
           <p:nvPr/>
         </p:nvSpPr>
@@ -18229,7 +18615,7 @@
       </p:sp>
       <p:sp>
         <p:nvSpPr>
-          <p:cNvPr id="503" name="Text Placeholder 2"/>
+          <p:cNvPr id="513" name="Text Placeholder 2"/>
           <p:cNvSpPr txBox="1"/>
           <p:nvPr>
             <p:ph type="body" sz="half" idx="1"/>
@@ -18373,7 +18759,7 @@
       </p:grpSpPr>
       <p:sp>
         <p:nvSpPr>
-          <p:cNvPr id="505" name="Google Shape;351;p47"/>
+          <p:cNvPr id="515" name="Google Shape;351;p47"/>
           <p:cNvSpPr txBox="1"/>
           <p:nvPr>
             <p:ph type="title"/>
@@ -18407,7 +18793,7 @@
       </p:sp>
       <p:sp>
         <p:nvSpPr>
-          <p:cNvPr id="506" name="Rectangle 7"/>
+          <p:cNvPr id="516" name="Rectangle 7"/>
           <p:cNvSpPr/>
           <p:nvPr/>
         </p:nvSpPr>
@@ -18438,7 +18824,7 @@
       </p:sp>
       <p:graphicFrame>
         <p:nvGraphicFramePr>
-          <p:cNvPr id="507" name="Table 1"/>
+          <p:cNvPr id="517" name="Table 1"/>
           <p:cNvGraphicFramePr/>
           <p:nvPr/>
         </p:nvGraphicFramePr>
@@ -18565,7 +18951,7 @@
       </p:graphicFrame>
       <p:graphicFrame>
         <p:nvGraphicFramePr>
-          <p:cNvPr id="508" name="Table 6"/>
+          <p:cNvPr id="518" name="Table 6"/>
           <p:cNvGraphicFramePr/>
           <p:nvPr/>
         </p:nvGraphicFramePr>
@@ -18692,7 +19078,7 @@
       </p:graphicFrame>
       <p:sp>
         <p:nvSpPr>
-          <p:cNvPr id="509" name="Straight Arrow Connector 5"/>
+          <p:cNvPr id="519" name="Straight Arrow Connector 5"/>
           <p:cNvSpPr/>
           <p:nvPr/>
         </p:nvSpPr>
@@ -18721,7 +19107,7 @@
       </p:sp>
       <p:sp>
         <p:nvSpPr>
-          <p:cNvPr id="510" name="Straight Arrow Connector 9"/>
+          <p:cNvPr id="520" name="Straight Arrow Connector 9"/>
           <p:cNvSpPr/>
           <p:nvPr/>
         </p:nvSpPr>
@@ -18750,7 +19136,7 @@
       </p:sp>
       <p:sp>
         <p:nvSpPr>
-          <p:cNvPr id="511" name="Straight Arrow Connector 10"/>
+          <p:cNvPr id="521" name="Straight Arrow Connector 10"/>
           <p:cNvSpPr/>
           <p:nvPr/>
         </p:nvSpPr>
@@ -18779,7 +19165,7 @@
       </p:sp>
       <p:sp>
         <p:nvSpPr>
-          <p:cNvPr id="512" name="Straight Arrow Connector 11"/>
+          <p:cNvPr id="522" name="Straight Arrow Connector 11"/>
           <p:cNvSpPr/>
           <p:nvPr/>
         </p:nvSpPr>
@@ -18808,7 +19194,7 @@
       </p:sp>
       <p:sp>
         <p:nvSpPr>
-          <p:cNvPr id="513" name="Google Shape;365;p48"/>
+          <p:cNvPr id="523" name="Google Shape;365;p48"/>
           <p:cNvSpPr txBox="1"/>
           <p:nvPr/>
         </p:nvSpPr>
@@ -18852,7 +19238,7 @@
       </p:sp>
       <p:sp>
         <p:nvSpPr>
-          <p:cNvPr id="514" name="Google Shape;365;p48"/>
+          <p:cNvPr id="524" name="Google Shape;365;p48"/>
           <p:cNvSpPr txBox="1"/>
           <p:nvPr/>
         </p:nvSpPr>
@@ -18896,7 +19282,7 @@
       </p:sp>
       <p:sp>
         <p:nvSpPr>
-          <p:cNvPr id="515" name="Google Shape;365;p48"/>
+          <p:cNvPr id="525" name="Google Shape;365;p48"/>
           <p:cNvSpPr txBox="1"/>
           <p:nvPr/>
         </p:nvSpPr>
@@ -18940,7 +19326,7 @@
       </p:sp>
       <p:sp>
         <p:nvSpPr>
-          <p:cNvPr id="516" name="Text Placeholder 2"/>
+          <p:cNvPr id="526" name="Text Placeholder 2"/>
           <p:cNvSpPr txBox="1"/>
           <p:nvPr>
             <p:ph type="body" sz="half" idx="1"/>
@@ -19058,7 +19444,7 @@
       </p:sp>
       <p:sp>
         <p:nvSpPr>
-          <p:cNvPr id="517" name="Google Shape;365;p48"/>
+          <p:cNvPr id="527" name="Google Shape;365;p48"/>
           <p:cNvSpPr txBox="1"/>
           <p:nvPr/>
         </p:nvSpPr>
@@ -19132,7 +19518,7 @@
       </p:grpSpPr>
       <p:sp>
         <p:nvSpPr>
-          <p:cNvPr id="519" name="Google Shape;351;p47"/>
+          <p:cNvPr id="529" name="Google Shape;351;p47"/>
           <p:cNvSpPr txBox="1"/>
           <p:nvPr>
             <p:ph type="title"/>
@@ -19164,7 +19550,7 @@
       </p:sp>
       <p:sp>
         <p:nvSpPr>
-          <p:cNvPr id="520" name="Google Shape;614;p84"/>
+          <p:cNvPr id="530" name="Google Shape;614;p84"/>
           <p:cNvSpPr txBox="1"/>
           <p:nvPr>
             <p:ph type="body" idx="1"/>
@@ -19230,7 +19616,7 @@
       </p:grpSpPr>
       <p:sp>
         <p:nvSpPr>
-          <p:cNvPr id="239" name="Google Shape;333;p44"/>
+          <p:cNvPr id="249" name="Google Shape;333;p44"/>
           <p:cNvSpPr txBox="1"/>
           <p:nvPr>
             <p:ph type="title"/>
@@ -19288,7 +19674,7 @@
       </p:grpSpPr>
       <p:sp>
         <p:nvSpPr>
-          <p:cNvPr id="522" name="Google Shape;351;p47"/>
+          <p:cNvPr id="532" name="Google Shape;351;p47"/>
           <p:cNvSpPr txBox="1"/>
           <p:nvPr>
             <p:ph type="title"/>
@@ -19320,7 +19706,7 @@
       </p:sp>
       <p:sp>
         <p:nvSpPr>
-          <p:cNvPr id="523" name="Google Shape;614;p84"/>
+          <p:cNvPr id="533" name="Google Shape;614;p84"/>
           <p:cNvSpPr txBox="1"/>
           <p:nvPr>
             <p:ph type="body" idx="1"/>
@@ -19360,7 +19746,7 @@
       </p:sp>
       <p:sp>
         <p:nvSpPr>
-          <p:cNvPr id="524" name="Google Shape;365;p48"/>
+          <p:cNvPr id="534" name="Google Shape;365;p48"/>
           <p:cNvSpPr txBox="1"/>
           <p:nvPr/>
         </p:nvSpPr>
@@ -19408,7 +19794,7 @@
       </p:sp>
       <p:pic>
         <p:nvPicPr>
-          <p:cNvPr id="525" name="Google Shape;364;p48" descr="Google Shape;364;p48"/>
+          <p:cNvPr id="535" name="Google Shape;364;p48" descr="Google Shape;364;p48"/>
           <p:cNvPicPr>
             <a:picLocks noChangeAspect="1"/>
           </p:cNvPicPr>
@@ -19464,7 +19850,7 @@
       </p:grpSpPr>
       <p:sp>
         <p:nvSpPr>
-          <p:cNvPr id="527" name="Google Shape;351;p47"/>
+          <p:cNvPr id="537" name="Google Shape;351;p47"/>
           <p:cNvSpPr txBox="1"/>
           <p:nvPr>
             <p:ph type="title"/>
@@ -19496,7 +19882,7 @@
       </p:sp>
       <p:sp>
         <p:nvSpPr>
-          <p:cNvPr id="528" name="Google Shape;614;p84"/>
+          <p:cNvPr id="538" name="Google Shape;614;p84"/>
           <p:cNvSpPr txBox="1"/>
           <p:nvPr>
             <p:ph type="body" idx="1"/>
@@ -19589,7 +19975,7 @@
       </p:grpSpPr>
       <p:sp>
         <p:nvSpPr>
-          <p:cNvPr id="530" name="Google Shape;351;p47"/>
+          <p:cNvPr id="540" name="Google Shape;351;p47"/>
           <p:cNvSpPr txBox="1"/>
           <p:nvPr>
             <p:ph type="title"/>
@@ -19621,7 +20007,7 @@
       </p:sp>
       <p:sp>
         <p:nvSpPr>
-          <p:cNvPr id="531" name="Google Shape;614;p84"/>
+          <p:cNvPr id="541" name="Google Shape;614;p84"/>
           <p:cNvSpPr txBox="1"/>
           <p:nvPr>
             <p:ph type="body" idx="1"/>
@@ -19688,7 +20074,7 @@
       </p:sp>
       <p:pic>
         <p:nvPicPr>
-          <p:cNvPr id="532" name="Google Shape;364;p48" descr="Google Shape;364;p48"/>
+          <p:cNvPr id="542" name="Google Shape;364;p48" descr="Google Shape;364;p48"/>
           <p:cNvPicPr>
             <a:picLocks noChangeAspect="1"/>
           </p:cNvPicPr>
@@ -19718,7 +20104,7 @@
       </p:pic>
       <p:sp>
         <p:nvSpPr>
-          <p:cNvPr id="533" name="Google Shape;365;p48"/>
+          <p:cNvPr id="543" name="Google Shape;365;p48"/>
           <p:cNvSpPr txBox="1"/>
           <p:nvPr/>
         </p:nvSpPr>
@@ -19792,7 +20178,7 @@
       </p:grpSpPr>
       <p:sp>
         <p:nvSpPr>
-          <p:cNvPr id="535" name="Google Shape;351;p47"/>
+          <p:cNvPr id="545" name="Google Shape;351;p47"/>
           <p:cNvSpPr txBox="1"/>
           <p:nvPr>
             <p:ph type="title"/>
@@ -19824,7 +20210,7 @@
       </p:sp>
       <p:sp>
         <p:nvSpPr>
-          <p:cNvPr id="536" name="Google Shape;614;p84"/>
+          <p:cNvPr id="546" name="Google Shape;614;p84"/>
           <p:cNvSpPr txBox="1"/>
           <p:nvPr>
             <p:ph type="body" idx="1"/>
@@ -19918,7 +20304,7 @@
       </p:sp>
       <p:pic>
         <p:nvPicPr>
-          <p:cNvPr id="537" name="Google Shape;364;p48" descr="Google Shape;364;p48"/>
+          <p:cNvPr id="547" name="Google Shape;364;p48" descr="Google Shape;364;p48"/>
           <p:cNvPicPr>
             <a:picLocks noChangeAspect="1"/>
           </p:cNvPicPr>
@@ -19948,7 +20334,7 @@
       </p:pic>
       <p:sp>
         <p:nvSpPr>
-          <p:cNvPr id="538" name="Google Shape;365;p48"/>
+          <p:cNvPr id="548" name="Google Shape;365;p48"/>
           <p:cNvSpPr txBox="1"/>
           <p:nvPr/>
         </p:nvSpPr>
@@ -20022,7 +20408,7 @@
       </p:grpSpPr>
       <p:sp>
         <p:nvSpPr>
-          <p:cNvPr id="540" name="Google Shape;351;p47"/>
+          <p:cNvPr id="550" name="Google Shape;351;p47"/>
           <p:cNvSpPr txBox="1"/>
           <p:nvPr>
             <p:ph type="title"/>
@@ -20054,7 +20440,7 @@
       </p:sp>
       <p:sp>
         <p:nvSpPr>
-          <p:cNvPr id="541" name="Google Shape;614;p84"/>
+          <p:cNvPr id="551" name="Google Shape;614;p84"/>
           <p:cNvSpPr txBox="1"/>
           <p:nvPr>
             <p:ph type="body" idx="1"/>
@@ -20166,7 +20552,7 @@
       </p:sp>
       <p:sp>
         <p:nvSpPr>
-          <p:cNvPr id="542" name="Google Shape;365;p48"/>
+          <p:cNvPr id="552" name="Google Shape;365;p48"/>
           <p:cNvSpPr txBox="1"/>
           <p:nvPr/>
         </p:nvSpPr>
@@ -20214,7 +20600,7 @@
       </p:sp>
       <p:pic>
         <p:nvPicPr>
-          <p:cNvPr id="543" name="Google Shape;364;p48" descr="Google Shape;364;p48"/>
+          <p:cNvPr id="553" name="Google Shape;364;p48" descr="Google Shape;364;p48"/>
           <p:cNvPicPr>
             <a:picLocks noChangeAspect="1"/>
           </p:cNvPicPr>
@@ -20270,7 +20656,7 @@
       </p:grpSpPr>
       <p:sp>
         <p:nvSpPr>
-          <p:cNvPr id="545" name="Google Shape;351;p47"/>
+          <p:cNvPr id="555" name="Google Shape;351;p47"/>
           <p:cNvSpPr txBox="1"/>
           <p:nvPr>
             <p:ph type="title"/>
@@ -20302,7 +20688,7 @@
       </p:sp>
       <p:sp>
         <p:nvSpPr>
-          <p:cNvPr id="546" name="Google Shape;614;p84"/>
+          <p:cNvPr id="556" name="Google Shape;614;p84"/>
           <p:cNvSpPr txBox="1"/>
           <p:nvPr>
             <p:ph type="body" idx="1"/>
@@ -20368,7 +20754,7 @@
       </p:grpSpPr>
       <p:sp>
         <p:nvSpPr>
-          <p:cNvPr id="548" name="Google Shape;507;p61"/>
+          <p:cNvPr id="558" name="Google Shape;507;p61"/>
           <p:cNvSpPr txBox="1"/>
           <p:nvPr>
             <p:ph type="title"/>
@@ -20408,7 +20794,7 @@
       </p:sp>
       <p:sp>
         <p:nvSpPr>
-          <p:cNvPr id="549" name="Google Shape;508;p61"/>
+          <p:cNvPr id="559" name="Google Shape;508;p61"/>
           <p:cNvSpPr txBox="1"/>
           <p:nvPr>
             <p:ph type="body" idx="1"/>
@@ -20489,7 +20875,7 @@
       </p:grpSpPr>
       <p:sp>
         <p:nvSpPr>
-          <p:cNvPr id="551" name="Google Shape;1126;p139"/>
+          <p:cNvPr id="561" name="Google Shape;1126;p139"/>
           <p:cNvSpPr txBox="1"/>
           <p:nvPr>
             <p:ph type="title"/>
@@ -20555,7 +20941,7 @@
       </p:grpSpPr>
       <p:sp>
         <p:nvSpPr>
-          <p:cNvPr id="555" name="Google Shape;351;p47"/>
+          <p:cNvPr id="565" name="Google Shape;351;p47"/>
           <p:cNvSpPr txBox="1"/>
           <p:nvPr>
             <p:ph type="title"/>
@@ -20587,7 +20973,7 @@
       </p:sp>
       <p:sp>
         <p:nvSpPr>
-          <p:cNvPr id="556" name="Google Shape;614;p84"/>
+          <p:cNvPr id="566" name="Google Shape;614;p84"/>
           <p:cNvSpPr txBox="1"/>
           <p:nvPr>
             <p:ph type="body" idx="1"/>
@@ -20653,7 +21039,7 @@
       </p:grpSpPr>
       <p:sp>
         <p:nvSpPr>
-          <p:cNvPr id="558" name="Google Shape;351;p47"/>
+          <p:cNvPr id="568" name="Google Shape;351;p47"/>
           <p:cNvSpPr txBox="1"/>
           <p:nvPr>
             <p:ph type="title"/>
@@ -20685,7 +21071,7 @@
       </p:sp>
       <p:sp>
         <p:nvSpPr>
-          <p:cNvPr id="559" name="Google Shape;614;p84"/>
+          <p:cNvPr id="569" name="Google Shape;614;p84"/>
           <p:cNvSpPr txBox="1"/>
           <p:nvPr>
             <p:ph type="body" idx="1"/>
@@ -20789,7 +21175,7 @@
                                       <p:cBhvr>
                                         <p:cTn id="6" fill="hold"/>
                                         <p:tgtEl>
-                                          <p:spTgt spid="559">
+                                          <p:spTgt spid="569">
                                             <p:bg/>
                                           </p:spTgt>
                                         </p:tgtEl>
@@ -20817,7 +21203,7 @@
                                       <p:cBhvr>
                                         <p:cTn id="8" fill="hold"/>
                                         <p:tgtEl>
-                                          <p:spTgt spid="559">
+                                          <p:spTgt spid="569">
                                             <p:txEl>
                                               <p:pRg st="0" end="0"/>
                                             </p:txEl>
@@ -20865,7 +21251,7 @@
                                       <p:cBhvr>
                                         <p:cTn id="12" fill="hold"/>
                                         <p:tgtEl>
-                                          <p:spTgt spid="559">
+                                          <p:spTgt spid="569">
                                             <p:txEl>
                                               <p:pRg st="1" end="1"/>
                                             </p:txEl>
@@ -20913,7 +21299,7 @@
                                       <p:cBhvr>
                                         <p:cTn id="16" fill="hold"/>
                                         <p:tgtEl>
-                                          <p:spTgt spid="559">
+                                          <p:spTgt spid="569">
                                             <p:txEl>
                                               <p:pRg st="2" end="2"/>
                                             </p:txEl>
@@ -20958,7 +21344,7 @@
       </p:par>
     </p:tnLst>
     <p:bldLst>
-      <p:bldP build="p" bldLvl="5" animBg="1" rev="0" advAuto="0" spid="559" grpId="1"/>
+      <p:bldP build="p" bldLvl="5" animBg="1" rev="0" advAuto="0" spid="569" grpId="1"/>
     </p:bldLst>
   </p:timing>
 </p:sld>
@@ -20983,7 +21369,7 @@
       </p:grpSpPr>
       <p:sp>
         <p:nvSpPr>
-          <p:cNvPr id="241" name="Google Shape;601;p69"/>
+          <p:cNvPr id="251" name="Google Shape;601;p69"/>
           <p:cNvSpPr txBox="1"/>
           <p:nvPr>
             <p:ph type="title"/>
@@ -21051,7 +21437,7 @@
       </p:grpSpPr>
       <p:sp>
         <p:nvSpPr>
-          <p:cNvPr id="561" name="Google Shape;351;p47"/>
+          <p:cNvPr id="571" name="Google Shape;351;p47"/>
           <p:cNvSpPr txBox="1"/>
           <p:nvPr>
             <p:ph type="title"/>
@@ -21083,7 +21469,7 @@
       </p:sp>
       <p:sp>
         <p:nvSpPr>
-          <p:cNvPr id="562" name="Google Shape;614;p84"/>
+          <p:cNvPr id="572" name="Google Shape;614;p84"/>
           <p:cNvSpPr txBox="1"/>
           <p:nvPr>
             <p:ph type="body" idx="1"/>
@@ -21150,7 +21536,7 @@
       </p:sp>
       <p:sp>
         <p:nvSpPr>
-          <p:cNvPr id="563" name="Google Shape;365;p48"/>
+          <p:cNvPr id="573" name="Google Shape;365;p48"/>
           <p:cNvSpPr txBox="1"/>
           <p:nvPr/>
         </p:nvSpPr>
@@ -21212,7 +21598,7 @@
       </p:sp>
       <p:pic>
         <p:nvPicPr>
-          <p:cNvPr id="564" name="Google Shape;364;p48" descr="Google Shape;364;p48"/>
+          <p:cNvPr id="574" name="Google Shape;364;p48" descr="Google Shape;364;p48"/>
           <p:cNvPicPr>
             <a:picLocks noChangeAspect="1"/>
           </p:cNvPicPr>
@@ -21268,7 +21654,7 @@
       </p:grpSpPr>
       <p:sp>
         <p:nvSpPr>
-          <p:cNvPr id="566" name="Google Shape;351;p47"/>
+          <p:cNvPr id="576" name="Google Shape;351;p47"/>
           <p:cNvSpPr txBox="1"/>
           <p:nvPr>
             <p:ph type="title"/>
@@ -21300,7 +21686,7 @@
       </p:sp>
       <p:sp>
         <p:nvSpPr>
-          <p:cNvPr id="567" name="Google Shape;614;p84"/>
+          <p:cNvPr id="577" name="Google Shape;614;p84"/>
           <p:cNvSpPr txBox="1"/>
           <p:nvPr>
             <p:ph type="body" idx="1"/>
@@ -21412,7 +21798,7 @@
       </p:sp>
       <p:sp>
         <p:nvSpPr>
-          <p:cNvPr id="568" name="Google Shape;365;p48"/>
+          <p:cNvPr id="578" name="Google Shape;365;p48"/>
           <p:cNvSpPr txBox="1"/>
           <p:nvPr/>
         </p:nvSpPr>
@@ -21474,7 +21860,7 @@
       </p:sp>
       <p:pic>
         <p:nvPicPr>
-          <p:cNvPr id="569" name="Google Shape;364;p48" descr="Google Shape;364;p48"/>
+          <p:cNvPr id="579" name="Google Shape;364;p48" descr="Google Shape;364;p48"/>
           <p:cNvPicPr>
             <a:picLocks noChangeAspect="1"/>
           </p:cNvPicPr>
@@ -21530,7 +21916,7 @@
       </p:grpSpPr>
       <p:sp>
         <p:nvSpPr>
-          <p:cNvPr id="571" name="Google Shape;351;p47"/>
+          <p:cNvPr id="581" name="Google Shape;351;p47"/>
           <p:cNvSpPr txBox="1"/>
           <p:nvPr>
             <p:ph type="title"/>
@@ -21562,7 +21948,7 @@
       </p:sp>
       <p:sp>
         <p:nvSpPr>
-          <p:cNvPr id="572" name="Google Shape;614;p84"/>
+          <p:cNvPr id="582" name="Google Shape;614;p84"/>
           <p:cNvSpPr txBox="1"/>
           <p:nvPr>
             <p:ph type="body" idx="1"/>
@@ -21666,7 +22052,7 @@
                                       <p:cBhvr>
                                         <p:cTn id="6" fill="hold"/>
                                         <p:tgtEl>
-                                          <p:spTgt spid="572">
+                                          <p:spTgt spid="582">
                                             <p:bg/>
                                           </p:spTgt>
                                         </p:tgtEl>
@@ -21694,7 +22080,7 @@
                                       <p:cBhvr>
                                         <p:cTn id="8" fill="hold"/>
                                         <p:tgtEl>
-                                          <p:spTgt spid="572">
+                                          <p:spTgt spid="582">
                                             <p:txEl>
                                               <p:pRg st="0" end="0"/>
                                             </p:txEl>
@@ -21742,7 +22128,7 @@
                                       <p:cBhvr>
                                         <p:cTn id="12" fill="hold"/>
                                         <p:tgtEl>
-                                          <p:spTgt spid="572">
+                                          <p:spTgt spid="582">
                                             <p:txEl>
                                               <p:pRg st="1" end="1"/>
                                             </p:txEl>
@@ -21790,7 +22176,7 @@
                                       <p:cBhvr>
                                         <p:cTn id="16" fill="hold"/>
                                         <p:tgtEl>
-                                          <p:spTgt spid="572">
+                                          <p:spTgt spid="582">
                                             <p:txEl>
                                               <p:pRg st="2" end="2"/>
                                             </p:txEl>
@@ -21835,7 +22221,7 @@
       </p:par>
     </p:tnLst>
     <p:bldLst>
-      <p:bldP build="p" bldLvl="5" animBg="1" rev="0" advAuto="0" spid="572" grpId="1"/>
+      <p:bldP build="p" bldLvl="5" animBg="1" rev="0" advAuto="0" spid="582" grpId="1"/>
     </p:bldLst>
   </p:timing>
 </p:sld>
@@ -21860,7 +22246,7 @@
       </p:grpSpPr>
       <p:sp>
         <p:nvSpPr>
-          <p:cNvPr id="574" name="Google Shape;351;p47"/>
+          <p:cNvPr id="584" name="Google Shape;351;p47"/>
           <p:cNvSpPr txBox="1"/>
           <p:nvPr>
             <p:ph type="title"/>
@@ -21892,7 +22278,7 @@
       </p:sp>
       <p:sp>
         <p:nvSpPr>
-          <p:cNvPr id="575" name="Google Shape;614;p84"/>
+          <p:cNvPr id="585" name="Google Shape;614;p84"/>
           <p:cNvSpPr txBox="1"/>
           <p:nvPr>
             <p:ph type="body" idx="1"/>
@@ -21977,7 +22363,7 @@
       </p:sp>
       <p:pic>
         <p:nvPicPr>
-          <p:cNvPr id="576" name="Google Shape;363;p48" descr="Google Shape;363;p48"/>
+          <p:cNvPr id="586" name="Google Shape;363;p48" descr="Google Shape;363;p48"/>
           <p:cNvPicPr>
             <a:picLocks noChangeAspect="1"/>
           </p:cNvPicPr>
@@ -22007,7 +22393,7 @@
       </p:pic>
       <p:sp>
         <p:nvSpPr>
-          <p:cNvPr id="577" name="Google Shape;365;p48"/>
+          <p:cNvPr id="587" name="Google Shape;365;p48"/>
           <p:cNvSpPr txBox="1"/>
           <p:nvPr/>
         </p:nvSpPr>
@@ -22101,7 +22487,7 @@
       </p:grpSpPr>
       <p:sp>
         <p:nvSpPr>
-          <p:cNvPr id="579" name="Google Shape;351;p47"/>
+          <p:cNvPr id="589" name="Google Shape;351;p47"/>
           <p:cNvSpPr txBox="1"/>
           <p:nvPr>
             <p:ph type="title"/>
@@ -22133,7 +22519,7 @@
       </p:sp>
       <p:sp>
         <p:nvSpPr>
-          <p:cNvPr id="580" name="Google Shape;614;p84"/>
+          <p:cNvPr id="590" name="Google Shape;614;p84"/>
           <p:cNvSpPr txBox="1"/>
           <p:nvPr>
             <p:ph type="body" idx="1"/>
@@ -22218,7 +22604,7 @@
       </p:sp>
       <p:sp>
         <p:nvSpPr>
-          <p:cNvPr id="581" name="Google Shape;365;p48"/>
+          <p:cNvPr id="591" name="Google Shape;365;p48"/>
           <p:cNvSpPr txBox="1"/>
           <p:nvPr/>
         </p:nvSpPr>
@@ -22266,7 +22652,7 @@
       </p:sp>
       <p:pic>
         <p:nvPicPr>
-          <p:cNvPr id="582" name="Google Shape;364;p48" descr="Google Shape;364;p48"/>
+          <p:cNvPr id="592" name="Google Shape;364;p48" descr="Google Shape;364;p48"/>
           <p:cNvPicPr>
             <a:picLocks noChangeAspect="1"/>
           </p:cNvPicPr>
@@ -22322,7 +22708,7 @@
       </p:grpSpPr>
       <p:sp>
         <p:nvSpPr>
-          <p:cNvPr id="584" name="Google Shape;351;p47"/>
+          <p:cNvPr id="594" name="Google Shape;351;p47"/>
           <p:cNvSpPr txBox="1"/>
           <p:nvPr>
             <p:ph type="title"/>
@@ -22354,7 +22740,7 @@
       </p:sp>
       <p:sp>
         <p:nvSpPr>
-          <p:cNvPr id="585" name="Google Shape;614;p84"/>
+          <p:cNvPr id="595" name="Google Shape;614;p84"/>
           <p:cNvSpPr txBox="1"/>
           <p:nvPr>
             <p:ph type="body" idx="1"/>
@@ -22420,7 +22806,7 @@
       </p:grpSpPr>
       <p:sp>
         <p:nvSpPr>
-          <p:cNvPr id="587" name="Google Shape;351;p47"/>
+          <p:cNvPr id="597" name="Google Shape;351;p47"/>
           <p:cNvSpPr txBox="1"/>
           <p:nvPr>
             <p:ph type="title"/>
@@ -22452,7 +22838,7 @@
       </p:sp>
       <p:sp>
         <p:nvSpPr>
-          <p:cNvPr id="588" name="Google Shape;614;p84"/>
+          <p:cNvPr id="598" name="Google Shape;614;p84"/>
           <p:cNvSpPr txBox="1"/>
           <p:nvPr>
             <p:ph type="body" idx="1"/>
@@ -22545,7 +22931,7 @@
       </p:grpSpPr>
       <p:sp>
         <p:nvSpPr>
-          <p:cNvPr id="590" name="Google Shape;351;p47"/>
+          <p:cNvPr id="600" name="Google Shape;351;p47"/>
           <p:cNvSpPr txBox="1"/>
           <p:nvPr>
             <p:ph type="title"/>
@@ -22577,7 +22963,7 @@
       </p:sp>
       <p:sp>
         <p:nvSpPr>
-          <p:cNvPr id="591" name="Google Shape;614;p84"/>
+          <p:cNvPr id="601" name="Google Shape;614;p84"/>
           <p:cNvSpPr txBox="1"/>
           <p:nvPr>
             <p:ph type="body" idx="1"/>
@@ -22644,7 +23030,7 @@
       </p:sp>
       <p:sp>
         <p:nvSpPr>
-          <p:cNvPr id="592" name="Google Shape;365;p48"/>
+          <p:cNvPr id="602" name="Google Shape;365;p48"/>
           <p:cNvSpPr txBox="1"/>
           <p:nvPr/>
         </p:nvSpPr>
@@ -22696,7 +23082,7 @@
       </p:sp>
       <p:pic>
         <p:nvPicPr>
-          <p:cNvPr id="593" name="Google Shape;364;p48" descr="Google Shape;364;p48"/>
+          <p:cNvPr id="603" name="Google Shape;364;p48" descr="Google Shape;364;p48"/>
           <p:cNvPicPr>
             <a:picLocks noChangeAspect="1"/>
           </p:cNvPicPr>
@@ -22752,7 +23138,7 @@
       </p:grpSpPr>
       <p:sp>
         <p:nvSpPr>
-          <p:cNvPr id="595" name="Google Shape;351;p47"/>
+          <p:cNvPr id="605" name="Google Shape;351;p47"/>
           <p:cNvSpPr txBox="1"/>
           <p:nvPr>
             <p:ph type="title"/>
@@ -22784,7 +23170,7 @@
       </p:sp>
       <p:sp>
         <p:nvSpPr>
-          <p:cNvPr id="596" name="Google Shape;614;p84"/>
+          <p:cNvPr id="606" name="Google Shape;614;p84"/>
           <p:cNvSpPr txBox="1"/>
           <p:nvPr>
             <p:ph type="body" idx="1"/>
@@ -22869,7 +23255,7 @@
       </p:sp>
       <p:sp>
         <p:nvSpPr>
-          <p:cNvPr id="597" name="Google Shape;365;p48"/>
+          <p:cNvPr id="607" name="Google Shape;365;p48"/>
           <p:cNvSpPr txBox="1"/>
           <p:nvPr/>
         </p:nvSpPr>
@@ -22921,7 +23307,7 @@
       </p:sp>
       <p:pic>
         <p:nvPicPr>
-          <p:cNvPr id="598" name="Google Shape;364;p48" descr="Google Shape;364;p48"/>
+          <p:cNvPr id="608" name="Google Shape;364;p48" descr="Google Shape;364;p48"/>
           <p:cNvPicPr>
             <a:picLocks noChangeAspect="1"/>
           </p:cNvPicPr>
@@ -22977,7 +23363,7 @@
       </p:grpSpPr>
       <p:sp>
         <p:nvSpPr>
-          <p:cNvPr id="600" name="Google Shape;351;p47"/>
+          <p:cNvPr id="610" name="Google Shape;351;p47"/>
           <p:cNvSpPr txBox="1"/>
           <p:nvPr>
             <p:ph type="title"/>
@@ -23009,7 +23395,7 @@
       </p:sp>
       <p:sp>
         <p:nvSpPr>
-          <p:cNvPr id="601" name="Google Shape;614;p84"/>
+          <p:cNvPr id="611" name="Google Shape;614;p84"/>
           <p:cNvSpPr txBox="1"/>
           <p:nvPr>
             <p:ph type="body" idx="1"/>
@@ -23075,7 +23461,7 @@
       </p:grpSpPr>
       <p:pic>
         <p:nvPicPr>
-          <p:cNvPr id="245" name="platypus_1200.jpg" descr="platypus_1200.jpg"/>
+          <p:cNvPr id="255" name="platypus_1200.jpg" descr="platypus_1200.jpg"/>
           <p:cNvPicPr>
             <a:picLocks noChangeAspect="1"/>
           </p:cNvPicPr>
@@ -23104,7 +23490,7 @@
       </p:pic>
       <p:pic>
         <p:nvPicPr>
-          <p:cNvPr id="246" name="elephant.jpg" descr="elephant.jpg"/>
+          <p:cNvPr id="256" name="elephant.jpg" descr="elephant.jpg"/>
           <p:cNvPicPr>
             <a:picLocks noChangeAspect="1"/>
           </p:cNvPicPr>
@@ -23133,7 +23519,7 @@
       </p:pic>
       <p:pic>
         <p:nvPicPr>
-          <p:cNvPr id="247" name="otter.jpeg" descr="otter.jpeg"/>
+          <p:cNvPr id="257" name="otter.jpeg" descr="otter.jpeg"/>
           <p:cNvPicPr>
             <a:picLocks noChangeAspect="1"/>
           </p:cNvPicPr>
@@ -23162,7 +23548,7 @@
       </p:pic>
       <p:pic>
         <p:nvPicPr>
-          <p:cNvPr id="248" name="bear.jpeg" descr="bear.jpeg"/>
+          <p:cNvPr id="258" name="bear.jpeg" descr="bear.jpeg"/>
           <p:cNvPicPr>
             <a:picLocks noChangeAspect="1"/>
           </p:cNvPicPr>
@@ -23191,7 +23577,7 @@
       </p:pic>
       <p:pic>
         <p:nvPicPr>
-          <p:cNvPr id="249" name="shrimp.jpeg" descr="shrimp.jpeg"/>
+          <p:cNvPr id="259" name="shrimp.jpeg" descr="shrimp.jpeg"/>
           <p:cNvPicPr>
             <a:picLocks noChangeAspect="1"/>
           </p:cNvPicPr>
@@ -23220,7 +23606,7 @@
       </p:pic>
       <p:pic>
         <p:nvPicPr>
-          <p:cNvPr id="250" name="grass.jpeg" descr="grass.jpeg"/>
+          <p:cNvPr id="260" name="grass.jpeg" descr="grass.jpeg"/>
           <p:cNvPicPr>
             <a:picLocks noChangeAspect="1"/>
           </p:cNvPicPr>
@@ -23249,7 +23635,7 @@
       </p:pic>
       <p:pic>
         <p:nvPicPr>
-          <p:cNvPr id="251" name="clams.jpg" descr="clams.jpg"/>
+          <p:cNvPr id="261" name="clams.jpg" descr="clams.jpg"/>
           <p:cNvPicPr>
             <a:picLocks noChangeAspect="1"/>
           </p:cNvPicPr>
@@ -23278,7 +23664,7 @@
       </p:pic>
       <p:pic>
         <p:nvPicPr>
-          <p:cNvPr id="252" name="berries.jpeg" descr="berries.jpeg"/>
+          <p:cNvPr id="262" name="berries.jpeg" descr="berries.jpeg"/>
           <p:cNvPicPr>
             <a:picLocks noChangeAspect="1"/>
           </p:cNvPicPr>
@@ -23307,7 +23693,7 @@
       </p:pic>
       <p:sp>
         <p:nvSpPr>
-          <p:cNvPr id="253" name="elephant   bear     otter    platypus"/>
+          <p:cNvPr id="263" name="elephant   bear     otter    platypus"/>
           <p:cNvSpPr txBox="1"/>
           <p:nvPr/>
         </p:nvSpPr>
@@ -23362,7 +23748,7 @@
       </p:sp>
       <p:sp>
         <p:nvSpPr>
-          <p:cNvPr id="254" name="clams   grass   shrimp    berries"/>
+          <p:cNvPr id="264" name="clams   grass   shrimp    berries"/>
           <p:cNvSpPr txBox="1"/>
           <p:nvPr/>
         </p:nvSpPr>
@@ -23454,7 +23840,7 @@
                                       <p:cBhvr>
                                         <p:cTn id="6" fill="hold"/>
                                         <p:tgtEl>
-                                          <p:spTgt spid="246"/>
+                                          <p:spTgt spid="256"/>
                                         </p:tgtEl>
                                         <p:attrNameLst>
                                           <p:attrName>style.visibility</p:attrName>
@@ -23498,7 +23884,7 @@
                                       <p:cBhvr>
                                         <p:cTn id="10" fill="hold"/>
                                         <p:tgtEl>
-                                          <p:spTgt spid="248"/>
+                                          <p:spTgt spid="258"/>
                                         </p:tgtEl>
                                         <p:attrNameLst>
                                           <p:attrName>style.visibility</p:attrName>
@@ -23542,7 +23928,7 @@
                                       <p:cBhvr>
                                         <p:cTn id="14" fill="hold"/>
                                         <p:tgtEl>
-                                          <p:spTgt spid="247"/>
+                                          <p:spTgt spid="257"/>
                                         </p:tgtEl>
                                         <p:attrNameLst>
                                           <p:attrName>style.visibility</p:attrName>
@@ -23586,7 +23972,7 @@
                                       <p:cBhvr>
                                         <p:cTn id="18" fill="hold"/>
                                         <p:tgtEl>
-                                          <p:spTgt spid="245"/>
+                                          <p:spTgt spid="255"/>
                                         </p:tgtEl>
                                         <p:attrNameLst>
                                           <p:attrName>style.visibility</p:attrName>
@@ -23630,7 +24016,7 @@
                                       <p:cBhvr>
                                         <p:cTn id="22" fill="hold"/>
                                         <p:tgtEl>
-                                          <p:spTgt spid="253"/>
+                                          <p:spTgt spid="263"/>
                                         </p:tgtEl>
                                         <p:attrNameLst>
                                           <p:attrName>style.visibility</p:attrName>
@@ -23674,7 +24060,7 @@
                                       <p:cBhvr>
                                         <p:cTn id="26" fill="hold"/>
                                         <p:tgtEl>
-                                          <p:spTgt spid="251"/>
+                                          <p:spTgt spid="261"/>
                                         </p:tgtEl>
                                         <p:attrNameLst>
                                           <p:attrName>style.visibility</p:attrName>
@@ -23718,7 +24104,7 @@
                                       <p:cBhvr>
                                         <p:cTn id="30" fill="hold"/>
                                         <p:tgtEl>
-                                          <p:spTgt spid="250"/>
+                                          <p:spTgt spid="260"/>
                                         </p:tgtEl>
                                         <p:attrNameLst>
                                           <p:attrName>style.visibility</p:attrName>
@@ -23762,7 +24148,7 @@
                                       <p:cBhvr>
                                         <p:cTn id="34" fill="hold"/>
                                         <p:tgtEl>
-                                          <p:spTgt spid="249"/>
+                                          <p:spTgt spid="259"/>
                                         </p:tgtEl>
                                         <p:attrNameLst>
                                           <p:attrName>style.visibility</p:attrName>
@@ -23806,7 +24192,7 @@
                                       <p:cBhvr>
                                         <p:cTn id="38" fill="hold"/>
                                         <p:tgtEl>
-                                          <p:spTgt spid="252"/>
+                                          <p:spTgt spid="262"/>
                                         </p:tgtEl>
                                         <p:attrNameLst>
                                           <p:attrName>style.visibility</p:attrName>
@@ -23850,7 +24236,7 @@
                                       <p:cBhvr>
                                         <p:cTn id="42" fill="hold"/>
                                         <p:tgtEl>
-                                          <p:spTgt spid="254"/>
+                                          <p:spTgt spid="264"/>
                                         </p:tgtEl>
                                         <p:attrNameLst>
                                           <p:attrName>style.visibility</p:attrName>
@@ -23891,16 +24277,16 @@
       </p:par>
     </p:tnLst>
     <p:bldLst>
-      <p:bldP build="whole" bldLvl="1" animBg="1" rev="0" advAuto="0" spid="249" grpId="8"/>
-      <p:bldP build="whole" bldLvl="1" animBg="1" rev="0" advAuto="0" spid="246" grpId="1"/>
-      <p:bldP build="whole" bldLvl="1" animBg="1" rev="0" advAuto="0" spid="248" grpId="2"/>
-      <p:bldP build="whole" bldLvl="1" animBg="1" rev="0" advAuto="0" spid="245" grpId="4"/>
-      <p:bldP build="whole" bldLvl="1" animBg="1" rev="0" advAuto="0" spid="247" grpId="3"/>
-      <p:bldP build="whole" bldLvl="1" animBg="1" rev="0" advAuto="0" spid="252" grpId="9"/>
-      <p:bldP build="whole" bldLvl="1" animBg="1" rev="0" advAuto="0" spid="251" grpId="6"/>
-      <p:bldP build="whole" bldLvl="1" animBg="1" rev="0" advAuto="0" spid="254" grpId="10"/>
-      <p:bldP build="whole" bldLvl="1" animBg="1" rev="0" advAuto="0" spid="253" grpId="5"/>
-      <p:bldP build="whole" bldLvl="1" animBg="1" rev="0" advAuto="0" spid="250" grpId="7"/>
+      <p:bldP build="whole" bldLvl="1" animBg="1" rev="0" advAuto="0" spid="255" grpId="4"/>
+      <p:bldP build="whole" bldLvl="1" animBg="1" rev="0" advAuto="0" spid="257" grpId="3"/>
+      <p:bldP build="whole" bldLvl="1" animBg="1" rev="0" advAuto="0" spid="262" grpId="9"/>
+      <p:bldP build="whole" bldLvl="1" animBg="1" rev="0" advAuto="0" spid="264" grpId="10"/>
+      <p:bldP build="whole" bldLvl="1" animBg="1" rev="0" advAuto="0" spid="261" grpId="6"/>
+      <p:bldP build="whole" bldLvl="1" animBg="1" rev="0" advAuto="0" spid="258" grpId="2"/>
+      <p:bldP build="whole" bldLvl="1" animBg="1" rev="0" advAuto="0" spid="263" grpId="5"/>
+      <p:bldP build="whole" bldLvl="1" animBg="1" rev="0" advAuto="0" spid="256" grpId="1"/>
+      <p:bldP build="whole" bldLvl="1" animBg="1" rev="0" advAuto="0" spid="260" grpId="7"/>
+      <p:bldP build="whole" bldLvl="1" animBg="1" rev="0" advAuto="0" spid="259" grpId="8"/>
     </p:bldLst>
   </p:timing>
 </p:sld>
@@ -23925,7 +24311,7 @@
       </p:grpSpPr>
       <p:sp>
         <p:nvSpPr>
-          <p:cNvPr id="603" name="Google Shape;351;p47"/>
+          <p:cNvPr id="613" name="Google Shape;351;p47"/>
           <p:cNvSpPr txBox="1"/>
           <p:nvPr>
             <p:ph type="title"/>
@@ -23957,7 +24343,7 @@
       </p:sp>
       <p:sp>
         <p:nvSpPr>
-          <p:cNvPr id="604" name="Google Shape;614;p84"/>
+          <p:cNvPr id="614" name="Google Shape;614;p84"/>
           <p:cNvSpPr txBox="1"/>
           <p:nvPr>
             <p:ph type="body" idx="1"/>
@@ -24050,7 +24436,7 @@
       </p:grpSpPr>
       <p:sp>
         <p:nvSpPr>
-          <p:cNvPr id="606" name="Google Shape;351;p47"/>
+          <p:cNvPr id="616" name="Google Shape;351;p47"/>
           <p:cNvSpPr txBox="1"/>
           <p:nvPr>
             <p:ph type="title"/>
@@ -24082,7 +24468,7 @@
       </p:sp>
       <p:sp>
         <p:nvSpPr>
-          <p:cNvPr id="607" name="Google Shape;614;p84"/>
+          <p:cNvPr id="617" name="Google Shape;614;p84"/>
           <p:cNvSpPr txBox="1"/>
           <p:nvPr>
             <p:ph type="body" idx="1"/>
@@ -24190,7 +24576,7 @@
       </p:grpSpPr>
       <p:sp>
         <p:nvSpPr>
-          <p:cNvPr id="609" name="Google Shape;351;p47"/>
+          <p:cNvPr id="619" name="Google Shape;351;p47"/>
           <p:cNvSpPr txBox="1"/>
           <p:nvPr>
             <p:ph type="title"/>
@@ -24222,7 +24608,7 @@
       </p:sp>
       <p:sp>
         <p:nvSpPr>
-          <p:cNvPr id="610" name="Google Shape;614;p84"/>
+          <p:cNvPr id="620" name="Google Shape;614;p84"/>
           <p:cNvSpPr txBox="1"/>
           <p:nvPr>
             <p:ph type="body" idx="1"/>
@@ -24402,7 +24788,7 @@
       </p:grpSpPr>
       <p:sp>
         <p:nvSpPr>
-          <p:cNvPr id="612" name="Google Shape;351;p47"/>
+          <p:cNvPr id="622" name="Google Shape;351;p47"/>
           <p:cNvSpPr txBox="1"/>
           <p:nvPr>
             <p:ph type="title"/>
@@ -24434,7 +24820,7 @@
       </p:sp>
       <p:sp>
         <p:nvSpPr>
-          <p:cNvPr id="613" name="Google Shape;614;p84"/>
+          <p:cNvPr id="623" name="Google Shape;614;p84"/>
           <p:cNvSpPr txBox="1"/>
           <p:nvPr>
             <p:ph type="body" idx="1"/>
@@ -24588,7 +24974,7 @@
       </p:sp>
       <p:sp>
         <p:nvSpPr>
-          <p:cNvPr id="614" name="Google Shape;365;p48"/>
+          <p:cNvPr id="624" name="Google Shape;365;p48"/>
           <p:cNvSpPr txBox="1"/>
           <p:nvPr/>
         </p:nvSpPr>
@@ -24636,7 +25022,7 @@
       </p:sp>
       <p:pic>
         <p:nvPicPr>
-          <p:cNvPr id="615" name="Google Shape;364;p48" descr="Google Shape;364;p48"/>
+          <p:cNvPr id="625" name="Google Shape;364;p48" descr="Google Shape;364;p48"/>
           <p:cNvPicPr>
             <a:picLocks noChangeAspect="1"/>
           </p:cNvPicPr>
@@ -24692,7 +25078,7 @@
       </p:grpSpPr>
       <p:sp>
         <p:nvSpPr>
-          <p:cNvPr id="617" name="Google Shape;351;p47"/>
+          <p:cNvPr id="627" name="Google Shape;351;p47"/>
           <p:cNvSpPr txBox="1"/>
           <p:nvPr>
             <p:ph type="title"/>
@@ -24725,7 +25111,7 @@
       </p:sp>
       <p:sp>
         <p:nvSpPr>
-          <p:cNvPr id="618" name="Google Shape;614;p84"/>
+          <p:cNvPr id="628" name="Google Shape;614;p84"/>
           <p:cNvSpPr txBox="1"/>
           <p:nvPr>
             <p:ph type="body" idx="1"/>
@@ -24791,7 +25177,7 @@
       </p:grpSpPr>
       <p:sp>
         <p:nvSpPr>
-          <p:cNvPr id="620" name="Google Shape;351;p47"/>
+          <p:cNvPr id="630" name="Google Shape;351;p47"/>
           <p:cNvSpPr txBox="1"/>
           <p:nvPr>
             <p:ph type="title"/>
@@ -24824,7 +25210,7 @@
       </p:sp>
       <p:sp>
         <p:nvSpPr>
-          <p:cNvPr id="621" name="Google Shape;614;p84"/>
+          <p:cNvPr id="631" name="Google Shape;614;p84"/>
           <p:cNvSpPr txBox="1"/>
           <p:nvPr>
             <p:ph type="body" idx="1"/>
@@ -24917,7 +25303,7 @@
       </p:grpSpPr>
       <p:sp>
         <p:nvSpPr>
-          <p:cNvPr id="623" name="Google Shape;351;p47"/>
+          <p:cNvPr id="633" name="Google Shape;351;p47"/>
           <p:cNvSpPr txBox="1"/>
           <p:nvPr>
             <p:ph type="title"/>
@@ -24950,7 +25336,7 @@
       </p:sp>
       <p:sp>
         <p:nvSpPr>
-          <p:cNvPr id="624" name="Google Shape;614;p84"/>
+          <p:cNvPr id="634" name="Google Shape;614;p84"/>
           <p:cNvSpPr txBox="1"/>
           <p:nvPr>
             <p:ph type="body" idx="1"/>
@@ -25058,7 +25444,7 @@
       </p:grpSpPr>
       <p:sp>
         <p:nvSpPr>
-          <p:cNvPr id="626" name="Google Shape;351;p47"/>
+          <p:cNvPr id="636" name="Google Shape;351;p47"/>
           <p:cNvSpPr txBox="1"/>
           <p:nvPr>
             <p:ph type="title"/>
@@ -25091,7 +25477,7 @@
       </p:sp>
       <p:sp>
         <p:nvSpPr>
-          <p:cNvPr id="627" name="Google Shape;614;p84"/>
+          <p:cNvPr id="637" name="Google Shape;614;p84"/>
           <p:cNvSpPr txBox="1"/>
           <p:nvPr>
             <p:ph type="body" idx="1"/>
@@ -25271,7 +25657,7 @@
       </p:grpSpPr>
       <p:sp>
         <p:nvSpPr>
-          <p:cNvPr id="629" name="Google Shape;351;p47"/>
+          <p:cNvPr id="639" name="Google Shape;351;p47"/>
           <p:cNvSpPr txBox="1"/>
           <p:nvPr>
             <p:ph type="title"/>
@@ -25304,7 +25690,7 @@
       </p:sp>
       <p:sp>
         <p:nvSpPr>
-          <p:cNvPr id="630" name="Google Shape;614;p84"/>
+          <p:cNvPr id="640" name="Google Shape;614;p84"/>
           <p:cNvSpPr txBox="1"/>
           <p:nvPr>
             <p:ph type="body" idx="1"/>
@@ -25458,7 +25844,7 @@
       </p:sp>
       <p:sp>
         <p:nvSpPr>
-          <p:cNvPr id="631" name="Google Shape;365;p48"/>
+          <p:cNvPr id="641" name="Google Shape;365;p48"/>
           <p:cNvSpPr txBox="1"/>
           <p:nvPr/>
         </p:nvSpPr>
@@ -25510,7 +25896,7 @@
       </p:sp>
       <p:pic>
         <p:nvPicPr>
-          <p:cNvPr id="632" name="Google Shape;364;p48" descr="Google Shape;364;p48"/>
+          <p:cNvPr id="642" name="Google Shape;364;p48" descr="Google Shape;364;p48"/>
           <p:cNvPicPr>
             <a:picLocks noChangeAspect="1"/>
           </p:cNvPicPr>
@@ -25566,7 +25952,7 @@
       </p:grpSpPr>
       <p:sp>
         <p:nvSpPr>
-          <p:cNvPr id="634" name="Google Shape;351;p47"/>
+          <p:cNvPr id="644" name="Google Shape;351;p47"/>
           <p:cNvSpPr txBox="1"/>
           <p:nvPr>
             <p:ph type="title"/>
@@ -25598,7 +25984,7 @@
       </p:sp>
       <p:sp>
         <p:nvSpPr>
-          <p:cNvPr id="635" name="Google Shape;614;p84"/>
+          <p:cNvPr id="645" name="Google Shape;614;p84"/>
           <p:cNvSpPr txBox="1"/>
           <p:nvPr>
             <p:ph type="body" idx="1"/>
@@ -25664,7 +26050,7 @@
       </p:grpSpPr>
       <p:sp>
         <p:nvSpPr>
-          <p:cNvPr id="258" name="Google Shape;560;p76"/>
+          <p:cNvPr id="268" name="Google Shape;560;p76"/>
           <p:cNvSpPr txBox="1"/>
           <p:nvPr>
             <p:ph type="title"/>
@@ -25696,7 +26082,7 @@
       </p:sp>
       <p:sp>
         <p:nvSpPr>
-          <p:cNvPr id="259" name="Google Shape;561;p76"/>
+          <p:cNvPr id="269" name="Google Shape;561;p76"/>
           <p:cNvSpPr txBox="1"/>
           <p:nvPr>
             <p:ph type="body" idx="1"/>
@@ -25774,7 +26160,7 @@
       </p:grpSpPr>
       <p:sp>
         <p:nvSpPr>
-          <p:cNvPr id="637" name="Google Shape;351;p47"/>
+          <p:cNvPr id="647" name="Google Shape;351;p47"/>
           <p:cNvSpPr txBox="1"/>
           <p:nvPr>
             <p:ph type="title"/>
@@ -25806,7 +26192,7 @@
       </p:sp>
       <p:sp>
         <p:nvSpPr>
-          <p:cNvPr id="638" name="Google Shape;614;p84"/>
+          <p:cNvPr id="648" name="Google Shape;614;p84"/>
           <p:cNvSpPr txBox="1"/>
           <p:nvPr>
             <p:ph type="body" idx="1"/>
@@ -25899,7 +26285,7 @@
       </p:grpSpPr>
       <p:sp>
         <p:nvSpPr>
-          <p:cNvPr id="640" name="Google Shape;351;p47"/>
+          <p:cNvPr id="650" name="Google Shape;351;p47"/>
           <p:cNvSpPr txBox="1"/>
           <p:nvPr>
             <p:ph type="title"/>
@@ -25931,7 +26317,7 @@
       </p:sp>
       <p:sp>
         <p:nvSpPr>
-          <p:cNvPr id="641" name="Google Shape;614;p84"/>
+          <p:cNvPr id="651" name="Google Shape;614;p84"/>
           <p:cNvSpPr txBox="1"/>
           <p:nvPr>
             <p:ph type="body" idx="1"/>
@@ -25998,7 +26384,7 @@
       </p:sp>
       <p:sp>
         <p:nvSpPr>
-          <p:cNvPr id="642" name="Google Shape;365;p48"/>
+          <p:cNvPr id="652" name="Google Shape;365;p48"/>
           <p:cNvSpPr txBox="1"/>
           <p:nvPr/>
         </p:nvSpPr>
@@ -26046,7 +26432,7 @@
       </p:sp>
       <p:pic>
         <p:nvPicPr>
-          <p:cNvPr id="643" name="Google Shape;364;p48" descr="Google Shape;364;p48"/>
+          <p:cNvPr id="653" name="Google Shape;364;p48" descr="Google Shape;364;p48"/>
           <p:cNvPicPr>
             <a:picLocks noChangeAspect="1"/>
           </p:cNvPicPr>
@@ -26102,7 +26488,7 @@
       </p:grpSpPr>
       <p:sp>
         <p:nvSpPr>
-          <p:cNvPr id="645" name="Google Shape;351;p47"/>
+          <p:cNvPr id="655" name="Google Shape;351;p47"/>
           <p:cNvSpPr txBox="1"/>
           <p:nvPr>
             <p:ph type="title"/>
@@ -26134,7 +26520,7 @@
       </p:sp>
       <p:sp>
         <p:nvSpPr>
-          <p:cNvPr id="646" name="Google Shape;614;p84"/>
+          <p:cNvPr id="656" name="Google Shape;614;p84"/>
           <p:cNvSpPr txBox="1"/>
           <p:nvPr>
             <p:ph type="body" idx="1"/>
@@ -26216,7 +26602,7 @@
       </p:sp>
       <p:sp>
         <p:nvSpPr>
-          <p:cNvPr id="647" name="Google Shape;365;p48"/>
+          <p:cNvPr id="657" name="Google Shape;365;p48"/>
           <p:cNvSpPr txBox="1"/>
           <p:nvPr/>
         </p:nvSpPr>
@@ -26264,7 +26650,7 @@
       </p:sp>
       <p:pic>
         <p:nvPicPr>
-          <p:cNvPr id="648" name="Google Shape;364;p48" descr="Google Shape;364;p48"/>
+          <p:cNvPr id="658" name="Google Shape;364;p48" descr="Google Shape;364;p48"/>
           <p:cNvPicPr>
             <a:picLocks noChangeAspect="1"/>
           </p:cNvPicPr>
@@ -26320,7 +26706,7 @@
       </p:grpSpPr>
       <p:sp>
         <p:nvSpPr>
-          <p:cNvPr id="650" name="Google Shape;351;p47"/>
+          <p:cNvPr id="660" name="Google Shape;351;p47"/>
           <p:cNvSpPr txBox="1"/>
           <p:nvPr>
             <p:ph type="title"/>
@@ -26352,7 +26738,7 @@
       </p:sp>
       <p:sp>
         <p:nvSpPr>
-          <p:cNvPr id="651" name="Google Shape;614;p84"/>
+          <p:cNvPr id="661" name="Google Shape;614;p84"/>
           <p:cNvSpPr txBox="1"/>
           <p:nvPr>
             <p:ph type="body" idx="1"/>
@@ -26494,7 +26880,7 @@
       </p:sp>
       <p:sp>
         <p:nvSpPr>
-          <p:cNvPr id="652" name="Google Shape;365;p48"/>
+          <p:cNvPr id="662" name="Google Shape;365;p48"/>
           <p:cNvSpPr txBox="1"/>
           <p:nvPr/>
         </p:nvSpPr>
@@ -26542,7 +26928,7 @@
       </p:sp>
       <p:pic>
         <p:nvPicPr>
-          <p:cNvPr id="653" name="Google Shape;364;p48" descr="Google Shape;364;p48"/>
+          <p:cNvPr id="663" name="Google Shape;364;p48" descr="Google Shape;364;p48"/>
           <p:cNvPicPr>
             <a:picLocks noChangeAspect="1"/>
           </p:cNvPicPr>
@@ -26598,7 +26984,7 @@
       </p:grpSpPr>
       <p:sp>
         <p:nvSpPr>
-          <p:cNvPr id="655" name="Google Shape;351;p47"/>
+          <p:cNvPr id="665" name="Google Shape;351;p47"/>
           <p:cNvSpPr txBox="1"/>
           <p:nvPr>
             <p:ph type="title"/>
@@ -26630,7 +27016,7 @@
       </p:sp>
       <p:sp>
         <p:nvSpPr>
-          <p:cNvPr id="656" name="Google Shape;614;p84"/>
+          <p:cNvPr id="666" name="Google Shape;614;p84"/>
           <p:cNvSpPr txBox="1"/>
           <p:nvPr>
             <p:ph type="body" idx="1"/>
@@ -26772,7 +27158,7 @@
       </p:sp>
       <p:sp>
         <p:nvSpPr>
-          <p:cNvPr id="657" name="Google Shape;365;p48"/>
+          <p:cNvPr id="667" name="Google Shape;365;p48"/>
           <p:cNvSpPr txBox="1"/>
           <p:nvPr/>
         </p:nvSpPr>
@@ -26820,7 +27206,7 @@
       </p:sp>
       <p:pic>
         <p:nvPicPr>
-          <p:cNvPr id="658" name="Google Shape;363;p48" descr="Google Shape;363;p48"/>
+          <p:cNvPr id="668" name="Google Shape;363;p48" descr="Google Shape;363;p48"/>
           <p:cNvPicPr>
             <a:picLocks noChangeAspect="1"/>
           </p:cNvPicPr>
@@ -26876,7 +27262,7 @@
       </p:grpSpPr>
       <p:sp>
         <p:nvSpPr>
-          <p:cNvPr id="660" name="Google Shape;351;p47"/>
+          <p:cNvPr id="670" name="Google Shape;351;p47"/>
           <p:cNvSpPr txBox="1"/>
           <p:nvPr>
             <p:ph type="title"/>
@@ -26908,7 +27294,7 @@
       </p:sp>
       <p:sp>
         <p:nvSpPr>
-          <p:cNvPr id="661" name="Google Shape;614;p84"/>
+          <p:cNvPr id="671" name="Google Shape;614;p84"/>
           <p:cNvSpPr txBox="1"/>
           <p:nvPr>
             <p:ph type="body" idx="1"/>
@@ -27016,7 +27402,7 @@
       </p:grpSpPr>
       <p:sp>
         <p:nvSpPr>
-          <p:cNvPr id="663" name="Google Shape;351;p47"/>
+          <p:cNvPr id="673" name="Google Shape;351;p47"/>
           <p:cNvSpPr txBox="1"/>
           <p:nvPr>
             <p:ph type="title"/>
@@ -27048,7 +27434,7 @@
       </p:sp>
       <p:sp>
         <p:nvSpPr>
-          <p:cNvPr id="664" name="Google Shape;614;p84"/>
+          <p:cNvPr id="674" name="Google Shape;614;p84"/>
           <p:cNvSpPr txBox="1"/>
           <p:nvPr>
             <p:ph type="body" idx="1"/>
@@ -27130,7 +27516,7 @@
       </p:sp>
       <p:sp>
         <p:nvSpPr>
-          <p:cNvPr id="665" name="Google Shape;365;p48"/>
+          <p:cNvPr id="675" name="Google Shape;365;p48"/>
           <p:cNvSpPr txBox="1"/>
           <p:nvPr/>
         </p:nvSpPr>
@@ -27178,7 +27564,7 @@
       </p:sp>
       <p:pic>
         <p:nvPicPr>
-          <p:cNvPr id="666" name="Google Shape;363;p48" descr="Google Shape;363;p48"/>
+          <p:cNvPr id="676" name="Google Shape;363;p48" descr="Google Shape;363;p48"/>
           <p:cNvPicPr>
             <a:picLocks noChangeAspect="1"/>
           </p:cNvPicPr>
@@ -27234,7 +27620,7 @@
       </p:grpSpPr>
       <p:sp>
         <p:nvSpPr>
-          <p:cNvPr id="668" name="Google Shape;351;p47"/>
+          <p:cNvPr id="678" name="Google Shape;351;p47"/>
           <p:cNvSpPr txBox="1"/>
           <p:nvPr>
             <p:ph type="title"/>
@@ -27266,7 +27652,7 @@
       </p:sp>
       <p:sp>
         <p:nvSpPr>
-          <p:cNvPr id="669" name="Google Shape;614;p84"/>
+          <p:cNvPr id="679" name="Google Shape;614;p84"/>
           <p:cNvSpPr txBox="1"/>
           <p:nvPr>
             <p:ph type="body" idx="1"/>
@@ -27420,7 +27806,7 @@
       </p:sp>
       <p:sp>
         <p:nvSpPr>
-          <p:cNvPr id="670" name="Google Shape;365;p48"/>
+          <p:cNvPr id="680" name="Google Shape;365;p48"/>
           <p:cNvSpPr txBox="1"/>
           <p:nvPr/>
         </p:nvSpPr>
@@ -27468,7 +27854,7 @@
       </p:sp>
       <p:pic>
         <p:nvPicPr>
-          <p:cNvPr id="671" name="Google Shape;363;p48" descr="Google Shape;363;p48"/>
+          <p:cNvPr id="681" name="Google Shape;363;p48" descr="Google Shape;363;p48"/>
           <p:cNvPicPr>
             <a:picLocks noChangeAspect="1"/>
           </p:cNvPicPr>
@@ -27524,7 +27910,7 @@
       </p:grpSpPr>
       <p:sp>
         <p:nvSpPr>
-          <p:cNvPr id="673" name="Google Shape;351;p47"/>
+          <p:cNvPr id="683" name="Google Shape;351;p47"/>
           <p:cNvSpPr txBox="1"/>
           <p:nvPr>
             <p:ph type="title"/>
@@ -27556,7 +27942,7 @@
       </p:sp>
       <p:sp>
         <p:nvSpPr>
-          <p:cNvPr id="674" name="Google Shape;614;p84"/>
+          <p:cNvPr id="684" name="Google Shape;614;p84"/>
           <p:cNvSpPr txBox="1"/>
           <p:nvPr>
             <p:ph type="body" idx="1"/>
@@ -27710,7 +28096,7 @@
       </p:sp>
       <p:sp>
         <p:nvSpPr>
-          <p:cNvPr id="675" name="Google Shape;365;p48"/>
+          <p:cNvPr id="685" name="Google Shape;365;p48"/>
           <p:cNvSpPr txBox="1"/>
           <p:nvPr/>
         </p:nvSpPr>
@@ -27758,7 +28144,7 @@
       </p:sp>
       <p:pic>
         <p:nvPicPr>
-          <p:cNvPr id="676" name="Google Shape;363;p48" descr="Google Shape;363;p48"/>
+          <p:cNvPr id="686" name="Google Shape;363;p48" descr="Google Shape;363;p48"/>
           <p:cNvPicPr>
             <a:picLocks noChangeAspect="1"/>
           </p:cNvPicPr>
@@ -27814,7 +28200,7 @@
       </p:grpSpPr>
       <p:sp>
         <p:nvSpPr>
-          <p:cNvPr id="678" name="Google Shape;351;p47"/>
+          <p:cNvPr id="688" name="Google Shape;351;p47"/>
           <p:cNvSpPr txBox="1"/>
           <p:nvPr>
             <p:ph type="title"/>
@@ -27846,7 +28232,7 @@
       </p:sp>
       <p:sp>
         <p:nvSpPr>
-          <p:cNvPr id="679" name="Google Shape;614;p84"/>
+          <p:cNvPr id="689" name="Google Shape;614;p84"/>
           <p:cNvSpPr txBox="1"/>
           <p:nvPr>
             <p:ph type="body" idx="1"/>
@@ -28000,7 +28386,7 @@
       </p:sp>
       <p:sp>
         <p:nvSpPr>
-          <p:cNvPr id="680" name="Google Shape;365;p48"/>
+          <p:cNvPr id="690" name="Google Shape;365;p48"/>
           <p:cNvSpPr txBox="1"/>
           <p:nvPr/>
         </p:nvSpPr>
@@ -28048,7 +28434,7 @@
       </p:sp>
       <p:pic>
         <p:nvPicPr>
-          <p:cNvPr id="681" name="Google Shape;363;p48" descr="Google Shape;363;p48"/>
+          <p:cNvPr id="691" name="Google Shape;363;p48" descr="Google Shape;363;p48"/>
           <p:cNvPicPr>
             <a:picLocks noChangeAspect="1"/>
           </p:cNvPicPr>
@@ -28104,7 +28490,7 @@
       </p:grpSpPr>
       <p:sp>
         <p:nvSpPr>
-          <p:cNvPr id="263" name="Google Shape;560;p76"/>
+          <p:cNvPr id="273" name="Google Shape;560;p76"/>
           <p:cNvSpPr txBox="1"/>
           <p:nvPr>
             <p:ph type="title"/>
@@ -28136,7 +28522,7 @@
       </p:sp>
       <p:sp>
         <p:nvSpPr>
-          <p:cNvPr id="264" name="Google Shape;561;p76"/>
+          <p:cNvPr id="274" name="Google Shape;561;p76"/>
           <p:cNvSpPr txBox="1"/>
           <p:nvPr>
             <p:ph type="body" idx="1"/>
@@ -28188,7 +28574,7 @@
       </p:sp>
       <p:pic>
         <p:nvPicPr>
-          <p:cNvPr id="265" name="Google Shape;363;p48" descr="Google Shape;363;p48"/>
+          <p:cNvPr id="275" name="Google Shape;363;p48" descr="Google Shape;363;p48"/>
           <p:cNvPicPr>
             <a:picLocks noChangeAspect="1"/>
           </p:cNvPicPr>
@@ -28218,7 +28604,7 @@
       </p:pic>
       <p:sp>
         <p:nvSpPr>
-          <p:cNvPr id="266" name="Google Shape;365;p48"/>
+          <p:cNvPr id="276" name="Google Shape;365;p48"/>
           <p:cNvSpPr txBox="1"/>
           <p:nvPr/>
         </p:nvSpPr>
@@ -28293,7 +28679,7 @@
       </p:grpSpPr>
       <p:sp>
         <p:nvSpPr>
-          <p:cNvPr id="683" name="Google Shape;351;p47"/>
+          <p:cNvPr id="693" name="Google Shape;351;p47"/>
           <p:cNvSpPr txBox="1"/>
           <p:nvPr>
             <p:ph type="title"/>
@@ -28325,7 +28711,7 @@
       </p:sp>
       <p:sp>
         <p:nvSpPr>
-          <p:cNvPr id="684" name="Google Shape;614;p84"/>
+          <p:cNvPr id="694" name="Google Shape;614;p84"/>
           <p:cNvSpPr txBox="1"/>
           <p:nvPr>
             <p:ph type="body" idx="1"/>
@@ -28391,7 +28777,7 @@
       </p:grpSpPr>
       <p:sp>
         <p:nvSpPr>
-          <p:cNvPr id="686" name="Google Shape;351;p47"/>
+          <p:cNvPr id="696" name="Google Shape;351;p47"/>
           <p:cNvSpPr txBox="1"/>
           <p:nvPr>
             <p:ph type="title"/>
@@ -28423,7 +28809,7 @@
       </p:sp>
       <p:sp>
         <p:nvSpPr>
-          <p:cNvPr id="687" name="Google Shape;614;p84"/>
+          <p:cNvPr id="697" name="Google Shape;614;p84"/>
           <p:cNvSpPr txBox="1"/>
           <p:nvPr>
             <p:ph type="body" idx="1"/>
@@ -28516,7 +28902,7 @@
       </p:grpSpPr>
       <p:sp>
         <p:nvSpPr>
-          <p:cNvPr id="689" name="Google Shape;351;p47"/>
+          <p:cNvPr id="699" name="Google Shape;351;p47"/>
           <p:cNvSpPr txBox="1"/>
           <p:nvPr>
             <p:ph type="title"/>
@@ -28548,7 +28934,7 @@
       </p:sp>
       <p:sp>
         <p:nvSpPr>
-          <p:cNvPr id="690" name="Google Shape;614;p84"/>
+          <p:cNvPr id="700" name="Google Shape;614;p84"/>
           <p:cNvSpPr txBox="1"/>
           <p:nvPr>
             <p:ph type="body" idx="1"/>
@@ -28659,7 +29045,7 @@
       </p:grpSpPr>
       <p:sp>
         <p:nvSpPr>
-          <p:cNvPr id="692" name="Google Shape;351;p47"/>
+          <p:cNvPr id="702" name="Google Shape;351;p47"/>
           <p:cNvSpPr txBox="1"/>
           <p:nvPr>
             <p:ph type="title"/>
@@ -28691,7 +29077,7 @@
       </p:sp>
       <p:sp>
         <p:nvSpPr>
-          <p:cNvPr id="693" name="Google Shape;614;p84"/>
+          <p:cNvPr id="703" name="Google Shape;614;p84"/>
           <p:cNvSpPr txBox="1"/>
           <p:nvPr>
             <p:ph type="body" idx="1"/>
@@ -28776,7 +29162,7 @@
       </p:sp>
       <p:sp>
         <p:nvSpPr>
-          <p:cNvPr id="694" name="Google Shape;365;p48"/>
+          <p:cNvPr id="704" name="Google Shape;365;p48"/>
           <p:cNvSpPr txBox="1"/>
           <p:nvPr/>
         </p:nvSpPr>
@@ -28824,7 +29210,7 @@
       </p:sp>
       <p:pic>
         <p:nvPicPr>
-          <p:cNvPr id="695" name="Google Shape;363;p48" descr="Google Shape;363;p48"/>
+          <p:cNvPr id="705" name="Google Shape;363;p48" descr="Google Shape;363;p48"/>
           <p:cNvPicPr>
             <a:picLocks noChangeAspect="1"/>
           </p:cNvPicPr>
@@ -28880,7 +29266,7 @@
       </p:grpSpPr>
       <p:sp>
         <p:nvSpPr>
-          <p:cNvPr id="697" name="Google Shape;351;p47"/>
+          <p:cNvPr id="707" name="Google Shape;351;p47"/>
           <p:cNvSpPr txBox="1"/>
           <p:nvPr>
             <p:ph type="title"/>
@@ -28912,7 +29298,7 @@
       </p:sp>
       <p:sp>
         <p:nvSpPr>
-          <p:cNvPr id="698" name="Google Shape;614;p84"/>
+          <p:cNvPr id="708" name="Google Shape;614;p84"/>
           <p:cNvSpPr txBox="1"/>
           <p:nvPr>
             <p:ph type="body" idx="1"/>
@@ -29038,7 +29424,7 @@
       </p:grpSpPr>
       <p:sp>
         <p:nvSpPr>
-          <p:cNvPr id="700" name="Google Shape;351;p47"/>
+          <p:cNvPr id="710" name="Google Shape;351;p47"/>
           <p:cNvSpPr txBox="1"/>
           <p:nvPr>
             <p:ph type="title"/>
@@ -29070,7 +29456,7 @@
       </p:sp>
       <p:sp>
         <p:nvSpPr>
-          <p:cNvPr id="701" name="Google Shape;614;p84"/>
+          <p:cNvPr id="711" name="Google Shape;614;p84"/>
           <p:cNvSpPr txBox="1"/>
           <p:nvPr>
             <p:ph type="body" idx="1"/>
@@ -29214,7 +29600,7 @@
       </p:grpSpPr>
       <p:sp>
         <p:nvSpPr>
-          <p:cNvPr id="703" name="Google Shape;351;p47"/>
+          <p:cNvPr id="713" name="Google Shape;351;p47"/>
           <p:cNvSpPr txBox="1"/>
           <p:nvPr>
             <p:ph type="title"/>
@@ -29246,7 +29632,7 @@
       </p:sp>
       <p:sp>
         <p:nvSpPr>
-          <p:cNvPr id="704" name="Google Shape;614;p84"/>
+          <p:cNvPr id="714" name="Google Shape;614;p84"/>
           <p:cNvSpPr txBox="1"/>
           <p:nvPr>
             <p:ph type="body" idx="1"/>
@@ -29312,7 +29698,7 @@
       </p:grpSpPr>
       <p:sp>
         <p:nvSpPr>
-          <p:cNvPr id="706" name="Google Shape;351;p47"/>
+          <p:cNvPr id="716" name="Google Shape;351;p47"/>
           <p:cNvSpPr txBox="1"/>
           <p:nvPr>
             <p:ph type="title"/>
@@ -29344,7 +29730,7 @@
       </p:sp>
       <p:sp>
         <p:nvSpPr>
-          <p:cNvPr id="707" name="Google Shape;614;p84"/>
+          <p:cNvPr id="717" name="Google Shape;614;p84"/>
           <p:cNvSpPr txBox="1"/>
           <p:nvPr>
             <p:ph type="body" idx="1"/>
@@ -29437,7 +29823,7 @@
       </p:grpSpPr>
       <p:sp>
         <p:nvSpPr>
-          <p:cNvPr id="709" name="Google Shape;351;p47"/>
+          <p:cNvPr id="719" name="Google Shape;351;p47"/>
           <p:cNvSpPr txBox="1"/>
           <p:nvPr>
             <p:ph type="title"/>
@@ -29469,7 +29855,7 @@
       </p:sp>
       <p:sp>
         <p:nvSpPr>
-          <p:cNvPr id="710" name="Google Shape;614;p84"/>
+          <p:cNvPr id="720" name="Google Shape;614;p84"/>
           <p:cNvSpPr txBox="1"/>
           <p:nvPr>
             <p:ph type="body" idx="1"/>
@@ -29580,7 +29966,7 @@
       </p:grpSpPr>
       <p:sp>
         <p:nvSpPr>
-          <p:cNvPr id="712" name="Google Shape;351;p47"/>
+          <p:cNvPr id="722" name="Google Shape;351;p47"/>
           <p:cNvSpPr txBox="1"/>
           <p:nvPr>
             <p:ph type="title"/>
@@ -29612,7 +29998,7 @@
       </p:sp>
       <p:sp>
         <p:nvSpPr>
-          <p:cNvPr id="713" name="Google Shape;614;p84"/>
+          <p:cNvPr id="723" name="Google Shape;614;p84"/>
           <p:cNvSpPr txBox="1"/>
           <p:nvPr>
             <p:ph type="body" idx="1"/>
@@ -29697,7 +30083,7 @@
       </p:sp>
       <p:sp>
         <p:nvSpPr>
-          <p:cNvPr id="714" name="Google Shape;365;p48"/>
+          <p:cNvPr id="724" name="Google Shape;365;p48"/>
           <p:cNvSpPr txBox="1"/>
           <p:nvPr/>
         </p:nvSpPr>
@@ -29749,7 +30135,7 @@
       </p:sp>
       <p:pic>
         <p:nvPicPr>
-          <p:cNvPr id="715" name="Google Shape;363;p48" descr="Google Shape;363;p48"/>
+          <p:cNvPr id="725" name="Google Shape;363;p48" descr="Google Shape;363;p48"/>
           <p:cNvPicPr>
             <a:picLocks noChangeAspect="1"/>
           </p:cNvPicPr>
@@ -29805,7 +30191,7 @@
       </p:grpSpPr>
       <p:sp>
         <p:nvSpPr>
-          <p:cNvPr id="270" name="Google Shape;561;p76"/>
+          <p:cNvPr id="280" name="Google Shape;561;p76"/>
           <p:cNvSpPr txBox="1"/>
           <p:nvPr>
             <p:ph type="body" idx="1"/>
@@ -29857,7 +30243,7 @@
       </p:sp>
       <p:pic>
         <p:nvPicPr>
-          <p:cNvPr id="271" name="Google Shape;363;p48" descr="Google Shape;363;p48"/>
+          <p:cNvPr id="281" name="Google Shape;363;p48" descr="Google Shape;363;p48"/>
           <p:cNvPicPr>
             <a:picLocks noChangeAspect="1"/>
           </p:cNvPicPr>
@@ -29887,7 +30273,7 @@
       </p:pic>
       <p:sp>
         <p:nvSpPr>
-          <p:cNvPr id="272" name="Google Shape;365;p48"/>
+          <p:cNvPr id="282" name="Google Shape;365;p48"/>
           <p:cNvSpPr txBox="1"/>
           <p:nvPr/>
         </p:nvSpPr>
@@ -29936,7 +30322,7 @@
       </p:sp>
       <p:sp>
         <p:nvSpPr>
-          <p:cNvPr id="273" name="Google Shape;365;p48"/>
+          <p:cNvPr id="283" name="Google Shape;365;p48"/>
           <p:cNvSpPr txBox="1"/>
           <p:nvPr/>
         </p:nvSpPr>
@@ -29984,7 +30370,7 @@
       </p:sp>
       <p:sp>
         <p:nvSpPr>
-          <p:cNvPr id="274" name="Google Shape;560;p76"/>
+          <p:cNvPr id="284" name="Google Shape;560;p76"/>
           <p:cNvSpPr txBox="1"/>
           <p:nvPr>
             <p:ph type="title"/>
@@ -30042,7 +30428,7 @@
       </p:grpSpPr>
       <p:sp>
         <p:nvSpPr>
-          <p:cNvPr id="717" name="Google Shape;351;p47"/>
+          <p:cNvPr id="727" name="Google Shape;351;p47"/>
           <p:cNvSpPr txBox="1"/>
           <p:nvPr>
             <p:ph type="title"/>
@@ -30074,7 +30460,7 @@
       </p:sp>
       <p:sp>
         <p:nvSpPr>
-          <p:cNvPr id="718" name="Google Shape;614;p84"/>
+          <p:cNvPr id="728" name="Google Shape;614;p84"/>
           <p:cNvSpPr txBox="1"/>
           <p:nvPr>
             <p:ph type="body" idx="1"/>
@@ -30140,7 +30526,7 @@
       </p:grpSpPr>
       <p:sp>
         <p:nvSpPr>
-          <p:cNvPr id="720" name="Google Shape;351;p47"/>
+          <p:cNvPr id="730" name="Google Shape;351;p47"/>
           <p:cNvSpPr txBox="1"/>
           <p:nvPr>
             <p:ph type="title"/>
@@ -30172,7 +30558,7 @@
       </p:sp>
       <p:sp>
         <p:nvSpPr>
-          <p:cNvPr id="721" name="Google Shape;614;p84"/>
+          <p:cNvPr id="731" name="Google Shape;614;p84"/>
           <p:cNvSpPr txBox="1"/>
           <p:nvPr>
             <p:ph type="body" idx="1"/>
@@ -30265,7 +30651,7 @@
       </p:grpSpPr>
       <p:sp>
         <p:nvSpPr>
-          <p:cNvPr id="723" name="Google Shape;351;p47"/>
+          <p:cNvPr id="733" name="Google Shape;351;p47"/>
           <p:cNvSpPr txBox="1"/>
           <p:nvPr>
             <p:ph type="title"/>
@@ -30297,7 +30683,7 @@
       </p:sp>
       <p:sp>
         <p:nvSpPr>
-          <p:cNvPr id="724" name="Google Shape;614;p84"/>
+          <p:cNvPr id="734" name="Google Shape;614;p84"/>
           <p:cNvSpPr txBox="1"/>
           <p:nvPr>
             <p:ph type="body" idx="1"/>
@@ -30364,7 +30750,7 @@
       </p:sp>
       <p:sp>
         <p:nvSpPr>
-          <p:cNvPr id="725" name="Google Shape;365;p48"/>
+          <p:cNvPr id="735" name="Google Shape;365;p48"/>
           <p:cNvSpPr txBox="1"/>
           <p:nvPr/>
         </p:nvSpPr>
@@ -30412,7 +30798,7 @@
       </p:sp>
       <p:pic>
         <p:nvPicPr>
-          <p:cNvPr id="726" name="Google Shape;363;p48" descr="Google Shape;363;p48"/>
+          <p:cNvPr id="736" name="Google Shape;363;p48" descr="Google Shape;363;p48"/>
           <p:cNvPicPr>
             <a:picLocks noChangeAspect="1"/>
           </p:cNvPicPr>
@@ -30468,7 +30854,7 @@
       </p:grpSpPr>
       <p:sp>
         <p:nvSpPr>
-          <p:cNvPr id="728" name="Google Shape;351;p47"/>
+          <p:cNvPr id="738" name="Google Shape;351;p47"/>
           <p:cNvSpPr txBox="1"/>
           <p:nvPr>
             <p:ph type="title"/>
@@ -30500,7 +30886,7 @@
       </p:sp>
       <p:sp>
         <p:nvSpPr>
-          <p:cNvPr id="729" name="Google Shape;614;p84"/>
+          <p:cNvPr id="739" name="Google Shape;614;p84"/>
           <p:cNvSpPr txBox="1"/>
           <p:nvPr>
             <p:ph type="body" idx="1"/>
@@ -30585,7 +30971,7 @@
       </p:sp>
       <p:sp>
         <p:nvSpPr>
-          <p:cNvPr id="730" name="Google Shape;365;p48"/>
+          <p:cNvPr id="740" name="Google Shape;365;p48"/>
           <p:cNvSpPr txBox="1"/>
           <p:nvPr/>
         </p:nvSpPr>
@@ -30633,7 +31019,7 @@
       </p:sp>
       <p:pic>
         <p:nvPicPr>
-          <p:cNvPr id="731" name="Google Shape;363;p48" descr="Google Shape;363;p48"/>
+          <p:cNvPr id="741" name="Google Shape;363;p48" descr="Google Shape;363;p48"/>
           <p:cNvPicPr>
             <a:picLocks noChangeAspect="1"/>
           </p:cNvPicPr>
@@ -30689,7 +31075,7 @@
       </p:grpSpPr>
       <p:sp>
         <p:nvSpPr>
-          <p:cNvPr id="733" name="Google Shape;351;p47"/>
+          <p:cNvPr id="743" name="Google Shape;351;p47"/>
           <p:cNvSpPr txBox="1"/>
           <p:nvPr>
             <p:ph type="title"/>
@@ -30721,7 +31107,7 @@
       </p:sp>
       <p:sp>
         <p:nvSpPr>
-          <p:cNvPr id="734" name="Google Shape;614;p84"/>
+          <p:cNvPr id="744" name="Google Shape;614;p84"/>
           <p:cNvSpPr txBox="1"/>
           <p:nvPr>
             <p:ph type="body" idx="1"/>
@@ -30821,7 +31207,7 @@
       </p:sp>
       <p:sp>
         <p:nvSpPr>
-          <p:cNvPr id="735" name="Google Shape;365;p48"/>
+          <p:cNvPr id="745" name="Google Shape;365;p48"/>
           <p:cNvSpPr txBox="1"/>
           <p:nvPr/>
         </p:nvSpPr>
@@ -30869,7 +31255,7 @@
       </p:sp>
       <p:pic>
         <p:nvPicPr>
-          <p:cNvPr id="736" name="Google Shape;363;p48" descr="Google Shape;363;p48"/>
+          <p:cNvPr id="746" name="Google Shape;363;p48" descr="Google Shape;363;p48"/>
           <p:cNvPicPr>
             <a:picLocks noChangeAspect="1"/>
           </p:cNvPicPr>
@@ -30925,7 +31311,7 @@
       </p:grpSpPr>
       <p:sp>
         <p:nvSpPr>
-          <p:cNvPr id="738" name="Google Shape;351;p47"/>
+          <p:cNvPr id="748" name="Google Shape;351;p47"/>
           <p:cNvSpPr txBox="1"/>
           <p:nvPr>
             <p:ph type="title"/>
@@ -30957,7 +31343,7 @@
       </p:sp>
       <p:sp>
         <p:nvSpPr>
-          <p:cNvPr id="739" name="Google Shape;614;p84"/>
+          <p:cNvPr id="749" name="Google Shape;614;p84"/>
           <p:cNvSpPr txBox="1"/>
           <p:nvPr>
             <p:ph type="body" idx="1"/>
@@ -31057,7 +31443,7 @@
       </p:sp>
       <p:sp>
         <p:nvSpPr>
-          <p:cNvPr id="740" name="Google Shape;365;p48"/>
+          <p:cNvPr id="750" name="Google Shape;365;p48"/>
           <p:cNvSpPr txBox="1"/>
           <p:nvPr/>
         </p:nvSpPr>
@@ -31105,7 +31491,7 @@
       </p:sp>
       <p:pic>
         <p:nvPicPr>
-          <p:cNvPr id="741" name="Google Shape;363;p48" descr="Google Shape;363;p48"/>
+          <p:cNvPr id="751" name="Google Shape;363;p48" descr="Google Shape;363;p48"/>
           <p:cNvPicPr>
             <a:picLocks noChangeAspect="1"/>
           </p:cNvPicPr>
@@ -31135,7 +31521,7 @@
       </p:pic>
       <p:sp>
         <p:nvSpPr>
-          <p:cNvPr id="742" name="Google Shape;365;p48"/>
+          <p:cNvPr id="752" name="Google Shape;365;p48"/>
           <p:cNvSpPr txBox="1"/>
           <p:nvPr/>
         </p:nvSpPr>
@@ -31183,7 +31569,7 @@
       </p:sp>
       <p:pic>
         <p:nvPicPr>
-          <p:cNvPr id="743" name="Google Shape;363;p48" descr="Google Shape;363;p48"/>
+          <p:cNvPr id="753" name="Google Shape;363;p48" descr="Google Shape;363;p48"/>
           <p:cNvPicPr>
             <a:picLocks noChangeAspect="1"/>
           </p:cNvPicPr>
@@ -31239,7 +31625,7 @@
       </p:grpSpPr>
       <p:sp>
         <p:nvSpPr>
-          <p:cNvPr id="745" name="Google Shape;351;p47"/>
+          <p:cNvPr id="755" name="Google Shape;351;p47"/>
           <p:cNvSpPr txBox="1"/>
           <p:nvPr>
             <p:ph type="title"/>
@@ -31271,7 +31657,7 @@
       </p:sp>
       <p:sp>
         <p:nvSpPr>
-          <p:cNvPr id="746" name="Google Shape;614;p84"/>
+          <p:cNvPr id="756" name="Google Shape;614;p84"/>
           <p:cNvSpPr txBox="1"/>
           <p:nvPr>
             <p:ph type="body" idx="1"/>
@@ -31389,7 +31775,7 @@
       </p:sp>
       <p:sp>
         <p:nvSpPr>
-          <p:cNvPr id="747" name="Google Shape;365;p48"/>
+          <p:cNvPr id="757" name="Google Shape;365;p48"/>
           <p:cNvSpPr txBox="1"/>
           <p:nvPr/>
         </p:nvSpPr>
@@ -31437,7 +31823,7 @@
       </p:sp>
       <p:pic>
         <p:nvPicPr>
-          <p:cNvPr id="748" name="Google Shape;363;p48" descr="Google Shape;363;p48"/>
+          <p:cNvPr id="758" name="Google Shape;363;p48" descr="Google Shape;363;p48"/>
           <p:cNvPicPr>
             <a:picLocks noChangeAspect="1"/>
           </p:cNvPicPr>
@@ -31467,7 +31853,7 @@
       </p:pic>
       <p:sp>
         <p:nvSpPr>
-          <p:cNvPr id="749" name="Google Shape;365;p48"/>
+          <p:cNvPr id="759" name="Google Shape;365;p48"/>
           <p:cNvSpPr txBox="1"/>
           <p:nvPr/>
         </p:nvSpPr>
@@ -31515,7 +31901,7 @@
       </p:sp>
       <p:pic>
         <p:nvPicPr>
-          <p:cNvPr id="750" name="Google Shape;363;p48" descr="Google Shape;363;p48"/>
+          <p:cNvPr id="760" name="Google Shape;363;p48" descr="Google Shape;363;p48"/>
           <p:cNvPicPr>
             <a:picLocks noChangeAspect="1"/>
           </p:cNvPicPr>
@@ -31571,7 +31957,7 @@
       </p:grpSpPr>
       <p:sp>
         <p:nvSpPr>
-          <p:cNvPr id="752" name="Google Shape;1146;p155"/>
+          <p:cNvPr id="762" name="Google Shape;1146;p155"/>
           <p:cNvSpPr txBox="1"/>
           <p:nvPr>
             <p:ph type="title"/>
@@ -31629,7 +32015,7 @@
       </p:grpSpPr>
       <p:sp>
         <p:nvSpPr>
-          <p:cNvPr id="754" name="Google Shape;1477;p147"/>
+          <p:cNvPr id="764" name="Google Shape;1477;p147"/>
           <p:cNvSpPr txBox="1"/>
           <p:nvPr>
             <p:ph type="title"/>
@@ -31697,7 +32083,7 @@
       </p:grpSpPr>
       <p:sp>
         <p:nvSpPr>
-          <p:cNvPr id="758" name="Google Shape;929;p100"/>
+          <p:cNvPr id="768" name="Google Shape;929;p100"/>
           <p:cNvSpPr txBox="1"/>
           <p:nvPr>
             <p:ph type="title"/>
@@ -31729,7 +32115,7 @@
       </p:sp>
       <p:sp>
         <p:nvSpPr>
-          <p:cNvPr id="759" name="Google Shape;932;p100"/>
+          <p:cNvPr id="769" name="Google Shape;932;p100"/>
           <p:cNvSpPr txBox="1"/>
           <p:nvPr/>
         </p:nvSpPr>
@@ -32025,7 +32411,7 @@
                                       <p:cBhvr>
                                         <p:cTn id="6" fill="hold"/>
                                         <p:tgtEl>
-                                          <p:spTgt spid="759">
+                                          <p:spTgt spid="769">
                                             <p:bg/>
                                           </p:spTgt>
                                         </p:tgtEl>
@@ -32053,7 +32439,7 @@
                                       <p:cBhvr>
                                         <p:cTn id="8" fill="hold"/>
                                         <p:tgtEl>
-                                          <p:spTgt spid="759">
+                                          <p:spTgt spid="769">
                                             <p:txEl>
                                               <p:pRg st="0" end="0"/>
                                             </p:txEl>
@@ -32101,7 +32487,7 @@
                                       <p:cBhvr>
                                         <p:cTn id="12" fill="hold"/>
                                         <p:tgtEl>
-                                          <p:spTgt spid="759">
+                                          <p:spTgt spid="769">
                                             <p:txEl>
                                               <p:pRg st="1" end="1"/>
                                             </p:txEl>
@@ -32149,7 +32535,7 @@
                                       <p:cBhvr>
                                         <p:cTn id="16" fill="hold"/>
                                         <p:tgtEl>
-                                          <p:spTgt spid="759">
+                                          <p:spTgt spid="769">
                                             <p:txEl>
                                               <p:pRg st="2" end="2"/>
                                             </p:txEl>
@@ -32197,7 +32583,7 @@
                                       <p:cBhvr>
                                         <p:cTn id="20" fill="hold"/>
                                         <p:tgtEl>
-                                          <p:spTgt spid="759">
+                                          <p:spTgt spid="769">
                                             <p:txEl>
                                               <p:pRg st="3" end="3"/>
                                             </p:txEl>
@@ -32245,7 +32631,7 @@
                                       <p:cBhvr>
                                         <p:cTn id="24" fill="hold"/>
                                         <p:tgtEl>
-                                          <p:spTgt spid="759">
+                                          <p:spTgt spid="769">
                                             <p:txEl>
                                               <p:pRg st="4" end="4"/>
                                             </p:txEl>
@@ -32293,7 +32679,7 @@
                                       <p:cBhvr>
                                         <p:cTn id="28" fill="hold"/>
                                         <p:tgtEl>
-                                          <p:spTgt spid="759">
+                                          <p:spTgt spid="769">
                                             <p:txEl>
                                               <p:pRg st="5" end="5"/>
                                             </p:txEl>
@@ -32341,7 +32727,7 @@
                                       <p:cBhvr>
                                         <p:cTn id="32" fill="hold"/>
                                         <p:tgtEl>
-                                          <p:spTgt spid="759">
+                                          <p:spTgt spid="769">
                                             <p:txEl>
                                               <p:pRg st="6" end="6"/>
                                             </p:txEl>
@@ -32389,7 +32775,7 @@
                                       <p:cBhvr>
                                         <p:cTn id="36" fill="hold"/>
                                         <p:tgtEl>
-                                          <p:spTgt spid="759">
+                                          <p:spTgt spid="769">
                                             <p:txEl>
                                               <p:pRg st="7" end="7"/>
                                             </p:txEl>
@@ -32434,7 +32820,7 @@
       </p:par>
     </p:tnLst>
     <p:bldLst>
-      <p:bldP build="p" bldLvl="5" animBg="1" rev="0" advAuto="0" spid="759" grpId="1"/>
+      <p:bldP build="p" bldLvl="5" animBg="1" rev="0" advAuto="0" spid="769" grpId="1"/>
     </p:bldLst>
   </p:timing>
 </p:sld>
@@ -32459,7 +32845,7 @@
       </p:grpSpPr>
       <p:sp>
         <p:nvSpPr>
-          <p:cNvPr id="276" name="Google Shape;338;p45"/>
+          <p:cNvPr id="286" name="Google Shape;338;p45"/>
           <p:cNvSpPr txBox="1"/>
           <p:nvPr>
             <p:ph type="title"/>
@@ -32513,7 +32899,7 @@
       </p:grpSpPr>
       <p:sp>
         <p:nvSpPr>
-          <p:cNvPr id="761" name="Google Shape;1477;p147"/>
+          <p:cNvPr id="771" name="Google Shape;1477;p147"/>
           <p:cNvSpPr txBox="1"/>
           <p:nvPr>
             <p:ph type="title"/>
@@ -32581,7 +32967,7 @@
       </p:grpSpPr>
       <p:sp>
         <p:nvSpPr>
-          <p:cNvPr id="765" name="Google Shape;641;p83"/>
+          <p:cNvPr id="775" name="Google Shape;641;p83"/>
           <p:cNvSpPr txBox="1"/>
           <p:nvPr>
             <p:ph type="title"/>
@@ -32613,7 +32999,7 @@
       </p:sp>
       <p:grpSp>
         <p:nvGrpSpPr>
-          <p:cNvPr id="786" name="Google Shape;644;p83"/>
+          <p:cNvPr id="796" name="Google Shape;644;p83"/>
           <p:cNvGrpSpPr/>
           <p:nvPr/>
         </p:nvGrpSpPr>
@@ -32627,7 +33013,7 @@
         </p:grpSpPr>
         <p:sp>
           <p:nvSpPr>
-            <p:cNvPr id="766" name="Google Shape;645;p83"/>
+            <p:cNvPr id="776" name="Google Shape;645;p83"/>
             <p:cNvSpPr/>
             <p:nvPr/>
           </p:nvSpPr>
@@ -32669,7 +33055,7 @@
         </p:sp>
         <p:sp>
           <p:nvSpPr>
-            <p:cNvPr id="767" name="Google Shape;646;p83"/>
+            <p:cNvPr id="777" name="Google Shape;646;p83"/>
             <p:cNvSpPr txBox="1"/>
             <p:nvPr/>
           </p:nvSpPr>
@@ -32722,7 +33108,7 @@
         </p:sp>
         <p:grpSp>
           <p:nvGrpSpPr>
-            <p:cNvPr id="770" name="Google Shape;647;p83"/>
+            <p:cNvPr id="780" name="Google Shape;647;p83"/>
             <p:cNvGrpSpPr/>
             <p:nvPr/>
           </p:nvGrpSpPr>
@@ -32736,7 +33122,7 @@
           </p:grpSpPr>
           <p:sp>
             <p:nvSpPr>
-              <p:cNvPr id="768" name="Rectangle"/>
+              <p:cNvPr id="778" name="Rectangle"/>
               <p:cNvSpPr/>
               <p:nvPr/>
             </p:nvSpPr>
@@ -32787,7 +33173,7 @@
           </p:sp>
           <p:sp>
             <p:nvSpPr>
-              <p:cNvPr id="769" name="‘hansa’…"/>
+              <p:cNvPr id="779" name="‘hansa’…"/>
               <p:cNvSpPr txBox="1"/>
               <p:nvPr/>
             </p:nvSpPr>
@@ -32905,7 +33291,7 @@
         </p:grpSp>
         <p:sp>
           <p:nvSpPr>
-            <p:cNvPr id="771" name="Google Shape;648;p83"/>
+            <p:cNvPr id="781" name="Google Shape;648;p83"/>
             <p:cNvSpPr/>
             <p:nvPr/>
           </p:nvSpPr>
@@ -32941,7 +33327,7 @@
         </p:sp>
         <p:sp>
           <p:nvSpPr>
-            <p:cNvPr id="772" name="Google Shape;649;p83"/>
+            <p:cNvPr id="782" name="Google Shape;649;p83"/>
             <p:cNvSpPr/>
             <p:nvPr/>
           </p:nvSpPr>
@@ -32977,7 +33363,7 @@
         </p:sp>
         <p:sp>
           <p:nvSpPr>
-            <p:cNvPr id="773" name="Google Shape;650;p83"/>
+            <p:cNvPr id="783" name="Google Shape;650;p83"/>
             <p:cNvSpPr/>
             <p:nvPr/>
           </p:nvSpPr>
@@ -33013,7 +33399,7 @@
         </p:sp>
         <p:grpSp>
           <p:nvGrpSpPr>
-            <p:cNvPr id="776" name="Google Shape;651;p83"/>
+            <p:cNvPr id="786" name="Google Shape;651;p83"/>
             <p:cNvGrpSpPr/>
             <p:nvPr/>
           </p:nvGrpSpPr>
@@ -33027,7 +33413,7 @@
           </p:grpSpPr>
           <p:sp>
             <p:nvSpPr>
-              <p:cNvPr id="774" name="Rectangle"/>
+              <p:cNvPr id="784" name="Rectangle"/>
               <p:cNvSpPr/>
               <p:nvPr/>
             </p:nvSpPr>
@@ -33078,7 +33464,7 @@
           </p:sp>
           <p:sp>
             <p:nvSpPr>
-              <p:cNvPr id="775" name="3…"/>
+              <p:cNvPr id="785" name="3…"/>
               <p:cNvSpPr txBox="1"/>
               <p:nvPr/>
             </p:nvSpPr>
@@ -33196,7 +33582,7 @@
         </p:grpSp>
         <p:sp>
           <p:nvSpPr>
-            <p:cNvPr id="777" name="Google Shape;652;p83"/>
+            <p:cNvPr id="787" name="Google Shape;652;p83"/>
             <p:cNvSpPr/>
             <p:nvPr/>
           </p:nvSpPr>
@@ -33232,7 +33618,7 @@
         </p:sp>
         <p:sp>
           <p:nvSpPr>
-            <p:cNvPr id="778" name="Google Shape;653;p83"/>
+            <p:cNvPr id="788" name="Google Shape;653;p83"/>
             <p:cNvSpPr/>
             <p:nvPr/>
           </p:nvSpPr>
@@ -33268,7 +33654,7 @@
         </p:sp>
         <p:sp>
           <p:nvSpPr>
-            <p:cNvPr id="779" name="Google Shape;654;p83"/>
+            <p:cNvPr id="789" name="Google Shape;654;p83"/>
             <p:cNvSpPr/>
             <p:nvPr/>
           </p:nvSpPr>
@@ -33304,7 +33690,7 @@
         </p:sp>
         <p:sp>
           <p:nvSpPr>
-            <p:cNvPr id="780" name="Google Shape;655;p83"/>
+            <p:cNvPr id="790" name="Google Shape;655;p83"/>
             <p:cNvSpPr txBox="1"/>
             <p:nvPr/>
           </p:nvSpPr>
@@ -33357,7 +33743,7 @@
         </p:sp>
         <p:sp>
           <p:nvSpPr>
-            <p:cNvPr id="781" name="Google Shape;656;p83"/>
+            <p:cNvPr id="791" name="Google Shape;656;p83"/>
             <p:cNvSpPr txBox="1"/>
             <p:nvPr/>
           </p:nvSpPr>
@@ -33410,7 +33796,7 @@
         </p:sp>
         <p:sp>
           <p:nvSpPr>
-            <p:cNvPr id="782" name="Google Shape;657;p83"/>
+            <p:cNvPr id="792" name="Google Shape;657;p83"/>
             <p:cNvSpPr/>
             <p:nvPr/>
           </p:nvSpPr>
@@ -33447,7 +33833,7 @@
         </p:sp>
         <p:sp>
           <p:nvSpPr>
-            <p:cNvPr id="783" name="Google Shape;658;p83"/>
+            <p:cNvPr id="793" name="Google Shape;658;p83"/>
             <p:cNvSpPr/>
             <p:nvPr/>
           </p:nvSpPr>
@@ -33484,7 +33870,7 @@
         </p:sp>
         <p:sp>
           <p:nvSpPr>
-            <p:cNvPr id="784" name="Google Shape;659;p83"/>
+            <p:cNvPr id="794" name="Google Shape;659;p83"/>
             <p:cNvSpPr/>
             <p:nvPr/>
           </p:nvSpPr>
@@ -33521,7 +33907,7 @@
         </p:sp>
         <p:sp>
           <p:nvSpPr>
-            <p:cNvPr id="785" name="Google Shape;660;p83"/>
+            <p:cNvPr id="795" name="Google Shape;660;p83"/>
             <p:cNvSpPr/>
             <p:nvPr/>
           </p:nvSpPr>
@@ -33559,7 +33945,7 @@
       </p:grpSp>
       <p:sp>
         <p:nvSpPr>
-          <p:cNvPr id="787" name="Google Shape;661;p83"/>
+          <p:cNvPr id="797" name="Google Shape;661;p83"/>
           <p:cNvSpPr txBox="1"/>
           <p:nvPr/>
         </p:nvSpPr>
@@ -33670,7 +34056,7 @@
       </p:grpSpPr>
       <p:sp>
         <p:nvSpPr>
-          <p:cNvPr id="789" name="Google Shape;666;p84"/>
+          <p:cNvPr id="799" name="Google Shape;666;p84"/>
           <p:cNvSpPr txBox="1"/>
           <p:nvPr>
             <p:ph type="title"/>
@@ -33702,7 +34088,7 @@
       </p:sp>
       <p:grpSp>
         <p:nvGrpSpPr>
-          <p:cNvPr id="810" name="Google Shape;669;p84"/>
+          <p:cNvPr id="820" name="Google Shape;669;p84"/>
           <p:cNvGrpSpPr/>
           <p:nvPr/>
         </p:nvGrpSpPr>
@@ -33716,7 +34102,7 @@
         </p:grpSpPr>
         <p:sp>
           <p:nvSpPr>
-            <p:cNvPr id="790" name="Google Shape;670;p84"/>
+            <p:cNvPr id="800" name="Google Shape;670;p84"/>
             <p:cNvSpPr/>
             <p:nvPr/>
           </p:nvSpPr>
@@ -33758,7 +34144,7 @@
         </p:sp>
         <p:sp>
           <p:nvSpPr>
-            <p:cNvPr id="791" name="Google Shape;671;p84"/>
+            <p:cNvPr id="801" name="Google Shape;671;p84"/>
             <p:cNvSpPr txBox="1"/>
             <p:nvPr/>
           </p:nvSpPr>
@@ -33811,7 +34197,7 @@
         </p:sp>
         <p:grpSp>
           <p:nvGrpSpPr>
-            <p:cNvPr id="794" name="Google Shape;672;p84"/>
+            <p:cNvPr id="804" name="Google Shape;672;p84"/>
             <p:cNvGrpSpPr/>
             <p:nvPr/>
           </p:nvGrpSpPr>
@@ -33825,7 +34211,7 @@
           </p:grpSpPr>
           <p:sp>
             <p:nvSpPr>
-              <p:cNvPr id="792" name="Rectangle"/>
+              <p:cNvPr id="802" name="Rectangle"/>
               <p:cNvSpPr/>
               <p:nvPr/>
             </p:nvSpPr>
@@ -33876,7 +34262,7 @@
           </p:sp>
           <p:sp>
             <p:nvSpPr>
-              <p:cNvPr id="793" name="‘hansa’…"/>
+              <p:cNvPr id="803" name="‘hansa’…"/>
               <p:cNvSpPr txBox="1"/>
               <p:nvPr/>
             </p:nvSpPr>
@@ -33994,7 +34380,7 @@
         </p:grpSp>
         <p:sp>
           <p:nvSpPr>
-            <p:cNvPr id="795" name="Google Shape;673;p84"/>
+            <p:cNvPr id="805" name="Google Shape;673;p84"/>
             <p:cNvSpPr/>
             <p:nvPr/>
           </p:nvSpPr>
@@ -34030,7 +34416,7 @@
         </p:sp>
         <p:sp>
           <p:nvSpPr>
-            <p:cNvPr id="796" name="Google Shape;674;p84"/>
+            <p:cNvPr id="806" name="Google Shape;674;p84"/>
             <p:cNvSpPr/>
             <p:nvPr/>
           </p:nvSpPr>
@@ -34066,7 +34452,7 @@
         </p:sp>
         <p:sp>
           <p:nvSpPr>
-            <p:cNvPr id="797" name="Google Shape;675;p84"/>
+            <p:cNvPr id="807" name="Google Shape;675;p84"/>
             <p:cNvSpPr/>
             <p:nvPr/>
           </p:nvSpPr>
@@ -34102,7 +34488,7 @@
         </p:sp>
         <p:grpSp>
           <p:nvGrpSpPr>
-            <p:cNvPr id="800" name="Google Shape;676;p84"/>
+            <p:cNvPr id="810" name="Google Shape;676;p84"/>
             <p:cNvGrpSpPr/>
             <p:nvPr/>
           </p:nvGrpSpPr>
@@ -34116,7 +34502,7 @@
           </p:grpSpPr>
           <p:sp>
             <p:nvSpPr>
-              <p:cNvPr id="798" name="Rectangle"/>
+              <p:cNvPr id="808" name="Rectangle"/>
               <p:cNvSpPr/>
               <p:nvPr/>
             </p:nvSpPr>
@@ -34167,7 +34553,7 @@
           </p:sp>
           <p:sp>
             <p:nvSpPr>
-              <p:cNvPr id="799" name="3…"/>
+              <p:cNvPr id="809" name="3…"/>
               <p:cNvSpPr txBox="1"/>
               <p:nvPr/>
             </p:nvSpPr>
@@ -34285,7 +34671,7 @@
         </p:grpSp>
         <p:sp>
           <p:nvSpPr>
-            <p:cNvPr id="801" name="Google Shape;677;p84"/>
+            <p:cNvPr id="811" name="Google Shape;677;p84"/>
             <p:cNvSpPr/>
             <p:nvPr/>
           </p:nvSpPr>
@@ -34321,7 +34707,7 @@
         </p:sp>
         <p:sp>
           <p:nvSpPr>
-            <p:cNvPr id="802" name="Google Shape;678;p84"/>
+            <p:cNvPr id="812" name="Google Shape;678;p84"/>
             <p:cNvSpPr/>
             <p:nvPr/>
           </p:nvSpPr>
@@ -34357,7 +34743,7 @@
         </p:sp>
         <p:sp>
           <p:nvSpPr>
-            <p:cNvPr id="803" name="Google Shape;679;p84"/>
+            <p:cNvPr id="813" name="Google Shape;679;p84"/>
             <p:cNvSpPr/>
             <p:nvPr/>
           </p:nvSpPr>
@@ -34393,7 +34779,7 @@
         </p:sp>
         <p:sp>
           <p:nvSpPr>
-            <p:cNvPr id="804" name="Google Shape;680;p84"/>
+            <p:cNvPr id="814" name="Google Shape;680;p84"/>
             <p:cNvSpPr txBox="1"/>
             <p:nvPr/>
           </p:nvSpPr>
@@ -34446,7 +34832,7 @@
         </p:sp>
         <p:sp>
           <p:nvSpPr>
-            <p:cNvPr id="805" name="Google Shape;681;p84"/>
+            <p:cNvPr id="815" name="Google Shape;681;p84"/>
             <p:cNvSpPr txBox="1"/>
             <p:nvPr/>
           </p:nvSpPr>
@@ -34499,7 +34885,7 @@
         </p:sp>
         <p:sp>
           <p:nvSpPr>
-            <p:cNvPr id="806" name="Google Shape;682;p84"/>
+            <p:cNvPr id="816" name="Google Shape;682;p84"/>
             <p:cNvSpPr/>
             <p:nvPr/>
           </p:nvSpPr>
@@ -34536,7 +34922,7 @@
         </p:sp>
         <p:sp>
           <p:nvSpPr>
-            <p:cNvPr id="807" name="Google Shape;683;p84"/>
+            <p:cNvPr id="817" name="Google Shape;683;p84"/>
             <p:cNvSpPr/>
             <p:nvPr/>
           </p:nvSpPr>
@@ -34573,7 +34959,7 @@
         </p:sp>
         <p:sp>
           <p:nvSpPr>
-            <p:cNvPr id="808" name="Google Shape;684;p84"/>
+            <p:cNvPr id="818" name="Google Shape;684;p84"/>
             <p:cNvSpPr/>
             <p:nvPr/>
           </p:nvSpPr>
@@ -34610,7 +34996,7 @@
         </p:sp>
         <p:sp>
           <p:nvSpPr>
-            <p:cNvPr id="809" name="Google Shape;685;p84"/>
+            <p:cNvPr id="819" name="Google Shape;685;p84"/>
             <p:cNvSpPr/>
             <p:nvPr/>
           </p:nvSpPr>
@@ -34648,7 +35034,7 @@
       </p:grpSp>
       <p:sp>
         <p:nvSpPr>
-          <p:cNvPr id="811" name="Google Shape;686;p84"/>
+          <p:cNvPr id="821" name="Google Shape;686;p84"/>
           <p:cNvSpPr txBox="1"/>
           <p:nvPr/>
         </p:nvSpPr>
@@ -34733,7 +35119,7 @@
       </p:sp>
       <p:sp>
         <p:nvSpPr>
-          <p:cNvPr id="812" name="Google Shape;722;p86"/>
+          <p:cNvPr id="822" name="Google Shape;722;p86"/>
           <p:cNvSpPr txBox="1"/>
           <p:nvPr/>
         </p:nvSpPr>
@@ -34812,7 +35198,7 @@
       </p:grpSpPr>
       <p:sp>
         <p:nvSpPr>
-          <p:cNvPr id="814" name="Google Shape;701;p86"/>
+          <p:cNvPr id="824" name="Google Shape;701;p86"/>
           <p:cNvSpPr txBox="1"/>
           <p:nvPr>
             <p:ph type="title"/>
@@ -34844,7 +35230,7 @@
       </p:sp>
       <p:grpSp>
         <p:nvGrpSpPr>
-          <p:cNvPr id="835" name="Google Shape;704;p86"/>
+          <p:cNvPr id="845" name="Google Shape;704;p86"/>
           <p:cNvGrpSpPr/>
           <p:nvPr/>
         </p:nvGrpSpPr>
@@ -34858,7 +35244,7 @@
         </p:grpSpPr>
         <p:sp>
           <p:nvSpPr>
-            <p:cNvPr id="815" name="Google Shape;705;p86"/>
+            <p:cNvPr id="825" name="Google Shape;705;p86"/>
             <p:cNvSpPr/>
             <p:nvPr/>
           </p:nvSpPr>
@@ -34900,7 +35286,7 @@
         </p:sp>
         <p:sp>
           <p:nvSpPr>
-            <p:cNvPr id="816" name="Google Shape;706;p86"/>
+            <p:cNvPr id="826" name="Google Shape;706;p86"/>
             <p:cNvSpPr txBox="1"/>
             <p:nvPr/>
           </p:nvSpPr>
@@ -34953,7 +35339,7 @@
         </p:sp>
         <p:grpSp>
           <p:nvGrpSpPr>
-            <p:cNvPr id="819" name="Google Shape;707;p86"/>
+            <p:cNvPr id="829" name="Google Shape;707;p86"/>
             <p:cNvGrpSpPr/>
             <p:nvPr/>
           </p:nvGrpSpPr>
@@ -34967,7 +35353,7 @@
           </p:grpSpPr>
           <p:sp>
             <p:nvSpPr>
-              <p:cNvPr id="817" name="Rectangle"/>
+              <p:cNvPr id="827" name="Rectangle"/>
               <p:cNvSpPr/>
               <p:nvPr/>
             </p:nvSpPr>
@@ -35018,7 +35404,7 @@
           </p:sp>
           <p:sp>
             <p:nvSpPr>
-              <p:cNvPr id="818" name="‘hansa’…"/>
+              <p:cNvPr id="828" name="‘hansa’…"/>
               <p:cNvSpPr txBox="1"/>
               <p:nvPr/>
             </p:nvSpPr>
@@ -35136,7 +35522,7 @@
         </p:grpSp>
         <p:sp>
           <p:nvSpPr>
-            <p:cNvPr id="820" name="Google Shape;708;p86"/>
+            <p:cNvPr id="830" name="Google Shape;708;p86"/>
             <p:cNvSpPr/>
             <p:nvPr/>
           </p:nvSpPr>
@@ -35172,7 +35558,7 @@
         </p:sp>
         <p:sp>
           <p:nvSpPr>
-            <p:cNvPr id="821" name="Google Shape;709;p86"/>
+            <p:cNvPr id="831" name="Google Shape;709;p86"/>
             <p:cNvSpPr/>
             <p:nvPr/>
           </p:nvSpPr>
@@ -35208,7 +35594,7 @@
         </p:sp>
         <p:sp>
           <p:nvSpPr>
-            <p:cNvPr id="822" name="Google Shape;710;p86"/>
+            <p:cNvPr id="832" name="Google Shape;710;p86"/>
             <p:cNvSpPr/>
             <p:nvPr/>
           </p:nvSpPr>
@@ -35244,7 +35630,7 @@
         </p:sp>
         <p:grpSp>
           <p:nvGrpSpPr>
-            <p:cNvPr id="825" name="Google Shape;711;p86"/>
+            <p:cNvPr id="835" name="Google Shape;711;p86"/>
             <p:cNvGrpSpPr/>
             <p:nvPr/>
           </p:nvGrpSpPr>
@@ -35258,7 +35644,7 @@
           </p:grpSpPr>
           <p:sp>
             <p:nvSpPr>
-              <p:cNvPr id="823" name="Rectangle"/>
+              <p:cNvPr id="833" name="Rectangle"/>
               <p:cNvSpPr/>
               <p:nvPr/>
             </p:nvSpPr>
@@ -35312,7 +35698,7 @@
           </p:sp>
           <p:sp>
             <p:nvSpPr>
-              <p:cNvPr id="824" name="‘12:00,3:00,9:00’…"/>
+              <p:cNvPr id="834" name="‘12:00,3:00,9:00’…"/>
               <p:cNvSpPr txBox="1"/>
               <p:nvPr/>
             </p:nvSpPr>
@@ -35442,7 +35828,7 @@
         </p:grpSp>
         <p:sp>
           <p:nvSpPr>
-            <p:cNvPr id="826" name="Google Shape;712;p86"/>
+            <p:cNvPr id="836" name="Google Shape;712;p86"/>
             <p:cNvSpPr/>
             <p:nvPr/>
           </p:nvSpPr>
@@ -35478,7 +35864,7 @@
         </p:sp>
         <p:sp>
           <p:nvSpPr>
-            <p:cNvPr id="827" name="Google Shape;713;p86"/>
+            <p:cNvPr id="837" name="Google Shape;713;p86"/>
             <p:cNvSpPr/>
             <p:nvPr/>
           </p:nvSpPr>
@@ -35514,7 +35900,7 @@
         </p:sp>
         <p:sp>
           <p:nvSpPr>
-            <p:cNvPr id="828" name="Google Shape;714;p86"/>
+            <p:cNvPr id="838" name="Google Shape;714;p86"/>
             <p:cNvSpPr/>
             <p:nvPr/>
           </p:nvSpPr>
@@ -35550,7 +35936,7 @@
         </p:sp>
         <p:sp>
           <p:nvSpPr>
-            <p:cNvPr id="829" name="Google Shape;715;p86"/>
+            <p:cNvPr id="839" name="Google Shape;715;p86"/>
             <p:cNvSpPr txBox="1"/>
             <p:nvPr/>
           </p:nvSpPr>
@@ -35603,7 +35989,7 @@
         </p:sp>
         <p:sp>
           <p:nvSpPr>
-            <p:cNvPr id="830" name="Google Shape;716;p86"/>
+            <p:cNvPr id="840" name="Google Shape;716;p86"/>
             <p:cNvSpPr txBox="1"/>
             <p:nvPr/>
           </p:nvSpPr>
@@ -35656,7 +36042,7 @@
         </p:sp>
         <p:sp>
           <p:nvSpPr>
-            <p:cNvPr id="831" name="Google Shape;717;p86"/>
+            <p:cNvPr id="841" name="Google Shape;717;p86"/>
             <p:cNvSpPr/>
             <p:nvPr/>
           </p:nvSpPr>
@@ -35693,7 +36079,7 @@
         </p:sp>
         <p:sp>
           <p:nvSpPr>
-            <p:cNvPr id="832" name="Google Shape;718;p86"/>
+            <p:cNvPr id="842" name="Google Shape;718;p86"/>
             <p:cNvSpPr/>
             <p:nvPr/>
           </p:nvSpPr>
@@ -35730,7 +36116,7 @@
         </p:sp>
         <p:sp>
           <p:nvSpPr>
-            <p:cNvPr id="833" name="Google Shape;719;p86"/>
+            <p:cNvPr id="843" name="Google Shape;719;p86"/>
             <p:cNvSpPr/>
             <p:nvPr/>
           </p:nvSpPr>
@@ -35767,7 +36153,7 @@
         </p:sp>
         <p:sp>
           <p:nvSpPr>
-            <p:cNvPr id="834" name="Google Shape;720;p86"/>
+            <p:cNvPr id="844" name="Google Shape;720;p86"/>
             <p:cNvSpPr/>
             <p:nvPr/>
           </p:nvSpPr>
@@ -35805,7 +36191,7 @@
       </p:grpSp>
       <p:sp>
         <p:nvSpPr>
-          <p:cNvPr id="836" name="Google Shape;721;p86"/>
+          <p:cNvPr id="846" name="Google Shape;721;p86"/>
           <p:cNvSpPr txBox="1"/>
           <p:nvPr/>
         </p:nvSpPr>
@@ -35899,7 +36285,7 @@
       </p:sp>
       <p:sp>
         <p:nvSpPr>
-          <p:cNvPr id="837" name="Google Shape;722;p86"/>
+          <p:cNvPr id="847" name="Google Shape;722;p86"/>
           <p:cNvSpPr txBox="1"/>
           <p:nvPr/>
         </p:nvSpPr>
@@ -35978,7 +36364,7 @@
       </p:grpSpPr>
       <p:sp>
         <p:nvSpPr>
-          <p:cNvPr id="839" name="Google Shape;727;p87"/>
+          <p:cNvPr id="849" name="Google Shape;727;p87"/>
           <p:cNvSpPr txBox="1"/>
           <p:nvPr>
             <p:ph type="title"/>
@@ -36010,7 +36396,7 @@
       </p:sp>
       <p:sp>
         <p:nvSpPr>
-          <p:cNvPr id="840" name="Google Shape;728;p87"/>
+          <p:cNvPr id="850" name="Google Shape;728;p87"/>
           <p:cNvSpPr txBox="1"/>
           <p:nvPr>
             <p:ph type="body" idx="1"/>
@@ -36035,7 +36421,7 @@
       </p:sp>
       <p:grpSp>
         <p:nvGrpSpPr>
-          <p:cNvPr id="861" name="Google Shape;730;p87"/>
+          <p:cNvPr id="871" name="Google Shape;730;p87"/>
           <p:cNvGrpSpPr/>
           <p:nvPr/>
         </p:nvGrpSpPr>
@@ -36049,7 +36435,7 @@
         </p:grpSpPr>
         <p:sp>
           <p:nvSpPr>
-            <p:cNvPr id="841" name="Google Shape;731;p87"/>
+            <p:cNvPr id="851" name="Google Shape;731;p87"/>
             <p:cNvSpPr/>
             <p:nvPr/>
           </p:nvSpPr>
@@ -36091,7 +36477,7 @@
         </p:sp>
         <p:sp>
           <p:nvSpPr>
-            <p:cNvPr id="842" name="Google Shape;732;p87"/>
+            <p:cNvPr id="852" name="Google Shape;732;p87"/>
             <p:cNvSpPr txBox="1"/>
             <p:nvPr/>
           </p:nvSpPr>
@@ -36144,7 +36530,7 @@
         </p:sp>
         <p:grpSp>
           <p:nvGrpSpPr>
-            <p:cNvPr id="845" name="Google Shape;733;p87"/>
+            <p:cNvPr id="855" name="Google Shape;733;p87"/>
             <p:cNvGrpSpPr/>
             <p:nvPr/>
           </p:nvGrpSpPr>
@@ -36158,7 +36544,7 @@
           </p:grpSpPr>
           <p:sp>
             <p:nvSpPr>
-              <p:cNvPr id="843" name="Rectangle"/>
+              <p:cNvPr id="853" name="Rectangle"/>
               <p:cNvSpPr/>
               <p:nvPr/>
             </p:nvSpPr>
@@ -36209,7 +36595,7 @@
           </p:sp>
           <p:sp>
             <p:nvSpPr>
-              <p:cNvPr id="844" name="‘hansa’…"/>
+              <p:cNvPr id="854" name="‘hansa’…"/>
               <p:cNvSpPr txBox="1"/>
               <p:nvPr/>
             </p:nvSpPr>
@@ -36327,7 +36713,7 @@
         </p:grpSp>
         <p:sp>
           <p:nvSpPr>
-            <p:cNvPr id="846" name="Google Shape;734;p87"/>
+            <p:cNvPr id="856" name="Google Shape;734;p87"/>
             <p:cNvSpPr/>
             <p:nvPr/>
           </p:nvSpPr>
@@ -36363,7 +36749,7 @@
         </p:sp>
         <p:sp>
           <p:nvSpPr>
-            <p:cNvPr id="847" name="Google Shape;735;p87"/>
+            <p:cNvPr id="857" name="Google Shape;735;p87"/>
             <p:cNvSpPr/>
             <p:nvPr/>
           </p:nvSpPr>
@@ -36399,7 +36785,7 @@
         </p:sp>
         <p:sp>
           <p:nvSpPr>
-            <p:cNvPr id="848" name="Google Shape;736;p87"/>
+            <p:cNvPr id="858" name="Google Shape;736;p87"/>
             <p:cNvSpPr/>
             <p:nvPr/>
           </p:nvSpPr>
@@ -36435,7 +36821,7 @@
         </p:sp>
         <p:grpSp>
           <p:nvGrpSpPr>
-            <p:cNvPr id="851" name="Google Shape;737;p87"/>
+            <p:cNvPr id="861" name="Google Shape;737;p87"/>
             <p:cNvGrpSpPr/>
             <p:nvPr/>
           </p:nvGrpSpPr>
@@ -36449,7 +36835,7 @@
           </p:grpSpPr>
           <p:sp>
             <p:nvSpPr>
-              <p:cNvPr id="849" name="Rectangle"/>
+              <p:cNvPr id="859" name="Rectangle"/>
               <p:cNvSpPr/>
               <p:nvPr/>
             </p:nvSpPr>
@@ -36503,7 +36889,7 @@
           </p:sp>
           <p:sp>
             <p:nvSpPr>
-              <p:cNvPr id="850" name="‘12:00,3:00,9:00’…"/>
+              <p:cNvPr id="860" name="‘12:00,3:00,9:00’…"/>
               <p:cNvSpPr txBox="1"/>
               <p:nvPr/>
             </p:nvSpPr>
@@ -36633,7 +37019,7 @@
         </p:grpSp>
         <p:sp>
           <p:nvSpPr>
-            <p:cNvPr id="852" name="Google Shape;738;p87"/>
+            <p:cNvPr id="862" name="Google Shape;738;p87"/>
             <p:cNvSpPr/>
             <p:nvPr/>
           </p:nvSpPr>
@@ -36669,7 +37055,7 @@
         </p:sp>
         <p:sp>
           <p:nvSpPr>
-            <p:cNvPr id="853" name="Google Shape;739;p87"/>
+            <p:cNvPr id="863" name="Google Shape;739;p87"/>
             <p:cNvSpPr/>
             <p:nvPr/>
           </p:nvSpPr>
@@ -36705,7 +37091,7 @@
         </p:sp>
         <p:sp>
           <p:nvSpPr>
-            <p:cNvPr id="854" name="Google Shape;740;p87"/>
+            <p:cNvPr id="864" name="Google Shape;740;p87"/>
             <p:cNvSpPr/>
             <p:nvPr/>
           </p:nvSpPr>
@@ -36741,7 +37127,7 @@
         </p:sp>
         <p:sp>
           <p:nvSpPr>
-            <p:cNvPr id="855" name="Google Shape;741;p87"/>
+            <p:cNvPr id="865" name="Google Shape;741;p87"/>
             <p:cNvSpPr txBox="1"/>
             <p:nvPr/>
           </p:nvSpPr>
@@ -36794,7 +37180,7 @@
         </p:sp>
         <p:sp>
           <p:nvSpPr>
-            <p:cNvPr id="856" name="Google Shape;742;p87"/>
+            <p:cNvPr id="866" name="Google Shape;742;p87"/>
             <p:cNvSpPr txBox="1"/>
             <p:nvPr/>
           </p:nvSpPr>
@@ -36847,7 +37233,7 @@
         </p:sp>
         <p:sp>
           <p:nvSpPr>
-            <p:cNvPr id="857" name="Google Shape;743;p87"/>
+            <p:cNvPr id="867" name="Google Shape;743;p87"/>
             <p:cNvSpPr/>
             <p:nvPr/>
           </p:nvSpPr>
@@ -36884,7 +37270,7 @@
         </p:sp>
         <p:sp>
           <p:nvSpPr>
-            <p:cNvPr id="858" name="Google Shape;744;p87"/>
+            <p:cNvPr id="868" name="Google Shape;744;p87"/>
             <p:cNvSpPr/>
             <p:nvPr/>
           </p:nvSpPr>
@@ -36921,7 +37307,7 @@
         </p:sp>
         <p:sp>
           <p:nvSpPr>
-            <p:cNvPr id="859" name="Google Shape;745;p87"/>
+            <p:cNvPr id="869" name="Google Shape;745;p87"/>
             <p:cNvSpPr/>
             <p:nvPr/>
           </p:nvSpPr>
@@ -36958,7 +37344,7 @@
         </p:sp>
         <p:sp>
           <p:nvSpPr>
-            <p:cNvPr id="860" name="Google Shape;746;p87"/>
+            <p:cNvPr id="870" name="Google Shape;746;p87"/>
             <p:cNvSpPr/>
             <p:nvPr/>
           </p:nvSpPr>
@@ -36996,7 +37382,7 @@
       </p:grpSp>
       <p:sp>
         <p:nvSpPr>
-          <p:cNvPr id="862" name="Google Shape;747;p87"/>
+          <p:cNvPr id="872" name="Google Shape;747;p87"/>
           <p:cNvSpPr txBox="1"/>
           <p:nvPr/>
         </p:nvSpPr>
@@ -37090,7 +37476,7 @@
       </p:sp>
       <p:sp>
         <p:nvSpPr>
-          <p:cNvPr id="863" name="Google Shape;749;p87"/>
+          <p:cNvPr id="873" name="Google Shape;749;p87"/>
           <p:cNvSpPr txBox="1"/>
           <p:nvPr/>
         </p:nvSpPr>
@@ -37138,7 +37524,7 @@
       </p:sp>
       <p:pic>
         <p:nvPicPr>
-          <p:cNvPr id="864" name="Google Shape;750;p87" descr="Google Shape;750;p87"/>
+          <p:cNvPr id="874" name="Google Shape;750;p87" descr="Google Shape;750;p87"/>
           <p:cNvPicPr>
             <a:picLocks noChangeAspect="1"/>
           </p:cNvPicPr>
@@ -37167,7 +37553,7 @@
       </p:pic>
       <p:sp>
         <p:nvSpPr>
-          <p:cNvPr id="865" name="Google Shape;722;p86"/>
+          <p:cNvPr id="875" name="Google Shape;722;p86"/>
           <p:cNvSpPr txBox="1"/>
           <p:nvPr/>
         </p:nvSpPr>
@@ -37246,7 +37632,7 @@
       </p:grpSpPr>
       <p:sp>
         <p:nvSpPr>
-          <p:cNvPr id="867" name="Google Shape;783;p89"/>
+          <p:cNvPr id="877" name="Google Shape;783;p89"/>
           <p:cNvSpPr txBox="1"/>
           <p:nvPr>
             <p:ph type="title"/>
@@ -37278,7 +37664,7 @@
       </p:sp>
       <p:sp>
         <p:nvSpPr>
-          <p:cNvPr id="868" name="Google Shape;784;p89"/>
+          <p:cNvPr id="878" name="Google Shape;784;p89"/>
           <p:cNvSpPr txBox="1"/>
           <p:nvPr>
             <p:ph type="body" idx="1"/>
@@ -37303,7 +37689,7 @@
       </p:sp>
       <p:grpSp>
         <p:nvGrpSpPr>
-          <p:cNvPr id="889" name="Google Shape;786;p89"/>
+          <p:cNvPr id="899" name="Google Shape;786;p89"/>
           <p:cNvGrpSpPr/>
           <p:nvPr/>
         </p:nvGrpSpPr>
@@ -37317,7 +37703,7 @@
         </p:grpSpPr>
         <p:sp>
           <p:nvSpPr>
-            <p:cNvPr id="869" name="Google Shape;787;p89"/>
+            <p:cNvPr id="879" name="Google Shape;787;p89"/>
             <p:cNvSpPr/>
             <p:nvPr/>
           </p:nvSpPr>
@@ -37359,7 +37745,7 @@
         </p:sp>
         <p:sp>
           <p:nvSpPr>
-            <p:cNvPr id="870" name="Google Shape;788;p89"/>
+            <p:cNvPr id="880" name="Google Shape;788;p89"/>
             <p:cNvSpPr txBox="1"/>
             <p:nvPr/>
           </p:nvSpPr>
@@ -37412,7 +37798,7 @@
         </p:sp>
         <p:grpSp>
           <p:nvGrpSpPr>
-            <p:cNvPr id="873" name="Google Shape;789;p89"/>
+            <p:cNvPr id="883" name="Google Shape;789;p89"/>
             <p:cNvGrpSpPr/>
             <p:nvPr/>
           </p:nvGrpSpPr>
@@ -37426,7 +37812,7 @@
           </p:grpSpPr>
           <p:sp>
             <p:nvSpPr>
-              <p:cNvPr id="871" name="Rectangle"/>
+              <p:cNvPr id="881" name="Rectangle"/>
               <p:cNvSpPr/>
               <p:nvPr/>
             </p:nvSpPr>
@@ -37477,7 +37863,7 @@
           </p:sp>
           <p:sp>
             <p:nvSpPr>
-              <p:cNvPr id="872" name="‘hansa’…"/>
+              <p:cNvPr id="882" name="‘hansa’…"/>
               <p:cNvSpPr txBox="1"/>
               <p:nvPr/>
             </p:nvSpPr>
@@ -37595,7 +37981,7 @@
         </p:grpSp>
         <p:sp>
           <p:nvSpPr>
-            <p:cNvPr id="874" name="Google Shape;790;p89"/>
+            <p:cNvPr id="884" name="Google Shape;790;p89"/>
             <p:cNvSpPr/>
             <p:nvPr/>
           </p:nvSpPr>
@@ -37631,7 +38017,7 @@
         </p:sp>
         <p:sp>
           <p:nvSpPr>
-            <p:cNvPr id="875" name="Google Shape;791;p89"/>
+            <p:cNvPr id="885" name="Google Shape;791;p89"/>
             <p:cNvSpPr/>
             <p:nvPr/>
           </p:nvSpPr>
@@ -37667,7 +38053,7 @@
         </p:sp>
         <p:sp>
           <p:nvSpPr>
-            <p:cNvPr id="876" name="Google Shape;792;p89"/>
+            <p:cNvPr id="886" name="Google Shape;792;p89"/>
             <p:cNvSpPr/>
             <p:nvPr/>
           </p:nvSpPr>
@@ -37703,7 +38089,7 @@
         </p:sp>
         <p:grpSp>
           <p:nvGrpSpPr>
-            <p:cNvPr id="879" name="Google Shape;793;p89"/>
+            <p:cNvPr id="889" name="Google Shape;793;p89"/>
             <p:cNvGrpSpPr/>
             <p:nvPr/>
           </p:nvGrpSpPr>
@@ -37717,7 +38103,7 @@
           </p:grpSpPr>
           <p:sp>
             <p:nvSpPr>
-              <p:cNvPr id="877" name="Rectangle"/>
+              <p:cNvPr id="887" name="Rectangle"/>
               <p:cNvSpPr/>
               <p:nvPr/>
             </p:nvSpPr>
@@ -37771,7 +38157,7 @@
           </p:sp>
           <p:sp>
             <p:nvSpPr>
-              <p:cNvPr id="878" name="‘12:00,3:00,9:00’…"/>
+              <p:cNvPr id="888" name="‘12:00,3:00,9:00’…"/>
               <p:cNvSpPr txBox="1"/>
               <p:nvPr/>
             </p:nvSpPr>
@@ -37901,7 +38287,7 @@
         </p:grpSp>
         <p:sp>
           <p:nvSpPr>
-            <p:cNvPr id="880" name="Google Shape;794;p89"/>
+            <p:cNvPr id="890" name="Google Shape;794;p89"/>
             <p:cNvSpPr/>
             <p:nvPr/>
           </p:nvSpPr>
@@ -37937,7 +38323,7 @@
         </p:sp>
         <p:sp>
           <p:nvSpPr>
-            <p:cNvPr id="881" name="Google Shape;795;p89"/>
+            <p:cNvPr id="891" name="Google Shape;795;p89"/>
             <p:cNvSpPr/>
             <p:nvPr/>
           </p:nvSpPr>
@@ -37973,7 +38359,7 @@
         </p:sp>
         <p:sp>
           <p:nvSpPr>
-            <p:cNvPr id="882" name="Google Shape;796;p89"/>
+            <p:cNvPr id="892" name="Google Shape;796;p89"/>
             <p:cNvSpPr/>
             <p:nvPr/>
           </p:nvSpPr>
@@ -38009,7 +38395,7 @@
         </p:sp>
         <p:sp>
           <p:nvSpPr>
-            <p:cNvPr id="883" name="Google Shape;797;p89"/>
+            <p:cNvPr id="893" name="Google Shape;797;p89"/>
             <p:cNvSpPr txBox="1"/>
             <p:nvPr/>
           </p:nvSpPr>
@@ -38062,7 +38448,7 @@
         </p:sp>
         <p:sp>
           <p:nvSpPr>
-            <p:cNvPr id="884" name="Google Shape;798;p89"/>
+            <p:cNvPr id="894" name="Google Shape;798;p89"/>
             <p:cNvSpPr txBox="1"/>
             <p:nvPr/>
           </p:nvSpPr>
@@ -38115,7 +38501,7 @@
         </p:sp>
         <p:sp>
           <p:nvSpPr>
-            <p:cNvPr id="885" name="Google Shape;799;p89"/>
+            <p:cNvPr id="895" name="Google Shape;799;p89"/>
             <p:cNvSpPr/>
             <p:nvPr/>
           </p:nvSpPr>
@@ -38152,7 +38538,7 @@
         </p:sp>
         <p:sp>
           <p:nvSpPr>
-            <p:cNvPr id="886" name="Google Shape;800;p89"/>
+            <p:cNvPr id="896" name="Google Shape;800;p89"/>
             <p:cNvSpPr/>
             <p:nvPr/>
           </p:nvSpPr>
@@ -38189,7 +38575,7 @@
         </p:sp>
         <p:sp>
           <p:nvSpPr>
-            <p:cNvPr id="887" name="Google Shape;801;p89"/>
+            <p:cNvPr id="897" name="Google Shape;801;p89"/>
             <p:cNvSpPr/>
             <p:nvPr/>
           </p:nvSpPr>
@@ -38226,7 +38612,7 @@
         </p:sp>
         <p:sp>
           <p:nvSpPr>
-            <p:cNvPr id="888" name="Google Shape;802;p89"/>
+            <p:cNvPr id="898" name="Google Shape;802;p89"/>
             <p:cNvSpPr/>
             <p:nvPr/>
           </p:nvSpPr>
@@ -38264,7 +38650,7 @@
       </p:grpSp>
       <p:sp>
         <p:nvSpPr>
-          <p:cNvPr id="890" name="Google Shape;803;p89"/>
+          <p:cNvPr id="900" name="Google Shape;803;p89"/>
           <p:cNvSpPr txBox="1"/>
           <p:nvPr/>
         </p:nvSpPr>
@@ -38358,7 +38744,7 @@
       </p:sp>
       <p:sp>
         <p:nvSpPr>
-          <p:cNvPr id="891" name="Google Shape;806;p89"/>
+          <p:cNvPr id="901" name="Google Shape;806;p89"/>
           <p:cNvSpPr txBox="1"/>
           <p:nvPr/>
         </p:nvSpPr>
@@ -38406,7 +38792,7 @@
       </p:sp>
       <p:sp>
         <p:nvSpPr>
-          <p:cNvPr id="892" name="Google Shape;722;p86"/>
+          <p:cNvPr id="902" name="Google Shape;722;p86"/>
           <p:cNvSpPr txBox="1"/>
           <p:nvPr/>
         </p:nvSpPr>
@@ -38485,7 +38871,7 @@
       </p:grpSpPr>
       <p:sp>
         <p:nvSpPr>
-          <p:cNvPr id="894" name="Google Shape;820;p91"/>
+          <p:cNvPr id="904" name="Google Shape;820;p91"/>
           <p:cNvSpPr txBox="1"/>
           <p:nvPr>
             <p:ph type="title"/>
@@ -38517,7 +38903,7 @@
       </p:sp>
       <p:grpSp>
         <p:nvGrpSpPr>
-          <p:cNvPr id="915" name="Google Shape;823;p91"/>
+          <p:cNvPr id="925" name="Google Shape;823;p91"/>
           <p:cNvGrpSpPr/>
           <p:nvPr/>
         </p:nvGrpSpPr>
@@ -38531,7 +38917,7 @@
         </p:grpSpPr>
         <p:sp>
           <p:nvSpPr>
-            <p:cNvPr id="895" name="Google Shape;824;p91"/>
+            <p:cNvPr id="905" name="Google Shape;824;p91"/>
             <p:cNvSpPr/>
             <p:nvPr/>
           </p:nvSpPr>
@@ -38573,7 +38959,7 @@
         </p:sp>
         <p:sp>
           <p:nvSpPr>
-            <p:cNvPr id="896" name="Google Shape;825;p91"/>
+            <p:cNvPr id="906" name="Google Shape;825;p91"/>
             <p:cNvSpPr txBox="1"/>
             <p:nvPr/>
           </p:nvSpPr>
@@ -38626,7 +39012,7 @@
         </p:sp>
         <p:grpSp>
           <p:nvGrpSpPr>
-            <p:cNvPr id="899" name="Google Shape;826;p91"/>
+            <p:cNvPr id="909" name="Google Shape;826;p91"/>
             <p:cNvGrpSpPr/>
             <p:nvPr/>
           </p:nvGrpSpPr>
@@ -38640,7 +39026,7 @@
           </p:grpSpPr>
           <p:sp>
             <p:nvSpPr>
-              <p:cNvPr id="897" name="Rectangle"/>
+              <p:cNvPr id="907" name="Rectangle"/>
               <p:cNvSpPr/>
               <p:nvPr/>
             </p:nvSpPr>
@@ -38691,7 +39077,7 @@
           </p:sp>
           <p:sp>
             <p:nvSpPr>
-              <p:cNvPr id="898" name="‘hansa’…"/>
+              <p:cNvPr id="908" name="‘hansa’…"/>
               <p:cNvSpPr txBox="1"/>
               <p:nvPr/>
             </p:nvSpPr>
@@ -38809,7 +39195,7 @@
         </p:grpSp>
         <p:sp>
           <p:nvSpPr>
-            <p:cNvPr id="900" name="Google Shape;827;p91"/>
+            <p:cNvPr id="910" name="Google Shape;827;p91"/>
             <p:cNvSpPr/>
             <p:nvPr/>
           </p:nvSpPr>
@@ -38845,7 +39231,7 @@
         </p:sp>
         <p:sp>
           <p:nvSpPr>
-            <p:cNvPr id="901" name="Google Shape;828;p91"/>
+            <p:cNvPr id="911" name="Google Shape;828;p91"/>
             <p:cNvSpPr/>
             <p:nvPr/>
           </p:nvSpPr>
@@ -38881,7 +39267,7 @@
         </p:sp>
         <p:sp>
           <p:nvSpPr>
-            <p:cNvPr id="902" name="Google Shape;829;p91"/>
+            <p:cNvPr id="912" name="Google Shape;829;p91"/>
             <p:cNvSpPr/>
             <p:nvPr/>
           </p:nvSpPr>
@@ -38917,7 +39303,7 @@
         </p:sp>
         <p:grpSp>
           <p:nvGrpSpPr>
-            <p:cNvPr id="905" name="Google Shape;830;p91"/>
+            <p:cNvPr id="915" name="Google Shape;830;p91"/>
             <p:cNvGrpSpPr/>
             <p:nvPr/>
           </p:nvGrpSpPr>
@@ -38931,7 +39317,7 @@
           </p:grpSpPr>
           <p:sp>
             <p:nvSpPr>
-              <p:cNvPr id="903" name="Rectangle"/>
+              <p:cNvPr id="913" name="Rectangle"/>
               <p:cNvSpPr/>
               <p:nvPr/>
             </p:nvSpPr>
@@ -38985,7 +39371,7 @@
           </p:sp>
           <p:sp>
             <p:nvSpPr>
-              <p:cNvPr id="904" name="[‘12:00’,‘3:00’,‘9:00’]…"/>
+              <p:cNvPr id="914" name="[‘12:00’,‘3:00’,‘9:00’]…"/>
               <p:cNvSpPr txBox="1"/>
               <p:nvPr/>
             </p:nvSpPr>
@@ -39115,7 +39501,7 @@
         </p:grpSp>
         <p:sp>
           <p:nvSpPr>
-            <p:cNvPr id="906" name="Google Shape;831;p91"/>
+            <p:cNvPr id="916" name="Google Shape;831;p91"/>
             <p:cNvSpPr/>
             <p:nvPr/>
           </p:nvSpPr>
@@ -39151,7 +39537,7 @@
         </p:sp>
         <p:sp>
           <p:nvSpPr>
-            <p:cNvPr id="907" name="Google Shape;832;p91"/>
+            <p:cNvPr id="917" name="Google Shape;832;p91"/>
             <p:cNvSpPr/>
             <p:nvPr/>
           </p:nvSpPr>
@@ -39187,7 +39573,7 @@
         </p:sp>
         <p:sp>
           <p:nvSpPr>
-            <p:cNvPr id="908" name="Google Shape;833;p91"/>
+            <p:cNvPr id="918" name="Google Shape;833;p91"/>
             <p:cNvSpPr/>
             <p:nvPr/>
           </p:nvSpPr>
@@ -39223,7 +39609,7 @@
         </p:sp>
         <p:sp>
           <p:nvSpPr>
-            <p:cNvPr id="909" name="Google Shape;834;p91"/>
+            <p:cNvPr id="919" name="Google Shape;834;p91"/>
             <p:cNvSpPr txBox="1"/>
             <p:nvPr/>
           </p:nvSpPr>
@@ -39276,7 +39662,7 @@
         </p:sp>
         <p:sp>
           <p:nvSpPr>
-            <p:cNvPr id="910" name="Google Shape;835;p91"/>
+            <p:cNvPr id="920" name="Google Shape;835;p91"/>
             <p:cNvSpPr txBox="1"/>
             <p:nvPr/>
           </p:nvSpPr>
@@ -39329,7 +39715,7 @@
         </p:sp>
         <p:sp>
           <p:nvSpPr>
-            <p:cNvPr id="911" name="Google Shape;836;p91"/>
+            <p:cNvPr id="921" name="Google Shape;836;p91"/>
             <p:cNvSpPr/>
             <p:nvPr/>
           </p:nvSpPr>
@@ -39366,7 +39752,7 @@
         </p:sp>
         <p:sp>
           <p:nvSpPr>
-            <p:cNvPr id="912" name="Google Shape;837;p91"/>
+            <p:cNvPr id="922" name="Google Shape;837;p91"/>
             <p:cNvSpPr/>
             <p:nvPr/>
           </p:nvSpPr>
@@ -39403,7 +39789,7 @@
         </p:sp>
         <p:sp>
           <p:nvSpPr>
-            <p:cNvPr id="913" name="Google Shape;838;p91"/>
+            <p:cNvPr id="923" name="Google Shape;838;p91"/>
             <p:cNvSpPr/>
             <p:nvPr/>
           </p:nvSpPr>
@@ -39440,7 +39826,7 @@
         </p:sp>
         <p:sp>
           <p:nvSpPr>
-            <p:cNvPr id="914" name="Google Shape;839;p91"/>
+            <p:cNvPr id="924" name="Google Shape;839;p91"/>
             <p:cNvSpPr/>
             <p:nvPr/>
           </p:nvSpPr>
@@ -39478,7 +39864,7 @@
       </p:grpSp>
       <p:sp>
         <p:nvSpPr>
-          <p:cNvPr id="916" name="Google Shape;840;p91"/>
+          <p:cNvPr id="926" name="Google Shape;840;p91"/>
           <p:cNvSpPr txBox="1"/>
           <p:nvPr/>
         </p:nvSpPr>
@@ -39572,7 +39958,7 @@
       </p:sp>
       <p:sp>
         <p:nvSpPr>
-          <p:cNvPr id="917" name="Google Shape;722;p86"/>
+          <p:cNvPr id="927" name="Google Shape;722;p86"/>
           <p:cNvSpPr txBox="1"/>
           <p:nvPr/>
         </p:nvSpPr>
